--- a/1701214047_高宜琛_矢量中文字库的自动生成与压缩.pptx
+++ b/1701214047_高宜琛_矢量中文字库的自动生成与压缩.pptx
@@ -1,22 +1,31 @@
 
 <file path=ppt/presentation.xml><?xml version="1.0" encoding="utf-8"?>
-<p:presentation xmlns:a="http://schemas.openxmlformats.org/drawingml/2006/main" xmlns:r="http://schemas.openxmlformats.org/officeDocument/2006/relationships" xmlns:p="http://schemas.openxmlformats.org/presentationml/2006/main" saveSubsetFonts="1">
+<p:presentation xmlns:a="http://schemas.openxmlformats.org/drawingml/2006/main" xmlns:r="http://schemas.openxmlformats.org/officeDocument/2006/relationships" xmlns:p="http://schemas.openxmlformats.org/presentationml/2006/main" showSpecialPlsOnTitleSld="0" saveSubsetFonts="1">
   <p:sldMasterIdLst>
-    <p:sldMasterId id="2147483660" r:id="rId1"/>
+    <p:sldMasterId id="2147483698" r:id="rId1"/>
   </p:sldMasterIdLst>
   <p:notesMasterIdLst>
-    <p:notesMasterId r:id="rId3"/>
+    <p:notesMasterId r:id="rId9"/>
   </p:notesMasterIdLst>
+  <p:handoutMasterIdLst>
+    <p:handoutMasterId r:id="rId10"/>
+  </p:handoutMasterIdLst>
   <p:sldIdLst>
     <p:sldId id="256" r:id="rId2"/>
+    <p:sldId id="257" r:id="rId3"/>
+    <p:sldId id="258" r:id="rId4"/>
+    <p:sldId id="259" r:id="rId5"/>
+    <p:sldId id="260" r:id="rId6"/>
+    <p:sldId id="261" r:id="rId7"/>
+    <p:sldId id="262" r:id="rId8"/>
   </p:sldIdLst>
   <p:sldSz cx="9144000" cy="6858000" type="screen4x3"/>
   <p:notesSz cx="6858000" cy="9144000"/>
   <p:defaultTextStyle>
     <a:defPPr>
-      <a:defRPr lang="en-US"/>
+      <a:defRPr lang="zh-CN"/>
     </a:defPPr>
-    <a:lvl1pPr marL="0" algn="l" defTabSz="457200" rtl="0" eaLnBrk="1" latinLnBrk="0" hangingPunct="1">
+    <a:lvl1pPr marL="0" algn="l" defTabSz="914400" rtl="0" eaLnBrk="1" latinLnBrk="0" hangingPunct="1">
       <a:defRPr sz="1800" kern="1200">
         <a:solidFill>
           <a:schemeClr val="tx1"/>
@@ -26,7 +35,7 @@
         <a:cs typeface="+mn-cs"/>
       </a:defRPr>
     </a:lvl1pPr>
-    <a:lvl2pPr marL="457200" algn="l" defTabSz="457200" rtl="0" eaLnBrk="1" latinLnBrk="0" hangingPunct="1">
+    <a:lvl2pPr marL="457200" algn="l" defTabSz="914400" rtl="0" eaLnBrk="1" latinLnBrk="0" hangingPunct="1">
       <a:defRPr sz="1800" kern="1200">
         <a:solidFill>
           <a:schemeClr val="tx1"/>
@@ -36,7 +45,7 @@
         <a:cs typeface="+mn-cs"/>
       </a:defRPr>
     </a:lvl2pPr>
-    <a:lvl3pPr marL="914400" algn="l" defTabSz="457200" rtl="0" eaLnBrk="1" latinLnBrk="0" hangingPunct="1">
+    <a:lvl3pPr marL="914400" algn="l" defTabSz="914400" rtl="0" eaLnBrk="1" latinLnBrk="0" hangingPunct="1">
       <a:defRPr sz="1800" kern="1200">
         <a:solidFill>
           <a:schemeClr val="tx1"/>
@@ -46,7 +55,7 @@
         <a:cs typeface="+mn-cs"/>
       </a:defRPr>
     </a:lvl3pPr>
-    <a:lvl4pPr marL="1371600" algn="l" defTabSz="457200" rtl="0" eaLnBrk="1" latinLnBrk="0" hangingPunct="1">
+    <a:lvl4pPr marL="1371600" algn="l" defTabSz="914400" rtl="0" eaLnBrk="1" latinLnBrk="0" hangingPunct="1">
       <a:defRPr sz="1800" kern="1200">
         <a:solidFill>
           <a:schemeClr val="tx1"/>
@@ -56,7 +65,7 @@
         <a:cs typeface="+mn-cs"/>
       </a:defRPr>
     </a:lvl4pPr>
-    <a:lvl5pPr marL="1828800" algn="l" defTabSz="457200" rtl="0" eaLnBrk="1" latinLnBrk="0" hangingPunct="1">
+    <a:lvl5pPr marL="1828800" algn="l" defTabSz="914400" rtl="0" eaLnBrk="1" latinLnBrk="0" hangingPunct="1">
       <a:defRPr sz="1800" kern="1200">
         <a:solidFill>
           <a:schemeClr val="tx1"/>
@@ -66,7 +75,7 @@
         <a:cs typeface="+mn-cs"/>
       </a:defRPr>
     </a:lvl5pPr>
-    <a:lvl6pPr marL="2286000" algn="l" defTabSz="457200" rtl="0" eaLnBrk="1" latinLnBrk="0" hangingPunct="1">
+    <a:lvl6pPr marL="2286000" algn="l" defTabSz="914400" rtl="0" eaLnBrk="1" latinLnBrk="0" hangingPunct="1">
       <a:defRPr sz="1800" kern="1200">
         <a:solidFill>
           <a:schemeClr val="tx1"/>
@@ -76,7 +85,7 @@
         <a:cs typeface="+mn-cs"/>
       </a:defRPr>
     </a:lvl6pPr>
-    <a:lvl7pPr marL="2743200" algn="l" defTabSz="457200" rtl="0" eaLnBrk="1" latinLnBrk="0" hangingPunct="1">
+    <a:lvl7pPr marL="2743200" algn="l" defTabSz="914400" rtl="0" eaLnBrk="1" latinLnBrk="0" hangingPunct="1">
       <a:defRPr sz="1800" kern="1200">
         <a:solidFill>
           <a:schemeClr val="tx1"/>
@@ -86,7 +95,7 @@
         <a:cs typeface="+mn-cs"/>
       </a:defRPr>
     </a:lvl7pPr>
-    <a:lvl8pPr marL="3200400" algn="l" defTabSz="457200" rtl="0" eaLnBrk="1" latinLnBrk="0" hangingPunct="1">
+    <a:lvl8pPr marL="3200400" algn="l" defTabSz="914400" rtl="0" eaLnBrk="1" latinLnBrk="0" hangingPunct="1">
       <a:defRPr sz="1800" kern="1200">
         <a:solidFill>
           <a:schemeClr val="tx1"/>
@@ -96,7 +105,7 @@
         <a:cs typeface="+mn-cs"/>
       </a:defRPr>
     </a:lvl8pPr>
-    <a:lvl9pPr marL="3657600" algn="l" defTabSz="457200" rtl="0" eaLnBrk="1" latinLnBrk="0" hangingPunct="1">
+    <a:lvl9pPr marL="3657600" algn="l" defTabSz="914400" rtl="0" eaLnBrk="1" latinLnBrk="0" hangingPunct="1">
       <a:defRPr sz="1800" kern="1200">
         <a:solidFill>
           <a:schemeClr val="tx1"/>
@@ -113,6 +122,195 @@
     </p:ext>
   </p:extLst>
 </p:presentation>
+</file>
+
+<file path=ppt/handoutMasters/handoutMaster1.xml><?xml version="1.0" encoding="utf-8"?>
+<p:handoutMaster xmlns:a="http://schemas.openxmlformats.org/drawingml/2006/main" xmlns:r="http://schemas.openxmlformats.org/officeDocument/2006/relationships" xmlns:p="http://schemas.openxmlformats.org/presentationml/2006/main">
+  <p:cSld>
+    <p:bg>
+      <p:bgRef idx="1001">
+        <a:schemeClr val="bg1"/>
+      </p:bgRef>
+    </p:bg>
+    <p:spTree>
+      <p:nvGrpSpPr>
+        <p:cNvPr id="1" name=""/>
+        <p:cNvGrpSpPr/>
+        <p:nvPr/>
+      </p:nvGrpSpPr>
+      <p:grpSpPr>
+        <a:xfrm>
+          <a:off x="0" y="0"/>
+          <a:ext cx="0" cy="0"/>
+          <a:chOff x="0" y="0"/>
+          <a:chExt cx="0" cy="0"/>
+        </a:xfrm>
+      </p:grpSpPr>
+      <p:sp>
+        <p:nvSpPr>
+          <p:cNvPr id="2" name="页眉占位符 1">
+            <a:extLst>
+              <a:ext uri="{FF2B5EF4-FFF2-40B4-BE49-F238E27FC236}">
+                <a16:creationId xmlns:a16="http://schemas.microsoft.com/office/drawing/2014/main" id="{53B5F200-3E3B-4B4E-82DC-5F3D07FC4D2F}"/>
+              </a:ext>
+            </a:extLst>
+          </p:cNvPr>
+          <p:cNvSpPr>
+            <a:spLocks noGrp="1"/>
+          </p:cNvSpPr>
+          <p:nvPr>
+            <p:ph type="hdr" sz="quarter"/>
+          </p:nvPr>
+        </p:nvSpPr>
+        <p:spPr>
+          <a:xfrm>
+            <a:off x="0" y="0"/>
+            <a:ext cx="2971800" cy="458788"/>
+          </a:xfrm>
+          <a:prstGeom prst="rect">
+            <a:avLst/>
+          </a:prstGeom>
+        </p:spPr>
+        <p:txBody>
+          <a:bodyPr vert="horz" lIns="91440" tIns="45720" rIns="91440" bIns="45720" rtlCol="0"/>
+          <a:lstStyle>
+            <a:lvl1pPr algn="l">
+              <a:defRPr sz="1200"/>
+            </a:lvl1pPr>
+          </a:lstStyle>
+          <a:p>
+            <a:endParaRPr lang="zh-CN" altLang="en-US"/>
+          </a:p>
+        </p:txBody>
+      </p:sp>
+      <p:sp>
+        <p:nvSpPr>
+          <p:cNvPr id="3" name="日期占位符 2">
+            <a:extLst>
+              <a:ext uri="{FF2B5EF4-FFF2-40B4-BE49-F238E27FC236}">
+                <a16:creationId xmlns:a16="http://schemas.microsoft.com/office/drawing/2014/main" id="{A065F080-D520-4EA0-974C-93A4848B3753}"/>
+              </a:ext>
+            </a:extLst>
+          </p:cNvPr>
+          <p:cNvSpPr>
+            <a:spLocks noGrp="1"/>
+          </p:cNvSpPr>
+          <p:nvPr>
+            <p:ph type="dt" sz="quarter" idx="1"/>
+          </p:nvPr>
+        </p:nvSpPr>
+        <p:spPr>
+          <a:xfrm>
+            <a:off x="3884613" y="0"/>
+            <a:ext cx="2971800" cy="458788"/>
+          </a:xfrm>
+          <a:prstGeom prst="rect">
+            <a:avLst/>
+          </a:prstGeom>
+        </p:spPr>
+        <p:txBody>
+          <a:bodyPr vert="horz" lIns="91440" tIns="45720" rIns="91440" bIns="45720" rtlCol="0"/>
+          <a:lstStyle>
+            <a:lvl1pPr algn="r">
+              <a:defRPr sz="1200"/>
+            </a:lvl1pPr>
+          </a:lstStyle>
+          <a:p>
+            <a:fld id="{5CFCA710-781B-43B6-9D70-8889C8DCCB53}" type="datetimeFigureOut">
+              <a:rPr lang="zh-CN" altLang="en-US" smtClean="0"/>
+              <a:t>2020/5/25</a:t>
+            </a:fld>
+            <a:endParaRPr lang="zh-CN" altLang="en-US"/>
+          </a:p>
+        </p:txBody>
+      </p:sp>
+      <p:sp>
+        <p:nvSpPr>
+          <p:cNvPr id="4" name="页脚占位符 3">
+            <a:extLst>
+              <a:ext uri="{FF2B5EF4-FFF2-40B4-BE49-F238E27FC236}">
+                <a16:creationId xmlns:a16="http://schemas.microsoft.com/office/drawing/2014/main" id="{1322C5F7-5577-4341-857D-A7EDA1649F30}"/>
+              </a:ext>
+            </a:extLst>
+          </p:cNvPr>
+          <p:cNvSpPr>
+            <a:spLocks noGrp="1"/>
+          </p:cNvSpPr>
+          <p:nvPr>
+            <p:ph type="ftr" sz="quarter" idx="2"/>
+          </p:nvPr>
+        </p:nvSpPr>
+        <p:spPr>
+          <a:xfrm>
+            <a:off x="0" y="8685213"/>
+            <a:ext cx="2971800" cy="458787"/>
+          </a:xfrm>
+          <a:prstGeom prst="rect">
+            <a:avLst/>
+          </a:prstGeom>
+        </p:spPr>
+        <p:txBody>
+          <a:bodyPr vert="horz" lIns="91440" tIns="45720" rIns="91440" bIns="45720" rtlCol="0" anchor="b"/>
+          <a:lstStyle>
+            <a:lvl1pPr algn="l">
+              <a:defRPr sz="1200"/>
+            </a:lvl1pPr>
+          </a:lstStyle>
+          <a:p>
+            <a:endParaRPr lang="zh-CN" altLang="en-US"/>
+          </a:p>
+        </p:txBody>
+      </p:sp>
+      <p:sp>
+        <p:nvSpPr>
+          <p:cNvPr id="5" name="灯片编号占位符 4">
+            <a:extLst>
+              <a:ext uri="{FF2B5EF4-FFF2-40B4-BE49-F238E27FC236}">
+                <a16:creationId xmlns:a16="http://schemas.microsoft.com/office/drawing/2014/main" id="{0C338982-A8D1-430C-A80A-BD7623EE9332}"/>
+              </a:ext>
+            </a:extLst>
+          </p:cNvPr>
+          <p:cNvSpPr>
+            <a:spLocks noGrp="1"/>
+          </p:cNvSpPr>
+          <p:nvPr>
+            <p:ph type="sldNum" sz="quarter" idx="3"/>
+          </p:nvPr>
+        </p:nvSpPr>
+        <p:spPr>
+          <a:xfrm>
+            <a:off x="3884613" y="8685213"/>
+            <a:ext cx="2971800" cy="458787"/>
+          </a:xfrm>
+          <a:prstGeom prst="rect">
+            <a:avLst/>
+          </a:prstGeom>
+        </p:spPr>
+        <p:txBody>
+          <a:bodyPr vert="horz" lIns="91440" tIns="45720" rIns="91440" bIns="45720" rtlCol="0" anchor="b"/>
+          <a:lstStyle>
+            <a:lvl1pPr algn="r">
+              <a:defRPr sz="1200"/>
+            </a:lvl1pPr>
+          </a:lstStyle>
+          <a:p>
+            <a:fld id="{B1515C8C-30B1-4E8B-B7CF-796ED8F2D7B8}" type="slidenum">
+              <a:rPr lang="zh-CN" altLang="en-US" smtClean="0"/>
+              <a:t>‹#›</a:t>
+            </a:fld>
+            <a:endParaRPr lang="zh-CN" altLang="en-US"/>
+          </a:p>
+        </p:txBody>
+      </p:sp>
+    </p:spTree>
+    <p:extLst>
+      <p:ext uri="{BB962C8B-B14F-4D97-AF65-F5344CB8AC3E}">
+        <p14:creationId xmlns:p14="http://schemas.microsoft.com/office/powerpoint/2010/main" val="1871875032"/>
+      </p:ext>
+    </p:extLst>
+  </p:cSld>
+  <p:clrMap bg1="lt1" tx1="dk1" bg2="lt2" tx2="dk2" accent1="accent1" accent2="accent2" accent3="accent3" accent4="accent4" accent5="accent5" accent6="accent6" hlink="hlink" folHlink="folHlink"/>
+</p:handoutMaster>
 </file>
 
 <file path=ppt/notesMasters/notesMaster1.xml><?xml version="1.0" encoding="utf-8"?>
@@ -197,7 +395,7 @@
           <a:p>
             <a:fld id="{B2F18F04-DDDC-449A-B6AA-BFE2912602A6}" type="datetimeFigureOut">
               <a:rPr lang="zh-CN" altLang="en-US" smtClean="0"/>
-              <a:t>2020/5/24</a:t>
+              <a:t>2020/5/25</a:t>
             </a:fld>
             <a:endParaRPr lang="zh-CN" altLang="en-US"/>
           </a:p>
@@ -483,7 +681,13 @@
       </p:grpSpPr>
       <p:sp>
         <p:nvSpPr>
-          <p:cNvPr id="2" name="Title 1"/>
+          <p:cNvPr id="2" name="标题 1">
+            <a:extLst>
+              <a:ext uri="{FF2B5EF4-FFF2-40B4-BE49-F238E27FC236}">
+                <a16:creationId xmlns:a16="http://schemas.microsoft.com/office/drawing/2014/main" id="{976DEDAF-D12D-4B3C-A05B-1808C26E5DC5}"/>
+              </a:ext>
+            </a:extLst>
+          </p:cNvPr>
           <p:cNvSpPr>
             <a:spLocks noGrp="1"/>
           </p:cNvSpPr>
@@ -493,8 +697,8 @@
         </p:nvSpPr>
         <p:spPr>
           <a:xfrm>
-            <a:off x="685800" y="1122363"/>
-            <a:ext cx="7772400" cy="2387600"/>
+            <a:off x="1143000" y="1122363"/>
+            <a:ext cx="6858000" cy="2387600"/>
           </a:xfrm>
         </p:spPr>
         <p:txBody>
@@ -509,13 +713,18 @@
               <a:rPr lang="zh-CN" altLang="en-US"/>
               <a:t>单击此处编辑母版标题样式</a:t>
             </a:r>
-            <a:endParaRPr lang="en-US" dirty="0"/>
-          </a:p>
-        </p:txBody>
-      </p:sp>
-      <p:sp>
-        <p:nvSpPr>
-          <p:cNvPr id="3" name="Subtitle 2"/>
+          </a:p>
+        </p:txBody>
+      </p:sp>
+      <p:sp>
+        <p:nvSpPr>
+          <p:cNvPr id="3" name="副标题 2">
+            <a:extLst>
+              <a:ext uri="{FF2B5EF4-FFF2-40B4-BE49-F238E27FC236}">
+                <a16:creationId xmlns:a16="http://schemas.microsoft.com/office/drawing/2014/main" id="{157D48F0-BDD3-4B19-841C-2EF0271644FC}"/>
+              </a:ext>
+            </a:extLst>
+          </p:cNvPr>
           <p:cNvSpPr>
             <a:spLocks noGrp="1"/>
           </p:cNvSpPr>
@@ -574,13 +783,18 @@
               <a:rPr lang="zh-CN" altLang="en-US"/>
               <a:t>单击此处编辑母版副标题样式</a:t>
             </a:r>
-            <a:endParaRPr lang="en-US" dirty="0"/>
-          </a:p>
-        </p:txBody>
-      </p:sp>
-      <p:sp>
-        <p:nvSpPr>
-          <p:cNvPr id="4" name="Date Placeholder 3"/>
+          </a:p>
+        </p:txBody>
+      </p:sp>
+      <p:sp>
+        <p:nvSpPr>
+          <p:cNvPr id="4" name="日期占位符 3">
+            <a:extLst>
+              <a:ext uri="{FF2B5EF4-FFF2-40B4-BE49-F238E27FC236}">
+                <a16:creationId xmlns:a16="http://schemas.microsoft.com/office/drawing/2014/main" id="{E6488B43-702B-4AD1-ACF1-A46B8EABFEA5}"/>
+              </a:ext>
+            </a:extLst>
+          </p:cNvPr>
           <p:cNvSpPr>
             <a:spLocks noGrp="1"/>
           </p:cNvSpPr>
@@ -593,9 +807,9 @@
           <a:bodyPr/>
           <a:lstStyle/>
           <a:p>
-            <a:fld id="{10658E67-67AD-4987-8CBD-2FF45695C079}" type="datetimeFigureOut">
+            <a:fld id="{64A2D733-51FA-421D-9288-599874C207F7}" type="datetime1">
               <a:rPr lang="zh-CN" altLang="en-US" smtClean="0"/>
-              <a:t>2020/5/24</a:t>
+              <a:t>2020/5/25</a:t>
             </a:fld>
             <a:endParaRPr lang="zh-CN" altLang="en-US"/>
           </a:p>
@@ -603,7 +817,13 @@
       </p:sp>
       <p:sp>
         <p:nvSpPr>
-          <p:cNvPr id="5" name="Footer Placeholder 4"/>
+          <p:cNvPr id="5" name="页脚占位符 4">
+            <a:extLst>
+              <a:ext uri="{FF2B5EF4-FFF2-40B4-BE49-F238E27FC236}">
+                <a16:creationId xmlns:a16="http://schemas.microsoft.com/office/drawing/2014/main" id="{EC4F12F7-CB33-4BA6-9181-C4647EA9F88D}"/>
+              </a:ext>
+            </a:extLst>
+          </p:cNvPr>
           <p:cNvSpPr>
             <a:spLocks noGrp="1"/>
           </p:cNvSpPr>
@@ -622,7 +842,13 @@
       </p:sp>
       <p:sp>
         <p:nvSpPr>
-          <p:cNvPr id="6" name="Slide Number Placeholder 5"/>
+          <p:cNvPr id="6" name="灯片编号占位符 5">
+            <a:extLst>
+              <a:ext uri="{FF2B5EF4-FFF2-40B4-BE49-F238E27FC236}">
+                <a16:creationId xmlns:a16="http://schemas.microsoft.com/office/drawing/2014/main" id="{6902888C-FACB-46F4-B51C-9E78C7781F30}"/>
+              </a:ext>
+            </a:extLst>
+          </p:cNvPr>
           <p:cNvSpPr>
             <a:spLocks noGrp="1"/>
           </p:cNvSpPr>
@@ -633,20 +859,33 @@
         <p:spPr/>
         <p:txBody>
           <a:bodyPr/>
-          <a:lstStyle/>
-          <a:p>
-            <a:fld id="{820B057F-C0CF-41D0-B7A5-324B0EF238BD}" type="slidenum">
+          <a:lstStyle>
+            <a:lvl1pPr>
+              <a:defRPr sz="1600">
+                <a:solidFill>
+                  <a:srgbClr val="9A0001"/>
+                </a:solidFill>
+              </a:defRPr>
+            </a:lvl1pPr>
+          </a:lstStyle>
+          <a:p>
+            <a:fld id="{1003C2F6-E224-4DE8-ABB8-1B4A7B626BCD}" type="slidenum">
               <a:rPr lang="zh-CN" altLang="en-US" smtClean="0"/>
+              <a:pPr/>
               <a:t>‹#›</a:t>
             </a:fld>
-            <a:endParaRPr lang="zh-CN" altLang="en-US"/>
+            <a:r>
+              <a:rPr lang="en-US" altLang="zh-CN" dirty="0"/>
+              <a:t>/50</a:t>
+            </a:r>
+            <a:endParaRPr lang="zh-CN" altLang="en-US" dirty="0"/>
           </a:p>
         </p:txBody>
       </p:sp>
     </p:spTree>
     <p:extLst>
       <p:ext uri="{BB962C8B-B14F-4D97-AF65-F5344CB8AC3E}">
-        <p14:creationId xmlns:p14="http://schemas.microsoft.com/office/powerpoint/2010/main" val="2512987800"/>
+        <p14:creationId xmlns:p14="http://schemas.microsoft.com/office/powerpoint/2010/main" val="2161713214"/>
       </p:ext>
     </p:extLst>
   </p:cSld>
@@ -675,7 +914,13 @@
       </p:grpSpPr>
       <p:sp>
         <p:nvSpPr>
-          <p:cNvPr id="2" name="Title 1"/>
+          <p:cNvPr id="2" name="标题 1">
+            <a:extLst>
+              <a:ext uri="{FF2B5EF4-FFF2-40B4-BE49-F238E27FC236}">
+                <a16:creationId xmlns:a16="http://schemas.microsoft.com/office/drawing/2014/main" id="{46DB2CEA-9DF2-461D-AACA-4731D6B96CF2}"/>
+              </a:ext>
+            </a:extLst>
+          </p:cNvPr>
           <p:cNvSpPr>
             <a:spLocks noGrp="1"/>
           </p:cNvSpPr>
@@ -692,13 +937,18 @@
               <a:rPr lang="zh-CN" altLang="en-US"/>
               <a:t>单击此处编辑母版标题样式</a:t>
             </a:r>
-            <a:endParaRPr lang="en-US" dirty="0"/>
-          </a:p>
-        </p:txBody>
-      </p:sp>
-      <p:sp>
-        <p:nvSpPr>
-          <p:cNvPr id="3" name="Vertical Text Placeholder 2"/>
+          </a:p>
+        </p:txBody>
+      </p:sp>
+      <p:sp>
+        <p:nvSpPr>
+          <p:cNvPr id="3" name="竖排文字占位符 2">
+            <a:extLst>
+              <a:ext uri="{FF2B5EF4-FFF2-40B4-BE49-F238E27FC236}">
+                <a16:creationId xmlns:a16="http://schemas.microsoft.com/office/drawing/2014/main" id="{F1C8C600-E90C-40ED-9CC8-2C76DD3BE208}"/>
+              </a:ext>
+            </a:extLst>
+          </p:cNvPr>
           <p:cNvSpPr>
             <a:spLocks noGrp="1"/>
           </p:cNvSpPr>
@@ -744,13 +994,18 @@
               <a:rPr lang="zh-CN" altLang="en-US"/>
               <a:t>五级</a:t>
             </a:r>
-            <a:endParaRPr lang="en-US" dirty="0"/>
-          </a:p>
-        </p:txBody>
-      </p:sp>
-      <p:sp>
-        <p:nvSpPr>
-          <p:cNvPr id="4" name="Date Placeholder 3"/>
+          </a:p>
+        </p:txBody>
+      </p:sp>
+      <p:sp>
+        <p:nvSpPr>
+          <p:cNvPr id="4" name="日期占位符 3">
+            <a:extLst>
+              <a:ext uri="{FF2B5EF4-FFF2-40B4-BE49-F238E27FC236}">
+                <a16:creationId xmlns:a16="http://schemas.microsoft.com/office/drawing/2014/main" id="{C82A0166-DCDE-4BF8-9A3C-98D3FFF9F603}"/>
+              </a:ext>
+            </a:extLst>
+          </p:cNvPr>
           <p:cNvSpPr>
             <a:spLocks noGrp="1"/>
           </p:cNvSpPr>
@@ -763,9 +1018,9 @@
           <a:bodyPr/>
           <a:lstStyle/>
           <a:p>
-            <a:fld id="{10658E67-67AD-4987-8CBD-2FF45695C079}" type="datetimeFigureOut">
+            <a:fld id="{9AD49C46-233A-41C0-B67D-4168518B63AE}" type="datetime1">
               <a:rPr lang="zh-CN" altLang="en-US" smtClean="0"/>
-              <a:t>2020/5/24</a:t>
+              <a:t>2020/5/25</a:t>
             </a:fld>
             <a:endParaRPr lang="zh-CN" altLang="en-US"/>
           </a:p>
@@ -773,7 +1028,13 @@
       </p:sp>
       <p:sp>
         <p:nvSpPr>
-          <p:cNvPr id="5" name="Footer Placeholder 4"/>
+          <p:cNvPr id="5" name="页脚占位符 4">
+            <a:extLst>
+              <a:ext uri="{FF2B5EF4-FFF2-40B4-BE49-F238E27FC236}">
+                <a16:creationId xmlns:a16="http://schemas.microsoft.com/office/drawing/2014/main" id="{3B77C33E-B758-4F25-90C0-5F862B7333EC}"/>
+              </a:ext>
+            </a:extLst>
+          </p:cNvPr>
           <p:cNvSpPr>
             <a:spLocks noGrp="1"/>
           </p:cNvSpPr>
@@ -792,7 +1053,13 @@
       </p:sp>
       <p:sp>
         <p:nvSpPr>
-          <p:cNvPr id="6" name="Slide Number Placeholder 5"/>
+          <p:cNvPr id="6" name="灯片编号占位符 5">
+            <a:extLst>
+              <a:ext uri="{FF2B5EF4-FFF2-40B4-BE49-F238E27FC236}">
+                <a16:creationId xmlns:a16="http://schemas.microsoft.com/office/drawing/2014/main" id="{7A61232F-CC71-446D-A28B-46CD1345C66D}"/>
+              </a:ext>
+            </a:extLst>
+          </p:cNvPr>
           <p:cNvSpPr>
             <a:spLocks noGrp="1"/>
           </p:cNvSpPr>
@@ -805,7 +1072,7 @@
           <a:bodyPr/>
           <a:lstStyle/>
           <a:p>
-            <a:fld id="{820B057F-C0CF-41D0-B7A5-324B0EF238BD}" type="slidenum">
+            <a:fld id="{1003C2F6-E224-4DE8-ABB8-1B4A7B626BCD}" type="slidenum">
               <a:rPr lang="zh-CN" altLang="en-US" smtClean="0"/>
               <a:t>‹#›</a:t>
             </a:fld>
@@ -816,7 +1083,7 @@
     </p:spTree>
     <p:extLst>
       <p:ext uri="{BB962C8B-B14F-4D97-AF65-F5344CB8AC3E}">
-        <p14:creationId xmlns:p14="http://schemas.microsoft.com/office/powerpoint/2010/main" val="116252290"/>
+        <p14:creationId xmlns:p14="http://schemas.microsoft.com/office/powerpoint/2010/main" val="2853091690"/>
       </p:ext>
     </p:extLst>
   </p:cSld>
@@ -845,7 +1112,13 @@
       </p:grpSpPr>
       <p:sp>
         <p:nvSpPr>
-          <p:cNvPr id="2" name="Vertical Title 1"/>
+          <p:cNvPr id="2" name="竖排标题 1">
+            <a:extLst>
+              <a:ext uri="{FF2B5EF4-FFF2-40B4-BE49-F238E27FC236}">
+                <a16:creationId xmlns:a16="http://schemas.microsoft.com/office/drawing/2014/main" id="{1BA15D92-B25A-42BB-BADD-26D2D44646F4}"/>
+              </a:ext>
+            </a:extLst>
+          </p:cNvPr>
           <p:cNvSpPr>
             <a:spLocks noGrp="1"/>
           </p:cNvSpPr>
@@ -867,13 +1140,18 @@
               <a:rPr lang="zh-CN" altLang="en-US"/>
               <a:t>单击此处编辑母版标题样式</a:t>
             </a:r>
-            <a:endParaRPr lang="en-US" dirty="0"/>
-          </a:p>
-        </p:txBody>
-      </p:sp>
-      <p:sp>
-        <p:nvSpPr>
-          <p:cNvPr id="3" name="Vertical Text Placeholder 2"/>
+          </a:p>
+        </p:txBody>
+      </p:sp>
+      <p:sp>
+        <p:nvSpPr>
+          <p:cNvPr id="3" name="竖排文字占位符 2">
+            <a:extLst>
+              <a:ext uri="{FF2B5EF4-FFF2-40B4-BE49-F238E27FC236}">
+                <a16:creationId xmlns:a16="http://schemas.microsoft.com/office/drawing/2014/main" id="{417D46BC-7A26-497F-94D1-D3DE8D28E3C9}"/>
+              </a:ext>
+            </a:extLst>
+          </p:cNvPr>
           <p:cNvSpPr>
             <a:spLocks noGrp="1"/>
           </p:cNvSpPr>
@@ -884,7 +1162,7 @@
         <p:spPr>
           <a:xfrm>
             <a:off x="628650" y="365125"/>
-            <a:ext cx="5800725" cy="5811838"/>
+            <a:ext cx="5762625" cy="5811838"/>
           </a:xfrm>
         </p:spPr>
         <p:txBody>
@@ -924,13 +1202,18 @@
               <a:rPr lang="zh-CN" altLang="en-US"/>
               <a:t>五级</a:t>
             </a:r>
-            <a:endParaRPr lang="en-US" dirty="0"/>
-          </a:p>
-        </p:txBody>
-      </p:sp>
-      <p:sp>
-        <p:nvSpPr>
-          <p:cNvPr id="4" name="Date Placeholder 3"/>
+          </a:p>
+        </p:txBody>
+      </p:sp>
+      <p:sp>
+        <p:nvSpPr>
+          <p:cNvPr id="4" name="日期占位符 3">
+            <a:extLst>
+              <a:ext uri="{FF2B5EF4-FFF2-40B4-BE49-F238E27FC236}">
+                <a16:creationId xmlns:a16="http://schemas.microsoft.com/office/drawing/2014/main" id="{1639A3E3-1E15-453D-BE10-0594C1B0A40B}"/>
+              </a:ext>
+            </a:extLst>
+          </p:cNvPr>
           <p:cNvSpPr>
             <a:spLocks noGrp="1"/>
           </p:cNvSpPr>
@@ -943,9 +1226,9 @@
           <a:bodyPr/>
           <a:lstStyle/>
           <a:p>
-            <a:fld id="{10658E67-67AD-4987-8CBD-2FF45695C079}" type="datetimeFigureOut">
+            <a:fld id="{6ED0A172-17F4-4EAA-8820-206DC00F85CB}" type="datetime1">
               <a:rPr lang="zh-CN" altLang="en-US" smtClean="0"/>
-              <a:t>2020/5/24</a:t>
+              <a:t>2020/5/25</a:t>
             </a:fld>
             <a:endParaRPr lang="zh-CN" altLang="en-US"/>
           </a:p>
@@ -953,7 +1236,13 @@
       </p:sp>
       <p:sp>
         <p:nvSpPr>
-          <p:cNvPr id="5" name="Footer Placeholder 4"/>
+          <p:cNvPr id="5" name="页脚占位符 4">
+            <a:extLst>
+              <a:ext uri="{FF2B5EF4-FFF2-40B4-BE49-F238E27FC236}">
+                <a16:creationId xmlns:a16="http://schemas.microsoft.com/office/drawing/2014/main" id="{3CF0EE25-E1AE-4BC7-91E6-A3E5DC9390D4}"/>
+              </a:ext>
+            </a:extLst>
+          </p:cNvPr>
           <p:cNvSpPr>
             <a:spLocks noGrp="1"/>
           </p:cNvSpPr>
@@ -972,7 +1261,13 @@
       </p:sp>
       <p:sp>
         <p:nvSpPr>
-          <p:cNvPr id="6" name="Slide Number Placeholder 5"/>
+          <p:cNvPr id="6" name="灯片编号占位符 5">
+            <a:extLst>
+              <a:ext uri="{FF2B5EF4-FFF2-40B4-BE49-F238E27FC236}">
+                <a16:creationId xmlns:a16="http://schemas.microsoft.com/office/drawing/2014/main" id="{1DD57E60-C956-430E-BF03-2036E28CFC99}"/>
+              </a:ext>
+            </a:extLst>
+          </p:cNvPr>
           <p:cNvSpPr>
             <a:spLocks noGrp="1"/>
           </p:cNvSpPr>
@@ -985,7 +1280,7 @@
           <a:bodyPr/>
           <a:lstStyle/>
           <a:p>
-            <a:fld id="{820B057F-C0CF-41D0-B7A5-324B0EF238BD}" type="slidenum">
+            <a:fld id="{1003C2F6-E224-4DE8-ABB8-1B4A7B626BCD}" type="slidenum">
               <a:rPr lang="zh-CN" altLang="en-US" smtClean="0"/>
               <a:t>‹#›</a:t>
             </a:fld>
@@ -996,7 +1291,7 @@
     </p:spTree>
     <p:extLst>
       <p:ext uri="{BB962C8B-B14F-4D97-AF65-F5344CB8AC3E}">
-        <p14:creationId xmlns:p14="http://schemas.microsoft.com/office/powerpoint/2010/main" val="972629217"/>
+        <p14:creationId xmlns:p14="http://schemas.microsoft.com/office/powerpoint/2010/main" val="3710567696"/>
       </p:ext>
     </p:extLst>
   </p:cSld>
@@ -1025,7 +1320,13 @@
       </p:grpSpPr>
       <p:sp>
         <p:nvSpPr>
-          <p:cNvPr id="2" name="Title 1"/>
+          <p:cNvPr id="2" name="标题 1">
+            <a:extLst>
+              <a:ext uri="{FF2B5EF4-FFF2-40B4-BE49-F238E27FC236}">
+                <a16:creationId xmlns:a16="http://schemas.microsoft.com/office/drawing/2014/main" id="{A82B1922-B759-45CE-8B2A-B34767911A3E}"/>
+              </a:ext>
+            </a:extLst>
+          </p:cNvPr>
           <p:cNvSpPr>
             <a:spLocks noGrp="1"/>
           </p:cNvSpPr>
@@ -1042,13 +1343,18 @@
               <a:rPr lang="zh-CN" altLang="en-US"/>
               <a:t>单击此处编辑母版标题样式</a:t>
             </a:r>
-            <a:endParaRPr lang="en-US" dirty="0"/>
-          </a:p>
-        </p:txBody>
-      </p:sp>
-      <p:sp>
-        <p:nvSpPr>
-          <p:cNvPr id="3" name="Content Placeholder 2"/>
+          </a:p>
+        </p:txBody>
+      </p:sp>
+      <p:sp>
+        <p:nvSpPr>
+          <p:cNvPr id="3" name="内容占位符 2">
+            <a:extLst>
+              <a:ext uri="{FF2B5EF4-FFF2-40B4-BE49-F238E27FC236}">
+                <a16:creationId xmlns:a16="http://schemas.microsoft.com/office/drawing/2014/main" id="{5D76802B-8B84-4721-A0CE-7585FFFB3DA8}"/>
+              </a:ext>
+            </a:extLst>
+          </p:cNvPr>
           <p:cNvSpPr>
             <a:spLocks noGrp="1"/>
           </p:cNvSpPr>
@@ -1094,13 +1400,18 @@
               <a:rPr lang="zh-CN" altLang="en-US"/>
               <a:t>五级</a:t>
             </a:r>
-            <a:endParaRPr lang="en-US" dirty="0"/>
-          </a:p>
-        </p:txBody>
-      </p:sp>
-      <p:sp>
-        <p:nvSpPr>
-          <p:cNvPr id="4" name="Date Placeholder 3"/>
+          </a:p>
+        </p:txBody>
+      </p:sp>
+      <p:sp>
+        <p:nvSpPr>
+          <p:cNvPr id="4" name="日期占位符 3">
+            <a:extLst>
+              <a:ext uri="{FF2B5EF4-FFF2-40B4-BE49-F238E27FC236}">
+                <a16:creationId xmlns:a16="http://schemas.microsoft.com/office/drawing/2014/main" id="{6790B749-7B37-4F06-AA2A-F8EE1EBAFEA4}"/>
+              </a:ext>
+            </a:extLst>
+          </p:cNvPr>
           <p:cNvSpPr>
             <a:spLocks noGrp="1"/>
           </p:cNvSpPr>
@@ -1113,9 +1424,9 @@
           <a:bodyPr/>
           <a:lstStyle/>
           <a:p>
-            <a:fld id="{10658E67-67AD-4987-8CBD-2FF45695C079}" type="datetimeFigureOut">
+            <a:fld id="{568DE3A0-2621-4865-BDB2-22E360352098}" type="datetime1">
               <a:rPr lang="zh-CN" altLang="en-US" smtClean="0"/>
-              <a:t>2020/5/24</a:t>
+              <a:t>2020/5/25</a:t>
             </a:fld>
             <a:endParaRPr lang="zh-CN" altLang="en-US"/>
           </a:p>
@@ -1123,7 +1434,13 @@
       </p:sp>
       <p:sp>
         <p:nvSpPr>
-          <p:cNvPr id="5" name="Footer Placeholder 4"/>
+          <p:cNvPr id="5" name="页脚占位符 4">
+            <a:extLst>
+              <a:ext uri="{FF2B5EF4-FFF2-40B4-BE49-F238E27FC236}">
+                <a16:creationId xmlns:a16="http://schemas.microsoft.com/office/drawing/2014/main" id="{F986AF72-0D4D-4A1D-A8C3-9DCE277B00EB}"/>
+              </a:ext>
+            </a:extLst>
+          </p:cNvPr>
           <p:cNvSpPr>
             <a:spLocks noGrp="1"/>
           </p:cNvSpPr>
@@ -1142,7 +1459,13 @@
       </p:sp>
       <p:sp>
         <p:nvSpPr>
-          <p:cNvPr id="6" name="Slide Number Placeholder 5"/>
+          <p:cNvPr id="6" name="灯片编号占位符 5">
+            <a:extLst>
+              <a:ext uri="{FF2B5EF4-FFF2-40B4-BE49-F238E27FC236}">
+                <a16:creationId xmlns:a16="http://schemas.microsoft.com/office/drawing/2014/main" id="{E3D1EF42-0CC2-4111-BA2F-6E2522C271F9}"/>
+              </a:ext>
+            </a:extLst>
+          </p:cNvPr>
           <p:cNvSpPr>
             <a:spLocks noGrp="1"/>
           </p:cNvSpPr>
@@ -1153,20 +1476,33 @@
         <p:spPr/>
         <p:txBody>
           <a:bodyPr/>
-          <a:lstStyle/>
-          <a:p>
-            <a:fld id="{820B057F-C0CF-41D0-B7A5-324B0EF238BD}" type="slidenum">
+          <a:lstStyle>
+            <a:lvl1pPr>
+              <a:defRPr sz="1600">
+                <a:solidFill>
+                  <a:srgbClr val="9A0001"/>
+                </a:solidFill>
+              </a:defRPr>
+            </a:lvl1pPr>
+          </a:lstStyle>
+          <a:p>
+            <a:fld id="{1003C2F6-E224-4DE8-ABB8-1B4A7B626BCD}" type="slidenum">
               <a:rPr lang="zh-CN" altLang="en-US" smtClean="0"/>
+              <a:pPr/>
               <a:t>‹#›</a:t>
             </a:fld>
-            <a:endParaRPr lang="zh-CN" altLang="en-US"/>
+            <a:r>
+              <a:rPr lang="en-US" altLang="zh-CN" dirty="0"/>
+              <a:t>/50</a:t>
+            </a:r>
+            <a:endParaRPr lang="zh-CN" altLang="en-US" dirty="0"/>
           </a:p>
         </p:txBody>
       </p:sp>
     </p:spTree>
     <p:extLst>
       <p:ext uri="{BB962C8B-B14F-4D97-AF65-F5344CB8AC3E}">
-        <p14:creationId xmlns:p14="http://schemas.microsoft.com/office/powerpoint/2010/main" val="3299821172"/>
+        <p14:creationId xmlns:p14="http://schemas.microsoft.com/office/powerpoint/2010/main" val="3844795535"/>
       </p:ext>
     </p:extLst>
   </p:cSld>
@@ -1195,7 +1531,13 @@
       </p:grpSpPr>
       <p:sp>
         <p:nvSpPr>
-          <p:cNvPr id="2" name="Title 1"/>
+          <p:cNvPr id="2" name="标题 1">
+            <a:extLst>
+              <a:ext uri="{FF2B5EF4-FFF2-40B4-BE49-F238E27FC236}">
+                <a16:creationId xmlns:a16="http://schemas.microsoft.com/office/drawing/2014/main" id="{5E61BBAF-A960-46C6-9D70-878D8BD50769}"/>
+              </a:ext>
+            </a:extLst>
+          </p:cNvPr>
           <p:cNvSpPr>
             <a:spLocks noGrp="1"/>
           </p:cNvSpPr>
@@ -1205,7 +1547,7 @@
         </p:nvSpPr>
         <p:spPr>
           <a:xfrm>
-            <a:off x="623888" y="1709739"/>
+            <a:off x="623888" y="1709738"/>
             <a:ext cx="7886700" cy="2852737"/>
           </a:xfrm>
         </p:spPr>
@@ -1221,13 +1563,18 @@
               <a:rPr lang="zh-CN" altLang="en-US"/>
               <a:t>单击此处编辑母版标题样式</a:t>
             </a:r>
-            <a:endParaRPr lang="en-US" dirty="0"/>
-          </a:p>
-        </p:txBody>
-      </p:sp>
-      <p:sp>
-        <p:nvSpPr>
-          <p:cNvPr id="3" name="Text Placeholder 2"/>
+          </a:p>
+        </p:txBody>
+      </p:sp>
+      <p:sp>
+        <p:nvSpPr>
+          <p:cNvPr id="3" name="文本占位符 2">
+            <a:extLst>
+              <a:ext uri="{FF2B5EF4-FFF2-40B4-BE49-F238E27FC236}">
+                <a16:creationId xmlns:a16="http://schemas.microsoft.com/office/drawing/2014/main" id="{C0957D95-2728-4835-A92D-97E80F734C20}"/>
+              </a:ext>
+            </a:extLst>
+          </p:cNvPr>
           <p:cNvSpPr>
             <a:spLocks noGrp="1"/>
           </p:cNvSpPr>
@@ -1237,7 +1584,7 @@
         </p:nvSpPr>
         <p:spPr>
           <a:xfrm>
-            <a:off x="623888" y="4589464"/>
+            <a:off x="623888" y="4589463"/>
             <a:ext cx="7886700" cy="1500187"/>
           </a:xfrm>
         </p:spPr>
@@ -1248,7 +1595,9 @@
               <a:buNone/>
               <a:defRPr sz="2400">
                 <a:solidFill>
-                  <a:schemeClr val="tx1"/>
+                  <a:schemeClr val="tx1">
+                    <a:tint val="75000"/>
+                  </a:schemeClr>
                 </a:solidFill>
               </a:defRPr>
             </a:lvl1pPr>
@@ -1344,7 +1693,13 @@
       </p:sp>
       <p:sp>
         <p:nvSpPr>
-          <p:cNvPr id="4" name="Date Placeholder 3"/>
+          <p:cNvPr id="4" name="日期占位符 3">
+            <a:extLst>
+              <a:ext uri="{FF2B5EF4-FFF2-40B4-BE49-F238E27FC236}">
+                <a16:creationId xmlns:a16="http://schemas.microsoft.com/office/drawing/2014/main" id="{CDD81E63-7C5C-4CA0-9842-7C903E4D9D77}"/>
+              </a:ext>
+            </a:extLst>
+          </p:cNvPr>
           <p:cNvSpPr>
             <a:spLocks noGrp="1"/>
           </p:cNvSpPr>
@@ -1357,9 +1712,9 @@
           <a:bodyPr/>
           <a:lstStyle/>
           <a:p>
-            <a:fld id="{10658E67-67AD-4987-8CBD-2FF45695C079}" type="datetimeFigureOut">
+            <a:fld id="{877C9EC3-E369-4861-9BE3-B3B66E4BEC4D}" type="datetime1">
               <a:rPr lang="zh-CN" altLang="en-US" smtClean="0"/>
-              <a:t>2020/5/24</a:t>
+              <a:t>2020/5/25</a:t>
             </a:fld>
             <a:endParaRPr lang="zh-CN" altLang="en-US"/>
           </a:p>
@@ -1367,7 +1722,13 @@
       </p:sp>
       <p:sp>
         <p:nvSpPr>
-          <p:cNvPr id="5" name="Footer Placeholder 4"/>
+          <p:cNvPr id="5" name="页脚占位符 4">
+            <a:extLst>
+              <a:ext uri="{FF2B5EF4-FFF2-40B4-BE49-F238E27FC236}">
+                <a16:creationId xmlns:a16="http://schemas.microsoft.com/office/drawing/2014/main" id="{2251CC04-0A41-4E0A-9C34-0CC5779F94FB}"/>
+              </a:ext>
+            </a:extLst>
+          </p:cNvPr>
           <p:cNvSpPr>
             <a:spLocks noGrp="1"/>
           </p:cNvSpPr>
@@ -1386,7 +1747,13 @@
       </p:sp>
       <p:sp>
         <p:nvSpPr>
-          <p:cNvPr id="6" name="Slide Number Placeholder 5"/>
+          <p:cNvPr id="6" name="灯片编号占位符 5">
+            <a:extLst>
+              <a:ext uri="{FF2B5EF4-FFF2-40B4-BE49-F238E27FC236}">
+                <a16:creationId xmlns:a16="http://schemas.microsoft.com/office/drawing/2014/main" id="{862D112D-8736-4BDB-8FA1-A2D3F9E75202}"/>
+              </a:ext>
+            </a:extLst>
+          </p:cNvPr>
           <p:cNvSpPr>
             <a:spLocks noGrp="1"/>
           </p:cNvSpPr>
@@ -1399,7 +1766,7 @@
           <a:bodyPr/>
           <a:lstStyle/>
           <a:p>
-            <a:fld id="{820B057F-C0CF-41D0-B7A5-324B0EF238BD}" type="slidenum">
+            <a:fld id="{1003C2F6-E224-4DE8-ABB8-1B4A7B626BCD}" type="slidenum">
               <a:rPr lang="zh-CN" altLang="en-US" smtClean="0"/>
               <a:t>‹#›</a:t>
             </a:fld>
@@ -1410,7 +1777,7 @@
     </p:spTree>
     <p:extLst>
       <p:ext uri="{BB962C8B-B14F-4D97-AF65-F5344CB8AC3E}">
-        <p14:creationId xmlns:p14="http://schemas.microsoft.com/office/powerpoint/2010/main" val="1274714607"/>
+        <p14:creationId xmlns:p14="http://schemas.microsoft.com/office/powerpoint/2010/main" val="1650221778"/>
       </p:ext>
     </p:extLst>
   </p:cSld>
@@ -1439,7 +1806,13 @@
       </p:grpSpPr>
       <p:sp>
         <p:nvSpPr>
-          <p:cNvPr id="2" name="Title 1"/>
+          <p:cNvPr id="2" name="标题 1">
+            <a:extLst>
+              <a:ext uri="{FF2B5EF4-FFF2-40B4-BE49-F238E27FC236}">
+                <a16:creationId xmlns:a16="http://schemas.microsoft.com/office/drawing/2014/main" id="{C18EEE8B-4B0D-442D-882F-490C426EF065}"/>
+              </a:ext>
+            </a:extLst>
+          </p:cNvPr>
           <p:cNvSpPr>
             <a:spLocks noGrp="1"/>
           </p:cNvSpPr>
@@ -1456,13 +1829,18 @@
               <a:rPr lang="zh-CN" altLang="en-US"/>
               <a:t>单击此处编辑母版标题样式</a:t>
             </a:r>
-            <a:endParaRPr lang="en-US" dirty="0"/>
-          </a:p>
-        </p:txBody>
-      </p:sp>
-      <p:sp>
-        <p:nvSpPr>
-          <p:cNvPr id="3" name="Content Placeholder 2"/>
+          </a:p>
+        </p:txBody>
+      </p:sp>
+      <p:sp>
+        <p:nvSpPr>
+          <p:cNvPr id="3" name="内容占位符 2">
+            <a:extLst>
+              <a:ext uri="{FF2B5EF4-FFF2-40B4-BE49-F238E27FC236}">
+                <a16:creationId xmlns:a16="http://schemas.microsoft.com/office/drawing/2014/main" id="{C0920299-08FC-4BFB-B58E-8F2775CFF755}"/>
+              </a:ext>
+            </a:extLst>
+          </p:cNvPr>
           <p:cNvSpPr>
             <a:spLocks noGrp="1"/>
           </p:cNvSpPr>
@@ -1473,7 +1851,7 @@
         <p:spPr>
           <a:xfrm>
             <a:off x="628650" y="1825625"/>
-            <a:ext cx="3886200" cy="4351338"/>
+            <a:ext cx="3867150" cy="4351338"/>
           </a:xfrm>
         </p:spPr>
         <p:txBody>
@@ -1513,13 +1891,18 @@
               <a:rPr lang="zh-CN" altLang="en-US"/>
               <a:t>五级</a:t>
             </a:r>
-            <a:endParaRPr lang="en-US" dirty="0"/>
-          </a:p>
-        </p:txBody>
-      </p:sp>
-      <p:sp>
-        <p:nvSpPr>
-          <p:cNvPr id="4" name="Content Placeholder 3"/>
+          </a:p>
+        </p:txBody>
+      </p:sp>
+      <p:sp>
+        <p:nvSpPr>
+          <p:cNvPr id="4" name="内容占位符 3">
+            <a:extLst>
+              <a:ext uri="{FF2B5EF4-FFF2-40B4-BE49-F238E27FC236}">
+                <a16:creationId xmlns:a16="http://schemas.microsoft.com/office/drawing/2014/main" id="{AB316B06-CC1C-4B81-8346-A6D2B48F6242}"/>
+              </a:ext>
+            </a:extLst>
+          </p:cNvPr>
           <p:cNvSpPr>
             <a:spLocks noGrp="1"/>
           </p:cNvSpPr>
@@ -1529,8 +1912,8 @@
         </p:nvSpPr>
         <p:spPr>
           <a:xfrm>
-            <a:off x="4629150" y="1825625"/>
-            <a:ext cx="3886200" cy="4351338"/>
+            <a:off x="4648200" y="1825625"/>
+            <a:ext cx="3867150" cy="4351338"/>
           </a:xfrm>
         </p:spPr>
         <p:txBody>
@@ -1570,13 +1953,18 @@
               <a:rPr lang="zh-CN" altLang="en-US"/>
               <a:t>五级</a:t>
             </a:r>
-            <a:endParaRPr lang="en-US" dirty="0"/>
-          </a:p>
-        </p:txBody>
-      </p:sp>
-      <p:sp>
-        <p:nvSpPr>
-          <p:cNvPr id="5" name="Date Placeholder 4"/>
+          </a:p>
+        </p:txBody>
+      </p:sp>
+      <p:sp>
+        <p:nvSpPr>
+          <p:cNvPr id="5" name="日期占位符 4">
+            <a:extLst>
+              <a:ext uri="{FF2B5EF4-FFF2-40B4-BE49-F238E27FC236}">
+                <a16:creationId xmlns:a16="http://schemas.microsoft.com/office/drawing/2014/main" id="{F2D12B3D-57E6-492B-AAB4-09725D544329}"/>
+              </a:ext>
+            </a:extLst>
+          </p:cNvPr>
           <p:cNvSpPr>
             <a:spLocks noGrp="1"/>
           </p:cNvSpPr>
@@ -1589,9 +1977,9 @@
           <a:bodyPr/>
           <a:lstStyle/>
           <a:p>
-            <a:fld id="{10658E67-67AD-4987-8CBD-2FF45695C079}" type="datetimeFigureOut">
+            <a:fld id="{8412684D-ED2B-4DFA-96BD-F159EEEF2332}" type="datetime1">
               <a:rPr lang="zh-CN" altLang="en-US" smtClean="0"/>
-              <a:t>2020/5/24</a:t>
+              <a:t>2020/5/25</a:t>
             </a:fld>
             <a:endParaRPr lang="zh-CN" altLang="en-US"/>
           </a:p>
@@ -1599,7 +1987,13 @@
       </p:sp>
       <p:sp>
         <p:nvSpPr>
-          <p:cNvPr id="6" name="Footer Placeholder 5"/>
+          <p:cNvPr id="6" name="页脚占位符 5">
+            <a:extLst>
+              <a:ext uri="{FF2B5EF4-FFF2-40B4-BE49-F238E27FC236}">
+                <a16:creationId xmlns:a16="http://schemas.microsoft.com/office/drawing/2014/main" id="{F74EA61E-766C-4A0D-92D0-C2C9DDA6DA78}"/>
+              </a:ext>
+            </a:extLst>
+          </p:cNvPr>
           <p:cNvSpPr>
             <a:spLocks noGrp="1"/>
           </p:cNvSpPr>
@@ -1618,7 +2012,13 @@
       </p:sp>
       <p:sp>
         <p:nvSpPr>
-          <p:cNvPr id="7" name="Slide Number Placeholder 6"/>
+          <p:cNvPr id="7" name="灯片编号占位符 6">
+            <a:extLst>
+              <a:ext uri="{FF2B5EF4-FFF2-40B4-BE49-F238E27FC236}">
+                <a16:creationId xmlns:a16="http://schemas.microsoft.com/office/drawing/2014/main" id="{43DAE58E-666E-4A32-A31E-6534DA92BAA8}"/>
+              </a:ext>
+            </a:extLst>
+          </p:cNvPr>
           <p:cNvSpPr>
             <a:spLocks noGrp="1"/>
           </p:cNvSpPr>
@@ -1631,7 +2031,7 @@
           <a:bodyPr/>
           <a:lstStyle/>
           <a:p>
-            <a:fld id="{820B057F-C0CF-41D0-B7A5-324B0EF238BD}" type="slidenum">
+            <a:fld id="{1003C2F6-E224-4DE8-ABB8-1B4A7B626BCD}" type="slidenum">
               <a:rPr lang="zh-CN" altLang="en-US" smtClean="0"/>
               <a:t>‹#›</a:t>
             </a:fld>
@@ -1642,7 +2042,7 @@
     </p:spTree>
     <p:extLst>
       <p:ext uri="{BB962C8B-B14F-4D97-AF65-F5344CB8AC3E}">
-        <p14:creationId xmlns:p14="http://schemas.microsoft.com/office/powerpoint/2010/main" val="3453042787"/>
+        <p14:creationId xmlns:p14="http://schemas.microsoft.com/office/powerpoint/2010/main" val="1697202196"/>
       </p:ext>
     </p:extLst>
   </p:cSld>
@@ -1671,7 +2071,13 @@
       </p:grpSpPr>
       <p:sp>
         <p:nvSpPr>
-          <p:cNvPr id="2" name="Title 1"/>
+          <p:cNvPr id="2" name="标题 1">
+            <a:extLst>
+              <a:ext uri="{FF2B5EF4-FFF2-40B4-BE49-F238E27FC236}">
+                <a16:creationId xmlns:a16="http://schemas.microsoft.com/office/drawing/2014/main" id="{FCFA37D2-8E75-4085-9D73-CE6CA9221F4F}"/>
+              </a:ext>
+            </a:extLst>
+          </p:cNvPr>
           <p:cNvSpPr>
             <a:spLocks noGrp="1"/>
           </p:cNvSpPr>
@@ -1681,7 +2087,7 @@
         </p:nvSpPr>
         <p:spPr>
           <a:xfrm>
-            <a:off x="629841" y="365126"/>
+            <a:off x="630238" y="365125"/>
             <a:ext cx="7886700" cy="1325563"/>
           </a:xfrm>
         </p:spPr>
@@ -1693,13 +2099,18 @@
               <a:rPr lang="zh-CN" altLang="en-US"/>
               <a:t>单击此处编辑母版标题样式</a:t>
             </a:r>
-            <a:endParaRPr lang="en-US" dirty="0"/>
-          </a:p>
-        </p:txBody>
-      </p:sp>
-      <p:sp>
-        <p:nvSpPr>
-          <p:cNvPr id="3" name="Text Placeholder 2"/>
+          </a:p>
+        </p:txBody>
+      </p:sp>
+      <p:sp>
+        <p:nvSpPr>
+          <p:cNvPr id="3" name="文本占位符 2">
+            <a:extLst>
+              <a:ext uri="{FF2B5EF4-FFF2-40B4-BE49-F238E27FC236}">
+                <a16:creationId xmlns:a16="http://schemas.microsoft.com/office/drawing/2014/main" id="{F1EBF767-4E34-4A80-82F2-3FB9194E149D}"/>
+              </a:ext>
+            </a:extLst>
+          </p:cNvPr>
           <p:cNvSpPr>
             <a:spLocks noGrp="1"/>
           </p:cNvSpPr>
@@ -1709,8 +2120,8 @@
         </p:nvSpPr>
         <p:spPr>
           <a:xfrm>
-            <a:off x="629842" y="1681163"/>
-            <a:ext cx="3868340" cy="823912"/>
+            <a:off x="630238" y="1681163"/>
+            <a:ext cx="3868737" cy="823912"/>
           </a:xfrm>
         </p:spPr>
         <p:txBody>
@@ -1764,7 +2175,13 @@
       </p:sp>
       <p:sp>
         <p:nvSpPr>
-          <p:cNvPr id="4" name="Content Placeholder 3"/>
+          <p:cNvPr id="4" name="内容占位符 3">
+            <a:extLst>
+              <a:ext uri="{FF2B5EF4-FFF2-40B4-BE49-F238E27FC236}">
+                <a16:creationId xmlns:a16="http://schemas.microsoft.com/office/drawing/2014/main" id="{36BB5A7D-233C-42B3-90F9-781856AE9B74}"/>
+              </a:ext>
+            </a:extLst>
+          </p:cNvPr>
           <p:cNvSpPr>
             <a:spLocks noGrp="1"/>
           </p:cNvSpPr>
@@ -1774,8 +2191,8 @@
         </p:nvSpPr>
         <p:spPr>
           <a:xfrm>
-            <a:off x="629842" y="2505075"/>
-            <a:ext cx="3868340" cy="3684588"/>
+            <a:off x="630238" y="2505075"/>
+            <a:ext cx="3868737" cy="3684588"/>
           </a:xfrm>
         </p:spPr>
         <p:txBody>
@@ -1815,13 +2232,18 @@
               <a:rPr lang="zh-CN" altLang="en-US"/>
               <a:t>五级</a:t>
             </a:r>
-            <a:endParaRPr lang="en-US" dirty="0"/>
-          </a:p>
-        </p:txBody>
-      </p:sp>
-      <p:sp>
-        <p:nvSpPr>
-          <p:cNvPr id="5" name="Text Placeholder 4"/>
+          </a:p>
+        </p:txBody>
+      </p:sp>
+      <p:sp>
+        <p:nvSpPr>
+          <p:cNvPr id="5" name="文本占位符 4">
+            <a:extLst>
+              <a:ext uri="{FF2B5EF4-FFF2-40B4-BE49-F238E27FC236}">
+                <a16:creationId xmlns:a16="http://schemas.microsoft.com/office/drawing/2014/main" id="{39801910-512F-4616-892A-482A4D3D9BDF}"/>
+              </a:ext>
+            </a:extLst>
+          </p:cNvPr>
           <p:cNvSpPr>
             <a:spLocks noGrp="1"/>
           </p:cNvSpPr>
@@ -1832,7 +2254,7 @@
         <p:spPr>
           <a:xfrm>
             <a:off x="4629150" y="1681163"/>
-            <a:ext cx="3887391" cy="823912"/>
+            <a:ext cx="3887788" cy="823912"/>
           </a:xfrm>
         </p:spPr>
         <p:txBody>
@@ -1886,7 +2308,13 @@
       </p:sp>
       <p:sp>
         <p:nvSpPr>
-          <p:cNvPr id="6" name="Content Placeholder 5"/>
+          <p:cNvPr id="6" name="内容占位符 5">
+            <a:extLst>
+              <a:ext uri="{FF2B5EF4-FFF2-40B4-BE49-F238E27FC236}">
+                <a16:creationId xmlns:a16="http://schemas.microsoft.com/office/drawing/2014/main" id="{760DC1EA-E08E-469C-B62F-FAFE4C488D01}"/>
+              </a:ext>
+            </a:extLst>
+          </p:cNvPr>
           <p:cNvSpPr>
             <a:spLocks noGrp="1"/>
           </p:cNvSpPr>
@@ -1897,7 +2325,7 @@
         <p:spPr>
           <a:xfrm>
             <a:off x="4629150" y="2505075"/>
-            <a:ext cx="3887391" cy="3684588"/>
+            <a:ext cx="3887788" cy="3684588"/>
           </a:xfrm>
         </p:spPr>
         <p:txBody>
@@ -1937,13 +2365,18 @@
               <a:rPr lang="zh-CN" altLang="en-US"/>
               <a:t>五级</a:t>
             </a:r>
-            <a:endParaRPr lang="en-US" dirty="0"/>
-          </a:p>
-        </p:txBody>
-      </p:sp>
-      <p:sp>
-        <p:nvSpPr>
-          <p:cNvPr id="7" name="Date Placeholder 6"/>
+          </a:p>
+        </p:txBody>
+      </p:sp>
+      <p:sp>
+        <p:nvSpPr>
+          <p:cNvPr id="7" name="日期占位符 6">
+            <a:extLst>
+              <a:ext uri="{FF2B5EF4-FFF2-40B4-BE49-F238E27FC236}">
+                <a16:creationId xmlns:a16="http://schemas.microsoft.com/office/drawing/2014/main" id="{D9AFF2B2-AB41-4205-A64C-3FE4BA53B5C4}"/>
+              </a:ext>
+            </a:extLst>
+          </p:cNvPr>
           <p:cNvSpPr>
             <a:spLocks noGrp="1"/>
           </p:cNvSpPr>
@@ -1956,9 +2389,9 @@
           <a:bodyPr/>
           <a:lstStyle/>
           <a:p>
-            <a:fld id="{10658E67-67AD-4987-8CBD-2FF45695C079}" type="datetimeFigureOut">
+            <a:fld id="{5BC02D6A-32BD-4224-99F7-6390D7955B27}" type="datetime1">
               <a:rPr lang="zh-CN" altLang="en-US" smtClean="0"/>
-              <a:t>2020/5/24</a:t>
+              <a:t>2020/5/25</a:t>
             </a:fld>
             <a:endParaRPr lang="zh-CN" altLang="en-US"/>
           </a:p>
@@ -1966,7 +2399,13 @@
       </p:sp>
       <p:sp>
         <p:nvSpPr>
-          <p:cNvPr id="8" name="Footer Placeholder 7"/>
+          <p:cNvPr id="8" name="页脚占位符 7">
+            <a:extLst>
+              <a:ext uri="{FF2B5EF4-FFF2-40B4-BE49-F238E27FC236}">
+                <a16:creationId xmlns:a16="http://schemas.microsoft.com/office/drawing/2014/main" id="{506FDEED-B53C-4F4E-B916-0A3EF7BD2961}"/>
+              </a:ext>
+            </a:extLst>
+          </p:cNvPr>
           <p:cNvSpPr>
             <a:spLocks noGrp="1"/>
           </p:cNvSpPr>
@@ -1985,7 +2424,13 @@
       </p:sp>
       <p:sp>
         <p:nvSpPr>
-          <p:cNvPr id="9" name="Slide Number Placeholder 8"/>
+          <p:cNvPr id="9" name="灯片编号占位符 8">
+            <a:extLst>
+              <a:ext uri="{FF2B5EF4-FFF2-40B4-BE49-F238E27FC236}">
+                <a16:creationId xmlns:a16="http://schemas.microsoft.com/office/drawing/2014/main" id="{3894A266-F244-4869-A7B2-85CD9E111478}"/>
+              </a:ext>
+            </a:extLst>
+          </p:cNvPr>
           <p:cNvSpPr>
             <a:spLocks noGrp="1"/>
           </p:cNvSpPr>
@@ -1998,7 +2443,7 @@
           <a:bodyPr/>
           <a:lstStyle/>
           <a:p>
-            <a:fld id="{820B057F-C0CF-41D0-B7A5-324B0EF238BD}" type="slidenum">
+            <a:fld id="{1003C2F6-E224-4DE8-ABB8-1B4A7B626BCD}" type="slidenum">
               <a:rPr lang="zh-CN" altLang="en-US" smtClean="0"/>
               <a:t>‹#›</a:t>
             </a:fld>
@@ -2009,7 +2454,7 @@
     </p:spTree>
     <p:extLst>
       <p:ext uri="{BB962C8B-B14F-4D97-AF65-F5344CB8AC3E}">
-        <p14:creationId xmlns:p14="http://schemas.microsoft.com/office/powerpoint/2010/main" val="3226665382"/>
+        <p14:creationId xmlns:p14="http://schemas.microsoft.com/office/powerpoint/2010/main" val="1874416487"/>
       </p:ext>
     </p:extLst>
   </p:cSld>
@@ -2038,7 +2483,13 @@
       </p:grpSpPr>
       <p:sp>
         <p:nvSpPr>
-          <p:cNvPr id="2" name="Title 1"/>
+          <p:cNvPr id="2" name="标题 1">
+            <a:extLst>
+              <a:ext uri="{FF2B5EF4-FFF2-40B4-BE49-F238E27FC236}">
+                <a16:creationId xmlns:a16="http://schemas.microsoft.com/office/drawing/2014/main" id="{78581D3A-9BD1-4148-9D09-D4C7E0F8E84E}"/>
+              </a:ext>
+            </a:extLst>
+          </p:cNvPr>
           <p:cNvSpPr>
             <a:spLocks noGrp="1"/>
           </p:cNvSpPr>
@@ -2055,13 +2506,18 @@
               <a:rPr lang="zh-CN" altLang="en-US"/>
               <a:t>单击此处编辑母版标题样式</a:t>
             </a:r>
-            <a:endParaRPr lang="en-US" dirty="0"/>
-          </a:p>
-        </p:txBody>
-      </p:sp>
-      <p:sp>
-        <p:nvSpPr>
-          <p:cNvPr id="3" name="Date Placeholder 2"/>
+          </a:p>
+        </p:txBody>
+      </p:sp>
+      <p:sp>
+        <p:nvSpPr>
+          <p:cNvPr id="3" name="日期占位符 2">
+            <a:extLst>
+              <a:ext uri="{FF2B5EF4-FFF2-40B4-BE49-F238E27FC236}">
+                <a16:creationId xmlns:a16="http://schemas.microsoft.com/office/drawing/2014/main" id="{5D92DA06-1E97-4D48-9287-E287126EA533}"/>
+              </a:ext>
+            </a:extLst>
+          </p:cNvPr>
           <p:cNvSpPr>
             <a:spLocks noGrp="1"/>
           </p:cNvSpPr>
@@ -2074,9 +2530,9 @@
           <a:bodyPr/>
           <a:lstStyle/>
           <a:p>
-            <a:fld id="{10658E67-67AD-4987-8CBD-2FF45695C079}" type="datetimeFigureOut">
+            <a:fld id="{FF005D42-32C5-4EA7-8B95-867AE830DC47}" type="datetime1">
               <a:rPr lang="zh-CN" altLang="en-US" smtClean="0"/>
-              <a:t>2020/5/24</a:t>
+              <a:t>2020/5/25</a:t>
             </a:fld>
             <a:endParaRPr lang="zh-CN" altLang="en-US"/>
           </a:p>
@@ -2084,7 +2540,13 @@
       </p:sp>
       <p:sp>
         <p:nvSpPr>
-          <p:cNvPr id="4" name="Footer Placeholder 3"/>
+          <p:cNvPr id="4" name="页脚占位符 3">
+            <a:extLst>
+              <a:ext uri="{FF2B5EF4-FFF2-40B4-BE49-F238E27FC236}">
+                <a16:creationId xmlns:a16="http://schemas.microsoft.com/office/drawing/2014/main" id="{28868D8F-D3D7-498C-A1F5-B4430461E7FD}"/>
+              </a:ext>
+            </a:extLst>
+          </p:cNvPr>
           <p:cNvSpPr>
             <a:spLocks noGrp="1"/>
           </p:cNvSpPr>
@@ -2103,7 +2565,13 @@
       </p:sp>
       <p:sp>
         <p:nvSpPr>
-          <p:cNvPr id="5" name="Slide Number Placeholder 4"/>
+          <p:cNvPr id="5" name="灯片编号占位符 4">
+            <a:extLst>
+              <a:ext uri="{FF2B5EF4-FFF2-40B4-BE49-F238E27FC236}">
+                <a16:creationId xmlns:a16="http://schemas.microsoft.com/office/drawing/2014/main" id="{A245725D-1CAC-4778-BC02-D11CEEB89806}"/>
+              </a:ext>
+            </a:extLst>
+          </p:cNvPr>
           <p:cNvSpPr>
             <a:spLocks noGrp="1"/>
           </p:cNvSpPr>
@@ -2116,7 +2584,7 @@
           <a:bodyPr/>
           <a:lstStyle/>
           <a:p>
-            <a:fld id="{820B057F-C0CF-41D0-B7A5-324B0EF238BD}" type="slidenum">
+            <a:fld id="{1003C2F6-E224-4DE8-ABB8-1B4A7B626BCD}" type="slidenum">
               <a:rPr lang="zh-CN" altLang="en-US" smtClean="0"/>
               <a:t>‹#›</a:t>
             </a:fld>
@@ -2127,7 +2595,7 @@
     </p:spTree>
     <p:extLst>
       <p:ext uri="{BB962C8B-B14F-4D97-AF65-F5344CB8AC3E}">
-        <p14:creationId xmlns:p14="http://schemas.microsoft.com/office/powerpoint/2010/main" val="453673316"/>
+        <p14:creationId xmlns:p14="http://schemas.microsoft.com/office/powerpoint/2010/main" val="2804251322"/>
       </p:ext>
     </p:extLst>
   </p:cSld>
@@ -2156,7 +2624,13 @@
       </p:grpSpPr>
       <p:sp>
         <p:nvSpPr>
-          <p:cNvPr id="2" name="Date Placeholder 1"/>
+          <p:cNvPr id="2" name="日期占位符 1">
+            <a:extLst>
+              <a:ext uri="{FF2B5EF4-FFF2-40B4-BE49-F238E27FC236}">
+                <a16:creationId xmlns:a16="http://schemas.microsoft.com/office/drawing/2014/main" id="{9AFD90E4-2D5A-49FD-948D-FE2BB10717DE}"/>
+              </a:ext>
+            </a:extLst>
+          </p:cNvPr>
           <p:cNvSpPr>
             <a:spLocks noGrp="1"/>
           </p:cNvSpPr>
@@ -2169,9 +2643,9 @@
           <a:bodyPr/>
           <a:lstStyle/>
           <a:p>
-            <a:fld id="{10658E67-67AD-4987-8CBD-2FF45695C079}" type="datetimeFigureOut">
+            <a:fld id="{706CA6FA-E63A-43BE-90D5-39AB14454881}" type="datetime1">
               <a:rPr lang="zh-CN" altLang="en-US" smtClean="0"/>
-              <a:t>2020/5/24</a:t>
+              <a:t>2020/5/25</a:t>
             </a:fld>
             <a:endParaRPr lang="zh-CN" altLang="en-US"/>
           </a:p>
@@ -2179,7 +2653,13 @@
       </p:sp>
       <p:sp>
         <p:nvSpPr>
-          <p:cNvPr id="3" name="Footer Placeholder 2"/>
+          <p:cNvPr id="3" name="页脚占位符 2">
+            <a:extLst>
+              <a:ext uri="{FF2B5EF4-FFF2-40B4-BE49-F238E27FC236}">
+                <a16:creationId xmlns:a16="http://schemas.microsoft.com/office/drawing/2014/main" id="{C32FD976-F401-4222-A04D-514EF7B2D9ED}"/>
+              </a:ext>
+            </a:extLst>
+          </p:cNvPr>
           <p:cNvSpPr>
             <a:spLocks noGrp="1"/>
           </p:cNvSpPr>
@@ -2198,7 +2678,13 @@
       </p:sp>
       <p:sp>
         <p:nvSpPr>
-          <p:cNvPr id="4" name="Slide Number Placeholder 3"/>
+          <p:cNvPr id="4" name="灯片编号占位符 3">
+            <a:extLst>
+              <a:ext uri="{FF2B5EF4-FFF2-40B4-BE49-F238E27FC236}">
+                <a16:creationId xmlns:a16="http://schemas.microsoft.com/office/drawing/2014/main" id="{A65DFE4A-E655-4D2E-9753-9995B594923B}"/>
+              </a:ext>
+            </a:extLst>
+          </p:cNvPr>
           <p:cNvSpPr>
             <a:spLocks noGrp="1"/>
           </p:cNvSpPr>
@@ -2209,20 +2695,33 @@
         <p:spPr/>
         <p:txBody>
           <a:bodyPr/>
-          <a:lstStyle/>
-          <a:p>
-            <a:fld id="{820B057F-C0CF-41D0-B7A5-324B0EF238BD}" type="slidenum">
+          <a:lstStyle>
+            <a:lvl1pPr>
+              <a:defRPr sz="1600">
+                <a:solidFill>
+                  <a:srgbClr val="9A0001"/>
+                </a:solidFill>
+              </a:defRPr>
+            </a:lvl1pPr>
+          </a:lstStyle>
+          <a:p>
+            <a:fld id="{1003C2F6-E224-4DE8-ABB8-1B4A7B626BCD}" type="slidenum">
               <a:rPr lang="zh-CN" altLang="en-US" smtClean="0"/>
+              <a:pPr/>
               <a:t>‹#›</a:t>
             </a:fld>
-            <a:endParaRPr lang="zh-CN" altLang="en-US"/>
+            <a:r>
+              <a:rPr lang="en-US" altLang="zh-CN" dirty="0"/>
+              <a:t>/50</a:t>
+            </a:r>
+            <a:endParaRPr lang="zh-CN" altLang="en-US" dirty="0"/>
           </a:p>
         </p:txBody>
       </p:sp>
     </p:spTree>
     <p:extLst>
       <p:ext uri="{BB962C8B-B14F-4D97-AF65-F5344CB8AC3E}">
-        <p14:creationId xmlns:p14="http://schemas.microsoft.com/office/powerpoint/2010/main" val="307435874"/>
+        <p14:creationId xmlns:p14="http://schemas.microsoft.com/office/powerpoint/2010/main" val="2246692734"/>
       </p:ext>
     </p:extLst>
   </p:cSld>
@@ -2251,7 +2750,13 @@
       </p:grpSpPr>
       <p:sp>
         <p:nvSpPr>
-          <p:cNvPr id="2" name="Title 1"/>
+          <p:cNvPr id="2" name="标题 1">
+            <a:extLst>
+              <a:ext uri="{FF2B5EF4-FFF2-40B4-BE49-F238E27FC236}">
+                <a16:creationId xmlns:a16="http://schemas.microsoft.com/office/drawing/2014/main" id="{EA144B45-B42A-4BE3-9B09-A7B14A0F9D06}"/>
+              </a:ext>
+            </a:extLst>
+          </p:cNvPr>
           <p:cNvSpPr>
             <a:spLocks noGrp="1"/>
           </p:cNvSpPr>
@@ -2261,8 +2766,8 @@
         </p:nvSpPr>
         <p:spPr>
           <a:xfrm>
-            <a:off x="629841" y="457200"/>
-            <a:ext cx="2949178" cy="1600200"/>
+            <a:off x="630238" y="457200"/>
+            <a:ext cx="2949575" cy="1600200"/>
           </a:xfrm>
         </p:spPr>
         <p:txBody>
@@ -2277,13 +2782,18 @@
               <a:rPr lang="zh-CN" altLang="en-US"/>
               <a:t>单击此处编辑母版标题样式</a:t>
             </a:r>
-            <a:endParaRPr lang="en-US" dirty="0"/>
-          </a:p>
-        </p:txBody>
-      </p:sp>
-      <p:sp>
-        <p:nvSpPr>
-          <p:cNvPr id="3" name="Content Placeholder 2"/>
+          </a:p>
+        </p:txBody>
+      </p:sp>
+      <p:sp>
+        <p:nvSpPr>
+          <p:cNvPr id="3" name="内容占位符 2">
+            <a:extLst>
+              <a:ext uri="{FF2B5EF4-FFF2-40B4-BE49-F238E27FC236}">
+                <a16:creationId xmlns:a16="http://schemas.microsoft.com/office/drawing/2014/main" id="{C56C036B-CC31-4619-A61A-0813E92FDFAB}"/>
+              </a:ext>
+            </a:extLst>
+          </p:cNvPr>
           <p:cNvSpPr>
             <a:spLocks noGrp="1"/>
           </p:cNvSpPr>
@@ -2293,7 +2803,7 @@
         </p:nvSpPr>
         <p:spPr>
           <a:xfrm>
-            <a:off x="3887391" y="987426"/>
+            <a:off x="3887788" y="987425"/>
             <a:ext cx="4629150" cy="4873625"/>
           </a:xfrm>
         </p:spPr>
@@ -2362,13 +2872,18 @@
               <a:rPr lang="zh-CN" altLang="en-US"/>
               <a:t>五级</a:t>
             </a:r>
-            <a:endParaRPr lang="en-US" dirty="0"/>
-          </a:p>
-        </p:txBody>
-      </p:sp>
-      <p:sp>
-        <p:nvSpPr>
-          <p:cNvPr id="4" name="Text Placeholder 3"/>
+          </a:p>
+        </p:txBody>
+      </p:sp>
+      <p:sp>
+        <p:nvSpPr>
+          <p:cNvPr id="4" name="文本占位符 3">
+            <a:extLst>
+              <a:ext uri="{FF2B5EF4-FFF2-40B4-BE49-F238E27FC236}">
+                <a16:creationId xmlns:a16="http://schemas.microsoft.com/office/drawing/2014/main" id="{8615B82B-2043-4080-9828-197643E9B1E8}"/>
+              </a:ext>
+            </a:extLst>
+          </p:cNvPr>
           <p:cNvSpPr>
             <a:spLocks noGrp="1"/>
           </p:cNvSpPr>
@@ -2378,8 +2893,8 @@
         </p:nvSpPr>
         <p:spPr>
           <a:xfrm>
-            <a:off x="629841" y="2057400"/>
-            <a:ext cx="2949178" cy="3811588"/>
+            <a:off x="630238" y="2057400"/>
+            <a:ext cx="2949575" cy="3811588"/>
           </a:xfrm>
         </p:spPr>
         <p:txBody>
@@ -2433,7 +2948,13 @@
       </p:sp>
       <p:sp>
         <p:nvSpPr>
-          <p:cNvPr id="5" name="Date Placeholder 4"/>
+          <p:cNvPr id="5" name="日期占位符 4">
+            <a:extLst>
+              <a:ext uri="{FF2B5EF4-FFF2-40B4-BE49-F238E27FC236}">
+                <a16:creationId xmlns:a16="http://schemas.microsoft.com/office/drawing/2014/main" id="{0F136714-F236-4CC7-97F4-0BA7768F1126}"/>
+              </a:ext>
+            </a:extLst>
+          </p:cNvPr>
           <p:cNvSpPr>
             <a:spLocks noGrp="1"/>
           </p:cNvSpPr>
@@ -2446,9 +2967,9 @@
           <a:bodyPr/>
           <a:lstStyle/>
           <a:p>
-            <a:fld id="{10658E67-67AD-4987-8CBD-2FF45695C079}" type="datetimeFigureOut">
+            <a:fld id="{B8C5107A-4BD5-4337-8C43-65AD642E5A6B}" type="datetime1">
               <a:rPr lang="zh-CN" altLang="en-US" smtClean="0"/>
-              <a:t>2020/5/24</a:t>
+              <a:t>2020/5/25</a:t>
             </a:fld>
             <a:endParaRPr lang="zh-CN" altLang="en-US"/>
           </a:p>
@@ -2456,7 +2977,13 @@
       </p:sp>
       <p:sp>
         <p:nvSpPr>
-          <p:cNvPr id="6" name="Footer Placeholder 5"/>
+          <p:cNvPr id="6" name="页脚占位符 5">
+            <a:extLst>
+              <a:ext uri="{FF2B5EF4-FFF2-40B4-BE49-F238E27FC236}">
+                <a16:creationId xmlns:a16="http://schemas.microsoft.com/office/drawing/2014/main" id="{1A2597AC-8940-4936-81B7-2EABC8B3858B}"/>
+              </a:ext>
+            </a:extLst>
+          </p:cNvPr>
           <p:cNvSpPr>
             <a:spLocks noGrp="1"/>
           </p:cNvSpPr>
@@ -2475,7 +3002,13 @@
       </p:sp>
       <p:sp>
         <p:nvSpPr>
-          <p:cNvPr id="7" name="Slide Number Placeholder 6"/>
+          <p:cNvPr id="7" name="灯片编号占位符 6">
+            <a:extLst>
+              <a:ext uri="{FF2B5EF4-FFF2-40B4-BE49-F238E27FC236}">
+                <a16:creationId xmlns:a16="http://schemas.microsoft.com/office/drawing/2014/main" id="{847A2176-0008-4EEA-BA4F-49845052D2F7}"/>
+              </a:ext>
+            </a:extLst>
+          </p:cNvPr>
           <p:cNvSpPr>
             <a:spLocks noGrp="1"/>
           </p:cNvSpPr>
@@ -2488,7 +3021,7 @@
           <a:bodyPr/>
           <a:lstStyle/>
           <a:p>
-            <a:fld id="{820B057F-C0CF-41D0-B7A5-324B0EF238BD}" type="slidenum">
+            <a:fld id="{1003C2F6-E224-4DE8-ABB8-1B4A7B626BCD}" type="slidenum">
               <a:rPr lang="zh-CN" altLang="en-US" smtClean="0"/>
               <a:t>‹#›</a:t>
             </a:fld>
@@ -2499,7 +3032,7 @@
     </p:spTree>
     <p:extLst>
       <p:ext uri="{BB962C8B-B14F-4D97-AF65-F5344CB8AC3E}">
-        <p14:creationId xmlns:p14="http://schemas.microsoft.com/office/powerpoint/2010/main" val="3744795971"/>
+        <p14:creationId xmlns:p14="http://schemas.microsoft.com/office/powerpoint/2010/main" val="757599034"/>
       </p:ext>
     </p:extLst>
   </p:cSld>
@@ -2528,7 +3061,13 @@
       </p:grpSpPr>
       <p:sp>
         <p:nvSpPr>
-          <p:cNvPr id="2" name="Title 1"/>
+          <p:cNvPr id="2" name="标题 1">
+            <a:extLst>
+              <a:ext uri="{FF2B5EF4-FFF2-40B4-BE49-F238E27FC236}">
+                <a16:creationId xmlns:a16="http://schemas.microsoft.com/office/drawing/2014/main" id="{73F54B08-DA88-49DF-8231-C9BC14B21567}"/>
+              </a:ext>
+            </a:extLst>
+          </p:cNvPr>
           <p:cNvSpPr>
             <a:spLocks noGrp="1"/>
           </p:cNvSpPr>
@@ -2538,8 +3077,8 @@
         </p:nvSpPr>
         <p:spPr>
           <a:xfrm>
-            <a:off x="629841" y="457200"/>
-            <a:ext cx="2949178" cy="1600200"/>
+            <a:off x="630238" y="457200"/>
+            <a:ext cx="2949575" cy="1600200"/>
           </a:xfrm>
         </p:spPr>
         <p:txBody>
@@ -2554,15 +3093,20 @@
               <a:rPr lang="zh-CN" altLang="en-US"/>
               <a:t>单击此处编辑母版标题样式</a:t>
             </a:r>
-            <a:endParaRPr lang="en-US" dirty="0"/>
-          </a:p>
-        </p:txBody>
-      </p:sp>
-      <p:sp>
-        <p:nvSpPr>
-          <p:cNvPr id="3" name="Picture Placeholder 2"/>
+          </a:p>
+        </p:txBody>
+      </p:sp>
+      <p:sp>
+        <p:nvSpPr>
+          <p:cNvPr id="3" name="图片占位符 2">
+            <a:extLst>
+              <a:ext uri="{FF2B5EF4-FFF2-40B4-BE49-F238E27FC236}">
+                <a16:creationId xmlns:a16="http://schemas.microsoft.com/office/drawing/2014/main" id="{6892E2C1-CFD9-47C2-B51B-190B14F0D4BA}"/>
+              </a:ext>
+            </a:extLst>
+          </p:cNvPr>
           <p:cNvSpPr>
-            <a:spLocks noGrp="1" noChangeAspect="1"/>
+            <a:spLocks noGrp="1"/>
           </p:cNvSpPr>
           <p:nvPr>
             <p:ph type="pic" idx="1"/>
@@ -2570,12 +3114,12 @@
         </p:nvSpPr>
         <p:spPr>
           <a:xfrm>
-            <a:off x="3887391" y="987426"/>
+            <a:off x="3887788" y="987425"/>
             <a:ext cx="4629150" cy="4873625"/>
           </a:xfrm>
         </p:spPr>
         <p:txBody>
-          <a:bodyPr anchor="t"/>
+          <a:bodyPr/>
           <a:lstStyle>
             <a:lvl1pPr marL="0" indent="0">
               <a:buNone/>
@@ -2615,17 +3159,19 @@
             </a:lvl9pPr>
           </a:lstStyle>
           <a:p>
-            <a:r>
-              <a:rPr lang="zh-CN" altLang="en-US"/>
-              <a:t>单击图标添加图片</a:t>
-            </a:r>
-            <a:endParaRPr lang="en-US" dirty="0"/>
-          </a:p>
-        </p:txBody>
-      </p:sp>
-      <p:sp>
-        <p:nvSpPr>
-          <p:cNvPr id="4" name="Text Placeholder 3"/>
+            <a:endParaRPr lang="zh-CN" altLang="en-US"/>
+          </a:p>
+        </p:txBody>
+      </p:sp>
+      <p:sp>
+        <p:nvSpPr>
+          <p:cNvPr id="4" name="文本占位符 3">
+            <a:extLst>
+              <a:ext uri="{FF2B5EF4-FFF2-40B4-BE49-F238E27FC236}">
+                <a16:creationId xmlns:a16="http://schemas.microsoft.com/office/drawing/2014/main" id="{94ECE4F7-CB6B-4FE3-932A-CD86A8B7ECA2}"/>
+              </a:ext>
+            </a:extLst>
+          </p:cNvPr>
           <p:cNvSpPr>
             <a:spLocks noGrp="1"/>
           </p:cNvSpPr>
@@ -2635,8 +3181,8 @@
         </p:nvSpPr>
         <p:spPr>
           <a:xfrm>
-            <a:off x="629841" y="2057400"/>
-            <a:ext cx="2949178" cy="3811588"/>
+            <a:off x="630238" y="2057400"/>
+            <a:ext cx="2949575" cy="3811588"/>
           </a:xfrm>
         </p:spPr>
         <p:txBody>
@@ -2690,7 +3236,13 @@
       </p:sp>
       <p:sp>
         <p:nvSpPr>
-          <p:cNvPr id="5" name="Date Placeholder 4"/>
+          <p:cNvPr id="5" name="日期占位符 4">
+            <a:extLst>
+              <a:ext uri="{FF2B5EF4-FFF2-40B4-BE49-F238E27FC236}">
+                <a16:creationId xmlns:a16="http://schemas.microsoft.com/office/drawing/2014/main" id="{917EB21E-9966-4700-984D-E1D7A0C1D988}"/>
+              </a:ext>
+            </a:extLst>
+          </p:cNvPr>
           <p:cNvSpPr>
             <a:spLocks noGrp="1"/>
           </p:cNvSpPr>
@@ -2703,9 +3255,9 @@
           <a:bodyPr/>
           <a:lstStyle/>
           <a:p>
-            <a:fld id="{10658E67-67AD-4987-8CBD-2FF45695C079}" type="datetimeFigureOut">
+            <a:fld id="{2F27E401-40A6-410A-B920-16863192BAA7}" type="datetime1">
               <a:rPr lang="zh-CN" altLang="en-US" smtClean="0"/>
-              <a:t>2020/5/24</a:t>
+              <a:t>2020/5/25</a:t>
             </a:fld>
             <a:endParaRPr lang="zh-CN" altLang="en-US"/>
           </a:p>
@@ -2713,7 +3265,13 @@
       </p:sp>
       <p:sp>
         <p:nvSpPr>
-          <p:cNvPr id="6" name="Footer Placeholder 5"/>
+          <p:cNvPr id="6" name="页脚占位符 5">
+            <a:extLst>
+              <a:ext uri="{FF2B5EF4-FFF2-40B4-BE49-F238E27FC236}">
+                <a16:creationId xmlns:a16="http://schemas.microsoft.com/office/drawing/2014/main" id="{CB8D2CA1-52E5-44C0-993C-CBE295262CEB}"/>
+              </a:ext>
+            </a:extLst>
+          </p:cNvPr>
           <p:cNvSpPr>
             <a:spLocks noGrp="1"/>
           </p:cNvSpPr>
@@ -2732,7 +3290,13 @@
       </p:sp>
       <p:sp>
         <p:nvSpPr>
-          <p:cNvPr id="7" name="Slide Number Placeholder 6"/>
+          <p:cNvPr id="7" name="灯片编号占位符 6">
+            <a:extLst>
+              <a:ext uri="{FF2B5EF4-FFF2-40B4-BE49-F238E27FC236}">
+                <a16:creationId xmlns:a16="http://schemas.microsoft.com/office/drawing/2014/main" id="{C8C91D4B-3CB2-415D-A45C-1DC352E99A77}"/>
+              </a:ext>
+            </a:extLst>
+          </p:cNvPr>
           <p:cNvSpPr>
             <a:spLocks noGrp="1"/>
           </p:cNvSpPr>
@@ -2745,7 +3309,7 @@
           <a:bodyPr/>
           <a:lstStyle/>
           <a:p>
-            <a:fld id="{820B057F-C0CF-41D0-B7A5-324B0EF238BD}" type="slidenum">
+            <a:fld id="{1003C2F6-E224-4DE8-ABB8-1B4A7B626BCD}" type="slidenum">
               <a:rPr lang="zh-CN" altLang="en-US" smtClean="0"/>
               <a:t>‹#›</a:t>
             </a:fld>
@@ -2756,7 +3320,7 @@
     </p:spTree>
     <p:extLst>
       <p:ext uri="{BB962C8B-B14F-4D97-AF65-F5344CB8AC3E}">
-        <p14:creationId xmlns:p14="http://schemas.microsoft.com/office/powerpoint/2010/main" val="2810368237"/>
+        <p14:creationId xmlns:p14="http://schemas.microsoft.com/office/powerpoint/2010/main" val="1902645992"/>
       </p:ext>
     </p:extLst>
   </p:cSld>
@@ -2790,7 +3354,13 @@
       </p:grpSpPr>
       <p:sp>
         <p:nvSpPr>
-          <p:cNvPr id="2" name="Title Placeholder 1"/>
+          <p:cNvPr id="2" name="标题占位符 1">
+            <a:extLst>
+              <a:ext uri="{FF2B5EF4-FFF2-40B4-BE49-F238E27FC236}">
+                <a16:creationId xmlns:a16="http://schemas.microsoft.com/office/drawing/2014/main" id="{7630CE13-51BE-490D-8078-EB6251B1C202}"/>
+              </a:ext>
+            </a:extLst>
+          </p:cNvPr>
           <p:cNvSpPr>
             <a:spLocks noGrp="1"/>
           </p:cNvSpPr>
@@ -2800,7 +3370,7 @@
         </p:nvSpPr>
         <p:spPr>
           <a:xfrm>
-            <a:off x="628650" y="365126"/>
+            <a:off x="628650" y="365125"/>
             <a:ext cx="7886700" cy="1325563"/>
           </a:xfrm>
           <a:prstGeom prst="rect">
@@ -2817,13 +3387,18 @@
               <a:rPr lang="zh-CN" altLang="en-US"/>
               <a:t>单击此处编辑母版标题样式</a:t>
             </a:r>
-            <a:endParaRPr lang="en-US" dirty="0"/>
-          </a:p>
-        </p:txBody>
-      </p:sp>
-      <p:sp>
-        <p:nvSpPr>
-          <p:cNvPr id="3" name="Text Placeholder 2"/>
+          </a:p>
+        </p:txBody>
+      </p:sp>
+      <p:sp>
+        <p:nvSpPr>
+          <p:cNvPr id="3" name="文本占位符 2">
+            <a:extLst>
+              <a:ext uri="{FF2B5EF4-FFF2-40B4-BE49-F238E27FC236}">
+                <a16:creationId xmlns:a16="http://schemas.microsoft.com/office/drawing/2014/main" id="{1CC417C3-E548-4337-BAB1-9115A283664C}"/>
+              </a:ext>
+            </a:extLst>
+          </p:cNvPr>
           <p:cNvSpPr>
             <a:spLocks noGrp="1"/>
           </p:cNvSpPr>
@@ -2879,13 +3454,18 @@
               <a:rPr lang="zh-CN" altLang="en-US"/>
               <a:t>五级</a:t>
             </a:r>
-            <a:endParaRPr lang="en-US" dirty="0"/>
-          </a:p>
-        </p:txBody>
-      </p:sp>
-      <p:sp>
-        <p:nvSpPr>
-          <p:cNvPr id="4" name="Date Placeholder 3"/>
+          </a:p>
+        </p:txBody>
+      </p:sp>
+      <p:sp>
+        <p:nvSpPr>
+          <p:cNvPr id="4" name="日期占位符 3">
+            <a:extLst>
+              <a:ext uri="{FF2B5EF4-FFF2-40B4-BE49-F238E27FC236}">
+                <a16:creationId xmlns:a16="http://schemas.microsoft.com/office/drawing/2014/main" id="{526BE90C-EABC-4414-B00F-453B803BCD92}"/>
+              </a:ext>
+            </a:extLst>
+          </p:cNvPr>
           <p:cNvSpPr>
             <a:spLocks noGrp="1"/>
           </p:cNvSpPr>
@@ -2895,7 +3475,7 @@
         </p:nvSpPr>
         <p:spPr>
           <a:xfrm>
-            <a:off x="628650" y="6356351"/>
+            <a:off x="628650" y="6356350"/>
             <a:ext cx="2057400" cy="365125"/>
           </a:xfrm>
           <a:prstGeom prst="rect">
@@ -2916,9 +3496,9 @@
             </a:lvl1pPr>
           </a:lstStyle>
           <a:p>
-            <a:fld id="{10658E67-67AD-4987-8CBD-2FF45695C079}" type="datetimeFigureOut">
+            <a:fld id="{56BED3F4-DF31-4764-BF1B-09BCF492A85A}" type="datetime1">
               <a:rPr lang="zh-CN" altLang="en-US" smtClean="0"/>
-              <a:t>2020/5/24</a:t>
+              <a:t>2020/5/25</a:t>
             </a:fld>
             <a:endParaRPr lang="zh-CN" altLang="en-US"/>
           </a:p>
@@ -2926,7 +3506,13 @@
       </p:sp>
       <p:sp>
         <p:nvSpPr>
-          <p:cNvPr id="5" name="Footer Placeholder 4"/>
+          <p:cNvPr id="5" name="页脚占位符 4">
+            <a:extLst>
+              <a:ext uri="{FF2B5EF4-FFF2-40B4-BE49-F238E27FC236}">
+                <a16:creationId xmlns:a16="http://schemas.microsoft.com/office/drawing/2014/main" id="{7C488562-84A6-496B-B083-564D16A8C89E}"/>
+              </a:ext>
+            </a:extLst>
+          </p:cNvPr>
           <p:cNvSpPr>
             <a:spLocks noGrp="1"/>
           </p:cNvSpPr>
@@ -2936,7 +3522,7 @@
         </p:nvSpPr>
         <p:spPr>
           <a:xfrm>
-            <a:off x="3028950" y="6356351"/>
+            <a:off x="3028950" y="6356350"/>
             <a:ext cx="3086100" cy="365125"/>
           </a:xfrm>
           <a:prstGeom prst="rect">
@@ -2963,7 +3549,13 @@
       </p:sp>
       <p:sp>
         <p:nvSpPr>
-          <p:cNvPr id="6" name="Slide Number Placeholder 5"/>
+          <p:cNvPr id="6" name="灯片编号占位符 5">
+            <a:extLst>
+              <a:ext uri="{FF2B5EF4-FFF2-40B4-BE49-F238E27FC236}">
+                <a16:creationId xmlns:a16="http://schemas.microsoft.com/office/drawing/2014/main" id="{84C90C0A-EA80-4A3F-9322-29503D2E61DB}"/>
+              </a:ext>
+            </a:extLst>
+          </p:cNvPr>
           <p:cNvSpPr>
             <a:spLocks noGrp="1"/>
           </p:cNvSpPr>
@@ -2973,7 +3565,7 @@
         </p:nvSpPr>
         <p:spPr>
           <a:xfrm>
-            <a:off x="6457950" y="6356351"/>
+            <a:off x="6457950" y="6356350"/>
             <a:ext cx="2057400" cy="365125"/>
           </a:xfrm>
           <a:prstGeom prst="rect">
@@ -2994,35 +3586,41 @@
             </a:lvl1pPr>
           </a:lstStyle>
           <a:p>
-            <a:fld id="{820B057F-C0CF-41D0-B7A5-324B0EF238BD}" type="slidenum">
+            <a:fld id="{1003C2F6-E224-4DE8-ABB8-1B4A7B626BCD}" type="slidenum">
               <a:rPr lang="zh-CN" altLang="en-US" smtClean="0"/>
+              <a:pPr/>
               <a:t>‹#›</a:t>
             </a:fld>
-            <a:endParaRPr lang="zh-CN" altLang="en-US"/>
+            <a:r>
+              <a:rPr lang="en-US" altLang="zh-CN" dirty="0"/>
+              <a:t>/50</a:t>
+            </a:r>
+            <a:endParaRPr lang="zh-CN" altLang="en-US" dirty="0"/>
           </a:p>
         </p:txBody>
       </p:sp>
     </p:spTree>
     <p:extLst>
       <p:ext uri="{BB962C8B-B14F-4D97-AF65-F5344CB8AC3E}">
-        <p14:creationId xmlns:p14="http://schemas.microsoft.com/office/powerpoint/2010/main" val="3754023826"/>
+        <p14:creationId xmlns:p14="http://schemas.microsoft.com/office/powerpoint/2010/main" val="6968702"/>
       </p:ext>
     </p:extLst>
   </p:cSld>
   <p:clrMap bg1="lt1" tx1="dk1" bg2="lt2" tx2="dk2" accent1="accent1" accent2="accent2" accent3="accent3" accent4="accent4" accent5="accent5" accent6="accent6" hlink="hlink" folHlink="folHlink"/>
   <p:sldLayoutIdLst>
-    <p:sldLayoutId id="2147483661" r:id="rId1"/>
-    <p:sldLayoutId id="2147483662" r:id="rId2"/>
-    <p:sldLayoutId id="2147483663" r:id="rId3"/>
-    <p:sldLayoutId id="2147483664" r:id="rId4"/>
-    <p:sldLayoutId id="2147483665" r:id="rId5"/>
-    <p:sldLayoutId id="2147483666" r:id="rId6"/>
-    <p:sldLayoutId id="2147483667" r:id="rId7"/>
-    <p:sldLayoutId id="2147483668" r:id="rId8"/>
-    <p:sldLayoutId id="2147483669" r:id="rId9"/>
-    <p:sldLayoutId id="2147483670" r:id="rId10"/>
-    <p:sldLayoutId id="2147483671" r:id="rId11"/>
+    <p:sldLayoutId id="2147483699" r:id="rId1"/>
+    <p:sldLayoutId id="2147483700" r:id="rId2"/>
+    <p:sldLayoutId id="2147483701" r:id="rId3"/>
+    <p:sldLayoutId id="2147483702" r:id="rId4"/>
+    <p:sldLayoutId id="2147483703" r:id="rId5"/>
+    <p:sldLayoutId id="2147483704" r:id="rId6"/>
+    <p:sldLayoutId id="2147483705" r:id="rId7"/>
+    <p:sldLayoutId id="2147483706" r:id="rId8"/>
+    <p:sldLayoutId id="2147483707" r:id="rId9"/>
+    <p:sldLayoutId id="2147483708" r:id="rId10"/>
+    <p:sldLayoutId id="2147483709" r:id="rId11"/>
   </p:sldLayoutIdLst>
+  <p:hf hdr="0" ftr="0" dt="0"/>
   <p:txStyles>
     <p:titleStyle>
       <a:lvl1pPr algn="l" defTabSz="914400" rtl="0" eaLnBrk="1" latinLnBrk="0" hangingPunct="1">
@@ -3209,7 +3807,7 @@
     </p:bodyStyle>
     <p:otherStyle>
       <a:defPPr>
-        <a:defRPr lang="en-US"/>
+        <a:defRPr lang="zh-CN"/>
       </a:defPPr>
       <a:lvl1pPr marL="0" algn="l" defTabSz="914400" rtl="0" eaLnBrk="1" latinLnBrk="0" hangingPunct="1">
         <a:defRPr sz="1800" kern="1200">
@@ -3345,7 +3943,7 @@
         </p:blipFill>
         <p:spPr>
           <a:xfrm>
-            <a:off x="0" y="1714500"/>
+            <a:off x="-1046" y="1714500"/>
             <a:ext cx="9144000" cy="5143500"/>
           </a:xfrm>
           <a:prstGeom prst="rect">
@@ -3398,7 +3996,7 @@
         <p:spPr>
           <a:xfrm>
             <a:off x="344977" y="2389562"/>
-            <a:ext cx="8454044" cy="707886"/>
+            <a:ext cx="8454044" cy="584775"/>
           </a:xfrm>
           <a:prstGeom prst="rect">
             <a:avLst/>
@@ -3421,7 +4019,7 @@
               <a:defRPr/>
             </a:pPr>
             <a:r>
-              <a:rPr lang="zh-CN" altLang="en-US" sz="4000" b="1" spc="300" dirty="0">
+              <a:rPr lang="zh-CN" altLang="en-US" sz="3200" b="1" spc="300" dirty="0">
                 <a:solidFill>
                   <a:schemeClr val="tx1">
                     <a:lumMod val="85000"/>
@@ -3452,8 +4050,8 @@
         </p:nvSpPr>
         <p:spPr>
           <a:xfrm>
-            <a:off x="344977" y="3211748"/>
-            <a:ext cx="8454044" cy="707886"/>
+            <a:off x="343932" y="3149365"/>
+            <a:ext cx="8454044" cy="646331"/>
           </a:xfrm>
           <a:prstGeom prst="rect">
             <a:avLst/>
@@ -3469,7 +4067,7 @@
               <a:defRPr/>
             </a:pPr>
             <a:r>
-              <a:rPr lang="en-US" altLang="zh-CN" sz="2000" dirty="0">
+              <a:rPr lang="en-US" altLang="zh-CN" dirty="0">
                 <a:solidFill>
                   <a:prstClr val="white">
                     <a:lumMod val="50000"/>
@@ -3482,7 +4080,7 @@
               </a:rPr>
               <a:t>RESEARCHES ON AUTOMATIC GENERATION AND COMPRESSION OF CHINESE VECTOR FONTS</a:t>
             </a:r>
-            <a:endParaRPr kumimoji="0" lang="zh-CN" altLang="en-US" sz="2000" b="0" i="0" u="none" strike="noStrike" kern="1200" cap="none" spc="0" normalizeH="0" baseline="0" noProof="0" dirty="0">
+            <a:endParaRPr kumimoji="0" lang="zh-CN" altLang="en-US" b="0" i="0" u="none" strike="noStrike" kern="1200" cap="none" spc="0" normalizeH="0" baseline="0" noProof="0" dirty="0">
               <a:ln>
                 <a:noFill/>
               </a:ln>
@@ -3516,10 +4114,10 @@
         </p:nvGrpSpPr>
         <p:grpSpPr>
           <a:xfrm>
-            <a:off x="1169488" y="5129227"/>
-            <a:ext cx="7303951" cy="369332"/>
-            <a:chOff x="1977444" y="6373313"/>
-            <a:chExt cx="8843749" cy="369332"/>
+            <a:off x="1318585" y="4932321"/>
+            <a:ext cx="6815655" cy="834743"/>
+            <a:chOff x="2157974" y="6298808"/>
+            <a:chExt cx="8252512" cy="315882"/>
           </a:xfrm>
         </p:grpSpPr>
         <p:sp>
@@ -3536,8 +4134,8 @@
           </p:nvSpPr>
           <p:spPr>
             <a:xfrm>
-              <a:off x="1977444" y="6373313"/>
-              <a:ext cx="3036108" cy="369332"/>
+              <a:off x="2157975" y="6298808"/>
+              <a:ext cx="3036108" cy="139762"/>
             </a:xfrm>
             <a:prstGeom prst="rect">
               <a:avLst/>
@@ -3579,8 +4177,8 @@
           </p:nvSpPr>
           <p:spPr>
             <a:xfrm>
-              <a:off x="4577946" y="6373313"/>
-              <a:ext cx="3036108" cy="369332"/>
+              <a:off x="2157974" y="6474928"/>
+              <a:ext cx="3036108" cy="139762"/>
             </a:xfrm>
             <a:prstGeom prst="rect">
               <a:avLst/>
@@ -3593,7 +4191,6 @@
             </a:bodyPr>
             <a:lstStyle/>
             <a:p>
-              <a:pPr algn="ctr"/>
               <a:r>
                 <a:rPr lang="zh-CN" altLang="en-US" dirty="0">
                   <a:solidFill>
@@ -3604,7 +4201,31 @@
                   <a:cs typeface="+mn-ea"/>
                   <a:sym typeface="Arial" panose="020B0604020202020204" pitchFamily="34" charset="0"/>
                 </a:rPr>
-                <a:t>导师：唐英敏</a:t>
+                <a:t>导</a:t>
+              </a:r>
+              <a:r>
+                <a:rPr lang="zh-CN" altLang="en-US" sz="800" dirty="0">
+                  <a:solidFill>
+                    <a:srgbClr val="222A35"/>
+                  </a:solidFill>
+                  <a:latin typeface="Arial" panose="020B0604020202020204" pitchFamily="34" charset="0"/>
+                  <a:ea typeface="Microsoft YaHei" panose="020B0503020204020204" pitchFamily="34" charset="-122"/>
+                  <a:cs typeface="+mn-ea"/>
+                  <a:sym typeface="Arial" panose="020B0604020202020204" pitchFamily="34" charset="0"/>
+                </a:rPr>
+                <a:t> </a:t>
+              </a:r>
+              <a:r>
+                <a:rPr lang="zh-CN" altLang="en-US" dirty="0">
+                  <a:solidFill>
+                    <a:srgbClr val="222A35"/>
+                  </a:solidFill>
+                  <a:latin typeface="Arial" panose="020B0604020202020204" pitchFamily="34" charset="0"/>
+                  <a:ea typeface="Microsoft YaHei" panose="020B0503020204020204" pitchFamily="34" charset="-122"/>
+                  <a:cs typeface="+mn-ea"/>
+                  <a:sym typeface="Arial" panose="020B0604020202020204" pitchFamily="34" charset="0"/>
+                </a:rPr>
+                <a:t>   师：唐英敏</a:t>
               </a:r>
             </a:p>
           </p:txBody>
@@ -3623,8 +4244,8 @@
           </p:nvSpPr>
           <p:spPr>
             <a:xfrm>
-              <a:off x="7614054" y="6373313"/>
-              <a:ext cx="3207139" cy="369332"/>
+              <a:off x="6969584" y="6474928"/>
+              <a:ext cx="3440902" cy="139762"/>
             </a:xfrm>
             <a:prstGeom prst="rect">
               <a:avLst/>
@@ -3637,7 +4258,6 @@
             </a:bodyPr>
             <a:lstStyle/>
             <a:p>
-              <a:pPr algn="r"/>
               <a:r>
                 <a:rPr lang="zh-CN" altLang="en-US" dirty="0">
                   <a:solidFill>
@@ -3648,7 +4268,7 @@
                   <a:cs typeface="+mn-ea"/>
                   <a:sym typeface="Arial" panose="020B0604020202020204" pitchFamily="34" charset="0"/>
                 </a:rPr>
-                <a:t>专业：计算机应用技术</a:t>
+                <a:t>专    业：计算机应用技术</a:t>
               </a:r>
             </a:p>
           </p:txBody>
@@ -3834,6 +4454,196 @@
           </a:p>
         </p:txBody>
       </p:sp>
+      <p:sp>
+        <p:nvSpPr>
+          <p:cNvPr id="12" name="副标题 2">
+            <a:extLst>
+              <a:ext uri="{FF2B5EF4-FFF2-40B4-BE49-F238E27FC236}">
+                <a16:creationId xmlns:a16="http://schemas.microsoft.com/office/drawing/2014/main" id="{46C397C7-64D0-45A3-A1AE-8006B96B3749}"/>
+              </a:ext>
+            </a:extLst>
+          </p:cNvPr>
+          <p:cNvSpPr>
+            <a:spLocks noGrp="1"/>
+          </p:cNvSpPr>
+          <p:nvPr>
+            <p:ph type="subTitle" idx="1"/>
+          </p:nvPr>
+        </p:nvSpPr>
+        <p:spPr>
+          <a:xfrm>
+            <a:off x="1580104" y="6375044"/>
+            <a:ext cx="5981700" cy="360071"/>
+          </a:xfrm>
+        </p:spPr>
+        <p:txBody>
+          <a:bodyPr>
+            <a:normAutofit/>
+          </a:bodyPr>
+          <a:lstStyle>
+            <a:lvl1pPr marL="0" indent="0" algn="ctr">
+              <a:buNone/>
+              <a:defRPr lang="zh-CN" altLang="en-US" sz="1800" kern="1200" dirty="0">
+                <a:solidFill>
+                  <a:prstClr val="black">
+                    <a:lumMod val="75000"/>
+                    <a:lumOff val="25000"/>
+                  </a:prstClr>
+                </a:solidFill>
+                <a:latin typeface="Arial" panose="020F0502020204030204"/>
+                <a:ea typeface="Microsoft YaHei"/>
+                <a:cs typeface="+mn-ea"/>
+              </a:defRPr>
+            </a:lvl1pPr>
+            <a:lvl2pPr marL="457200" indent="0" algn="ctr">
+              <a:buNone/>
+              <a:defRPr sz="2000"/>
+            </a:lvl2pPr>
+            <a:lvl3pPr marL="914400" indent="0" algn="ctr">
+              <a:buNone/>
+              <a:defRPr sz="1800"/>
+            </a:lvl3pPr>
+            <a:lvl4pPr marL="1371600" indent="0" algn="ctr">
+              <a:buNone/>
+              <a:defRPr sz="1600"/>
+            </a:lvl4pPr>
+            <a:lvl5pPr marL="1828800" indent="0" algn="ctr">
+              <a:buNone/>
+              <a:defRPr sz="1600"/>
+            </a:lvl5pPr>
+            <a:lvl6pPr marL="2286000" indent="0" algn="ctr">
+              <a:buNone/>
+              <a:defRPr sz="1600"/>
+            </a:lvl6pPr>
+            <a:lvl7pPr marL="2743200" indent="0" algn="ctr">
+              <a:buNone/>
+              <a:defRPr sz="1600"/>
+            </a:lvl7pPr>
+            <a:lvl8pPr marL="3200400" indent="0" algn="ctr">
+              <a:buNone/>
+              <a:defRPr sz="1600"/>
+            </a:lvl8pPr>
+            <a:lvl9pPr marL="3657600" indent="0" algn="ctr">
+              <a:buNone/>
+              <a:defRPr sz="1600"/>
+            </a:lvl9pPr>
+          </a:lstStyle>
+          <a:p>
+            <a:r>
+              <a:rPr lang="en-US" altLang="zh-CN" dirty="0">
+                <a:latin typeface="Arial" panose="020B0604020202020204" pitchFamily="34" charset="0"/>
+                <a:ea typeface="微软雅黑" panose="020B0503020204020204" pitchFamily="34" charset="-122"/>
+                <a:cs typeface="Arial" panose="020B0604020202020204" pitchFamily="34" charset="0"/>
+              </a:rPr>
+              <a:t>2020</a:t>
+            </a:r>
+            <a:r>
+              <a:rPr lang="zh-CN" altLang="en-US" dirty="0">
+                <a:latin typeface="Arial" panose="020B0604020202020204" pitchFamily="34" charset="0"/>
+                <a:ea typeface="微软雅黑" panose="020B0503020204020204" pitchFamily="34" charset="-122"/>
+                <a:cs typeface="Arial" panose="020B0604020202020204" pitchFamily="34" charset="0"/>
+              </a:rPr>
+              <a:t>年</a:t>
+            </a:r>
+            <a:r>
+              <a:rPr lang="en-US" altLang="zh-CN" dirty="0">
+                <a:latin typeface="Arial" panose="020B0604020202020204" pitchFamily="34" charset="0"/>
+                <a:ea typeface="微软雅黑" panose="020B0503020204020204" pitchFamily="34" charset="-122"/>
+                <a:cs typeface="Arial" panose="020B0604020202020204" pitchFamily="34" charset="0"/>
+              </a:rPr>
+              <a:t>5</a:t>
+            </a:r>
+            <a:r>
+              <a:rPr lang="zh-CN" altLang="en-US" dirty="0">
+                <a:latin typeface="Arial" panose="020B0604020202020204" pitchFamily="34" charset="0"/>
+                <a:ea typeface="微软雅黑" panose="020B0503020204020204" pitchFamily="34" charset="-122"/>
+                <a:cs typeface="Arial" panose="020B0604020202020204" pitchFamily="34" charset="0"/>
+              </a:rPr>
+              <a:t>月</a:t>
+            </a:r>
+            <a:r>
+              <a:rPr lang="en-US" altLang="zh-CN" dirty="0">
+                <a:latin typeface="Arial" panose="020B0604020202020204" pitchFamily="34" charset="0"/>
+                <a:ea typeface="微软雅黑" panose="020B0503020204020204" pitchFamily="34" charset="-122"/>
+                <a:cs typeface="Arial" panose="020B0604020202020204" pitchFamily="34" charset="0"/>
+              </a:rPr>
+              <a:t>28</a:t>
+            </a:r>
+            <a:r>
+              <a:rPr lang="zh-CN" altLang="en-US" dirty="0">
+                <a:latin typeface="Arial" panose="020B0604020202020204" pitchFamily="34" charset="0"/>
+                <a:ea typeface="微软雅黑" panose="020B0503020204020204" pitchFamily="34" charset="-122"/>
+                <a:cs typeface="Arial" panose="020B0604020202020204" pitchFamily="34" charset="0"/>
+              </a:rPr>
+              <a:t>日</a:t>
+            </a:r>
+          </a:p>
+        </p:txBody>
+      </p:sp>
+      <p:sp>
+        <p:nvSpPr>
+          <p:cNvPr id="13" name="文本框 12">
+            <a:extLst>
+              <a:ext uri="{FF2B5EF4-FFF2-40B4-BE49-F238E27FC236}">
+                <a16:creationId xmlns:a16="http://schemas.microsoft.com/office/drawing/2014/main" id="{BC0E1976-49DE-40D7-A4F2-6A3A1C62BF1F}"/>
+              </a:ext>
+            </a:extLst>
+          </p:cNvPr>
+          <p:cNvSpPr txBox="1"/>
+          <p:nvPr/>
+        </p:nvSpPr>
+        <p:spPr>
+          <a:xfrm>
+            <a:off x="5292439" y="4932321"/>
+            <a:ext cx="2648739" cy="369333"/>
+          </a:xfrm>
+          <a:prstGeom prst="rect">
+            <a:avLst/>
+          </a:prstGeom>
+          <a:noFill/>
+        </p:spPr>
+        <p:txBody>
+          <a:bodyPr wrap="square" rtlCol="0">
+            <a:spAutoFit/>
+          </a:bodyPr>
+          <a:lstStyle/>
+          <a:p>
+            <a:r>
+              <a:rPr lang="zh-CN" altLang="en-US" dirty="0">
+                <a:solidFill>
+                  <a:srgbClr val="222A35"/>
+                </a:solidFill>
+                <a:latin typeface="Arial" panose="020B0604020202020204" pitchFamily="34" charset="0"/>
+                <a:ea typeface="Microsoft YaHei" panose="020B0503020204020204" pitchFamily="34" charset="-122"/>
+                <a:cs typeface="+mn-ea"/>
+                <a:sym typeface="Arial" panose="020B0604020202020204" pitchFamily="34" charset="0"/>
+              </a:rPr>
+              <a:t>学    号：</a:t>
+            </a:r>
+            <a:r>
+              <a:rPr lang="en-US" altLang="zh-CN" dirty="0">
+                <a:solidFill>
+                  <a:srgbClr val="222A35"/>
+                </a:solidFill>
+                <a:latin typeface="Arial" panose="020B0604020202020204" pitchFamily="34" charset="0"/>
+                <a:ea typeface="Microsoft YaHei" panose="020B0503020204020204" pitchFamily="34" charset="-122"/>
+                <a:cs typeface="+mn-ea"/>
+                <a:sym typeface="Arial" panose="020B0604020202020204" pitchFamily="34" charset="0"/>
+              </a:rPr>
+              <a:t>1701214047</a:t>
+            </a:r>
+            <a:endParaRPr lang="zh-CN" altLang="en-US" dirty="0">
+              <a:solidFill>
+                <a:srgbClr val="222A35"/>
+              </a:solidFill>
+              <a:latin typeface="Arial" panose="020B0604020202020204" pitchFamily="34" charset="0"/>
+              <a:ea typeface="Microsoft YaHei" panose="020B0503020204020204" pitchFamily="34" charset="-122"/>
+              <a:cs typeface="+mn-ea"/>
+              <a:sym typeface="Arial" panose="020B0604020202020204" pitchFamily="34" charset="0"/>
+            </a:endParaRPr>
+          </a:p>
+        </p:txBody>
+      </p:sp>
     </p:spTree>
     <p:extLst>
       <p:ext uri="{BB962C8B-B14F-4D97-AF65-F5344CB8AC3E}">
@@ -3847,10 +4657,4841 @@
 </p:sld>
 </file>
 
+<file path=ppt/slides/slide2.xml><?xml version="1.0" encoding="utf-8"?>
+<p:sld xmlns:a="http://schemas.openxmlformats.org/drawingml/2006/main" xmlns:r="http://schemas.openxmlformats.org/officeDocument/2006/relationships" xmlns:p="http://schemas.openxmlformats.org/presentationml/2006/main">
+  <p:cSld>
+    <p:spTree>
+      <p:nvGrpSpPr>
+        <p:cNvPr id="1" name=""/>
+        <p:cNvGrpSpPr/>
+        <p:nvPr/>
+      </p:nvGrpSpPr>
+      <p:grpSpPr>
+        <a:xfrm>
+          <a:off x="0" y="0"/>
+          <a:ext cx="0" cy="0"/>
+          <a:chOff x="0" y="0"/>
+          <a:chExt cx="0" cy="0"/>
+        </a:xfrm>
+      </p:grpSpPr>
+      <p:sp>
+        <p:nvSpPr>
+          <p:cNvPr id="102" name="矩形 101">
+            <a:extLst>
+              <a:ext uri="{FF2B5EF4-FFF2-40B4-BE49-F238E27FC236}">
+                <a16:creationId xmlns:a16="http://schemas.microsoft.com/office/drawing/2014/main" id="{3AF0425D-A102-44CA-8027-8D15412E2259}"/>
+              </a:ext>
+            </a:extLst>
+          </p:cNvPr>
+          <p:cNvSpPr/>
+          <p:nvPr/>
+        </p:nvSpPr>
+        <p:spPr>
+          <a:xfrm>
+            <a:off x="0" y="0"/>
+            <a:ext cx="4572000" cy="6858000"/>
+          </a:xfrm>
+          <a:prstGeom prst="rect">
+            <a:avLst/>
+          </a:prstGeom>
+          <a:solidFill>
+            <a:srgbClr val="9A0001"/>
+          </a:solidFill>
+          <a:ln w="0">
+            <a:noFill/>
+          </a:ln>
+        </p:spPr>
+        <p:style>
+          <a:lnRef idx="2">
+            <a:schemeClr val="accent1">
+              <a:shade val="50000"/>
+            </a:schemeClr>
+          </a:lnRef>
+          <a:fillRef idx="1">
+            <a:schemeClr val="accent1"/>
+          </a:fillRef>
+          <a:effectRef idx="0">
+            <a:schemeClr val="accent1"/>
+          </a:effectRef>
+          <a:fontRef idx="minor">
+            <a:schemeClr val="lt1"/>
+          </a:fontRef>
+        </p:style>
+        <p:txBody>
+          <a:bodyPr rot="0" spcFirstLastPara="0" vertOverflow="overflow" horzOverflow="overflow" vert="horz" wrap="square" lIns="91440" tIns="45720" rIns="91440" bIns="45720" numCol="1" spcCol="0" rtlCol="0" fromWordArt="0" anchor="ctr" anchorCtr="0" forceAA="0" compatLnSpc="1">
+            <a:prstTxWarp prst="textNoShape">
+              <a:avLst/>
+            </a:prstTxWarp>
+            <a:noAutofit/>
+          </a:bodyPr>
+          <a:lstStyle/>
+          <a:p>
+            <a:pPr marL="0" marR="0" lvl="0" indent="0" algn="ctr" defTabSz="914400" rtl="0" eaLnBrk="1" fontAlgn="auto" latinLnBrk="0" hangingPunct="1">
+              <a:lnSpc>
+                <a:spcPct val="100000"/>
+              </a:lnSpc>
+              <a:spcBef>
+                <a:spcPts val="0"/>
+              </a:spcBef>
+              <a:spcAft>
+                <a:spcPts val="0"/>
+              </a:spcAft>
+              <a:buClrTx/>
+              <a:buSzTx/>
+              <a:buFontTx/>
+              <a:buNone/>
+              <a:tabLst/>
+              <a:defRPr/>
+            </a:pPr>
+            <a:endParaRPr kumimoji="0" lang="zh-CN" altLang="en-US" sz="1800" b="0" i="0" u="none" strike="noStrike" kern="1200" cap="none" spc="0" normalizeH="0" baseline="0" noProof="0">
+              <a:ln>
+                <a:noFill/>
+              </a:ln>
+              <a:solidFill>
+                <a:prstClr val="white"/>
+              </a:solidFill>
+              <a:effectLst/>
+              <a:uLnTx/>
+              <a:uFillTx/>
+              <a:latin typeface="Arial" panose="020F0502020204030204"/>
+              <a:ea typeface="Microsoft YaHei"/>
+              <a:cs typeface="+mn-ea"/>
+              <a:sym typeface="+mn-lt"/>
+            </a:endParaRPr>
+          </a:p>
+        </p:txBody>
+      </p:sp>
+      <p:pic>
+        <p:nvPicPr>
+          <p:cNvPr id="8" name="图形 7">
+            <a:extLst>
+              <a:ext uri="{FF2B5EF4-FFF2-40B4-BE49-F238E27FC236}">
+                <a16:creationId xmlns:a16="http://schemas.microsoft.com/office/drawing/2014/main" id="{AEDF9049-9AA2-4306-8243-536F2BC83C6E}"/>
+              </a:ext>
+            </a:extLst>
+          </p:cNvPr>
+          <p:cNvPicPr>
+            <a:picLocks noChangeAspect="1"/>
+          </p:cNvPicPr>
+          <p:nvPr/>
+        </p:nvPicPr>
+        <p:blipFill>
+          <a:blip r:embed="rId2">
+            <a:extLst>
+              <a:ext uri="{96DAC541-7B7A-43D3-8B79-37D633B846F1}">
+                <asvg:svgBlip xmlns:asvg="http://schemas.microsoft.com/office/drawing/2016/SVG/main" r:embed="rId3"/>
+              </a:ext>
+            </a:extLst>
+          </a:blip>
+          <a:stretch>
+            <a:fillRect/>
+          </a:stretch>
+        </p:blipFill>
+        <p:spPr>
+          <a:xfrm>
+            <a:off x="-1296455" y="4364016"/>
+            <a:ext cx="6665290" cy="4818286"/>
+          </a:xfrm>
+          <a:prstGeom prst="rect">
+            <a:avLst/>
+          </a:prstGeom>
+        </p:spPr>
+      </p:pic>
+      <p:sp>
+        <p:nvSpPr>
+          <p:cNvPr id="34" name="矩形 33">
+            <a:extLst>
+              <a:ext uri="{FF2B5EF4-FFF2-40B4-BE49-F238E27FC236}">
+                <a16:creationId xmlns:a16="http://schemas.microsoft.com/office/drawing/2014/main" id="{50D9F8FA-A0D1-4F02-BB2F-B71AE8F6EC88}"/>
+              </a:ext>
+            </a:extLst>
+          </p:cNvPr>
+          <p:cNvSpPr/>
+          <p:nvPr/>
+        </p:nvSpPr>
+        <p:spPr>
+          <a:xfrm>
+            <a:off x="589281" y="476251"/>
+            <a:ext cx="8034019" cy="5905500"/>
+          </a:xfrm>
+          <a:prstGeom prst="rect">
+            <a:avLst/>
+          </a:prstGeom>
+          <a:solidFill>
+            <a:schemeClr val="bg1"/>
+          </a:solidFill>
+          <a:ln>
+            <a:noFill/>
+          </a:ln>
+          <a:effectLst>
+            <a:glow rad="101600">
+              <a:schemeClr val="tx1">
+                <a:alpha val="10000"/>
+              </a:schemeClr>
+            </a:glow>
+          </a:effectLst>
+        </p:spPr>
+        <p:style>
+          <a:lnRef idx="2">
+            <a:schemeClr val="accent1">
+              <a:shade val="50000"/>
+            </a:schemeClr>
+          </a:lnRef>
+          <a:fillRef idx="1">
+            <a:schemeClr val="accent1"/>
+          </a:fillRef>
+          <a:effectRef idx="0">
+            <a:schemeClr val="accent1"/>
+          </a:effectRef>
+          <a:fontRef idx="minor">
+            <a:schemeClr val="lt1"/>
+          </a:fontRef>
+        </p:style>
+        <p:txBody>
+          <a:bodyPr rtlCol="0" anchor="ctr"/>
+          <a:lstStyle/>
+          <a:p>
+            <a:pPr marL="0" marR="0" lvl="0" indent="0" algn="ctr" defTabSz="914400" rtl="0" eaLnBrk="1" fontAlgn="auto" latinLnBrk="0" hangingPunct="1">
+              <a:lnSpc>
+                <a:spcPct val="100000"/>
+              </a:lnSpc>
+              <a:spcBef>
+                <a:spcPts val="0"/>
+              </a:spcBef>
+              <a:spcAft>
+                <a:spcPts val="0"/>
+              </a:spcAft>
+              <a:buClrTx/>
+              <a:buSzTx/>
+              <a:buFontTx/>
+              <a:buNone/>
+              <a:tabLst/>
+              <a:defRPr/>
+            </a:pPr>
+            <a:endParaRPr kumimoji="0" lang="zh-CN" altLang="en-US" sz="1800" b="0" i="0" u="none" strike="noStrike" kern="1200" cap="none" spc="0" normalizeH="0" baseline="0" noProof="0">
+              <a:ln>
+                <a:noFill/>
+              </a:ln>
+              <a:solidFill>
+                <a:prstClr val="white"/>
+              </a:solidFill>
+              <a:effectLst/>
+              <a:uLnTx/>
+              <a:uFillTx/>
+              <a:latin typeface="Arial" panose="020F0502020204030204"/>
+              <a:ea typeface="Microsoft YaHei"/>
+              <a:cs typeface="+mn-ea"/>
+              <a:sym typeface="+mn-lt"/>
+            </a:endParaRPr>
+          </a:p>
+        </p:txBody>
+      </p:sp>
+      <p:pic>
+        <p:nvPicPr>
+          <p:cNvPr id="87" name="图片 86">
+            <a:extLst>
+              <a:ext uri="{FF2B5EF4-FFF2-40B4-BE49-F238E27FC236}">
+                <a16:creationId xmlns:a16="http://schemas.microsoft.com/office/drawing/2014/main" id="{2B575640-9E9C-477C-8F54-3FB6AD9081EA}"/>
+              </a:ext>
+            </a:extLst>
+          </p:cNvPr>
+          <p:cNvPicPr>
+            <a:picLocks noChangeAspect="1"/>
+          </p:cNvPicPr>
+          <p:nvPr/>
+        </p:nvPicPr>
+        <p:blipFill>
+          <a:blip r:embed="rId4"/>
+          <a:stretch>
+            <a:fillRect/>
+          </a:stretch>
+        </p:blipFill>
+        <p:spPr>
+          <a:xfrm>
+            <a:off x="1877017" y="3409284"/>
+            <a:ext cx="1217175" cy="1217175"/>
+          </a:xfrm>
+          <a:prstGeom prst="rect">
+            <a:avLst/>
+          </a:prstGeom>
+        </p:spPr>
+      </p:pic>
+      <p:grpSp>
+        <p:nvGrpSpPr>
+          <p:cNvPr id="88" name="组合 87">
+            <a:extLst>
+              <a:ext uri="{FF2B5EF4-FFF2-40B4-BE49-F238E27FC236}">
+                <a16:creationId xmlns:a16="http://schemas.microsoft.com/office/drawing/2014/main" id="{38C705FA-5F70-4861-BC11-37A3E24DC2DC}"/>
+              </a:ext>
+            </a:extLst>
+          </p:cNvPr>
+          <p:cNvGrpSpPr/>
+          <p:nvPr/>
+        </p:nvGrpSpPr>
+        <p:grpSpPr>
+          <a:xfrm>
+            <a:off x="1401563" y="1844702"/>
+            <a:ext cx="2168084" cy="1500655"/>
+            <a:chOff x="2522752" y="1044091"/>
+            <a:chExt cx="2168084" cy="1500655"/>
+          </a:xfrm>
+        </p:grpSpPr>
+        <p:sp>
+          <p:nvSpPr>
+            <p:cNvPr id="89" name="标题 1">
+              <a:extLst>
+                <a:ext uri="{FF2B5EF4-FFF2-40B4-BE49-F238E27FC236}">
+                  <a16:creationId xmlns:a16="http://schemas.microsoft.com/office/drawing/2014/main" id="{454BAB14-7F09-4F27-9779-FCAD3DC5A3B9}"/>
+                </a:ext>
+              </a:extLst>
+            </p:cNvPr>
+            <p:cNvSpPr txBox="1">
+              <a:spLocks/>
+            </p:cNvSpPr>
+            <p:nvPr/>
+          </p:nvSpPr>
+          <p:spPr>
+            <a:xfrm>
+              <a:off x="2525557" y="1044091"/>
+              <a:ext cx="2165279" cy="1500655"/>
+            </a:xfrm>
+            <a:prstGeom prst="rect">
+              <a:avLst/>
+            </a:prstGeom>
+          </p:spPr>
+          <p:txBody>
+            <a:bodyPr anchor="ctr">
+              <a:normAutofit/>
+            </a:bodyPr>
+            <a:lstStyle>
+              <a:lvl1pPr algn="l" defTabSz="914400" rtl="0" eaLnBrk="1" latinLnBrk="0" hangingPunct="1">
+                <a:lnSpc>
+                  <a:spcPct val="90000"/>
+                </a:lnSpc>
+                <a:spcBef>
+                  <a:spcPct val="0"/>
+                </a:spcBef>
+                <a:buNone/>
+                <a:defRPr sz="2800" b="1" kern="1200">
+                  <a:solidFill>
+                    <a:srgbClr val="0070C0"/>
+                  </a:solidFill>
+                  <a:latin typeface="+mj-lt"/>
+                  <a:ea typeface="微软雅黑" panose="020B0503020204020204" pitchFamily="34" charset="-122"/>
+                  <a:cs typeface="+mj-cs"/>
+                </a:defRPr>
+              </a:lvl1pPr>
+            </a:lstStyle>
+            <a:p>
+              <a:pPr marL="0" marR="0" lvl="0" indent="0" algn="ctr" defTabSz="914400" rtl="0" eaLnBrk="1" fontAlgn="auto" latinLnBrk="0" hangingPunct="1">
+                <a:lnSpc>
+                  <a:spcPct val="90000"/>
+                </a:lnSpc>
+                <a:spcBef>
+                  <a:spcPct val="0"/>
+                </a:spcBef>
+                <a:spcAft>
+                  <a:spcPts val="0"/>
+                </a:spcAft>
+                <a:buClrTx/>
+                <a:buSzTx/>
+                <a:buFontTx/>
+                <a:buNone/>
+                <a:tabLst/>
+                <a:defRPr/>
+              </a:pPr>
+              <a:r>
+                <a:rPr kumimoji="0" lang="zh-CN" altLang="en-US" sz="3200" b="1" i="0" u="none" strike="noStrike" kern="2200" cap="none" spc="0" normalizeH="0" baseline="0" noProof="0" dirty="0">
+                  <a:ln>
+                    <a:noFill/>
+                  </a:ln>
+                  <a:solidFill>
+                    <a:srgbClr val="AE3334"/>
+                  </a:solidFill>
+                  <a:effectLst/>
+                  <a:uLnTx/>
+                  <a:uFillTx/>
+                  <a:latin typeface="Arial" panose="020F0502020204030204"/>
+                  <a:ea typeface="Microsoft YaHei"/>
+                  <a:cs typeface="+mn-ea"/>
+                  <a:sym typeface="+mn-lt"/>
+                </a:rPr>
+                <a:t>目  录</a:t>
+              </a:r>
+              <a:endParaRPr kumimoji="0" lang="en-US" altLang="zh-CN" sz="3200" b="1" i="0" u="none" strike="noStrike" kern="2200" cap="none" spc="0" normalizeH="0" baseline="0" noProof="0" dirty="0">
+                <a:ln>
+                  <a:noFill/>
+                </a:ln>
+                <a:solidFill>
+                  <a:srgbClr val="AE3334"/>
+                </a:solidFill>
+                <a:effectLst/>
+                <a:uLnTx/>
+                <a:uFillTx/>
+                <a:latin typeface="Arial" panose="020F0502020204030204"/>
+                <a:ea typeface="Microsoft YaHei"/>
+                <a:cs typeface="+mn-ea"/>
+                <a:sym typeface="+mn-lt"/>
+              </a:endParaRPr>
+            </a:p>
+          </p:txBody>
+        </p:sp>
+        <p:sp>
+          <p:nvSpPr>
+            <p:cNvPr id="90" name="文本框 89">
+              <a:extLst>
+                <a:ext uri="{FF2B5EF4-FFF2-40B4-BE49-F238E27FC236}">
+                  <a16:creationId xmlns:a16="http://schemas.microsoft.com/office/drawing/2014/main" id="{694A2D02-B22F-447E-A6C5-0B04F20CAEAC}"/>
+                </a:ext>
+              </a:extLst>
+            </p:cNvPr>
+            <p:cNvSpPr txBox="1"/>
+            <p:nvPr/>
+          </p:nvSpPr>
+          <p:spPr>
+            <a:xfrm>
+              <a:off x="2522752" y="2033955"/>
+              <a:ext cx="2168084" cy="338554"/>
+            </a:xfrm>
+            <a:prstGeom prst="rect">
+              <a:avLst/>
+            </a:prstGeom>
+            <a:noFill/>
+          </p:spPr>
+          <p:txBody>
+            <a:bodyPr wrap="square" rtlCol="0">
+              <a:spAutoFit/>
+            </a:bodyPr>
+            <a:lstStyle/>
+            <a:p>
+              <a:pPr marL="0" marR="0" lvl="0" indent="0" algn="ctr" defTabSz="914400" rtl="0" eaLnBrk="1" fontAlgn="auto" latinLnBrk="0" hangingPunct="1">
+                <a:lnSpc>
+                  <a:spcPct val="100000"/>
+                </a:lnSpc>
+                <a:spcBef>
+                  <a:spcPts val="0"/>
+                </a:spcBef>
+                <a:spcAft>
+                  <a:spcPts val="0"/>
+                </a:spcAft>
+                <a:buClrTx/>
+                <a:buSzTx/>
+                <a:buFontTx/>
+                <a:buNone/>
+                <a:tabLst/>
+                <a:defRPr/>
+              </a:pPr>
+              <a:r>
+                <a:rPr kumimoji="0" lang="en-US" altLang="zh-CN" sz="1600" b="0" i="0" u="none" strike="noStrike" kern="2200" cap="none" spc="-20" normalizeH="0" baseline="0" noProof="0" dirty="0">
+                  <a:ln>
+                    <a:noFill/>
+                  </a:ln>
+                  <a:solidFill>
+                    <a:srgbClr val="AE3334"/>
+                  </a:solidFill>
+                  <a:effectLst/>
+                  <a:uLnTx/>
+                  <a:uFillTx/>
+                  <a:latin typeface="Arial" panose="020F0502020204030204"/>
+                  <a:ea typeface="Microsoft YaHei"/>
+                  <a:cs typeface="+mn-ea"/>
+                  <a:sym typeface="+mn-lt"/>
+                </a:rPr>
+                <a:t>CONTENTS</a:t>
+              </a:r>
+              <a:endParaRPr kumimoji="0" lang="zh-CN" altLang="en-US" sz="1600" b="0" i="0" u="none" strike="noStrike" kern="2200" cap="none" spc="-20" normalizeH="0" baseline="0" noProof="0" dirty="0">
+                <a:ln>
+                  <a:noFill/>
+                </a:ln>
+                <a:solidFill>
+                  <a:srgbClr val="AE3334"/>
+                </a:solidFill>
+                <a:effectLst/>
+                <a:uLnTx/>
+                <a:uFillTx/>
+                <a:latin typeface="Arial" panose="020F0502020204030204"/>
+                <a:ea typeface="Microsoft YaHei"/>
+                <a:cs typeface="+mn-ea"/>
+                <a:sym typeface="+mn-lt"/>
+              </a:endParaRPr>
+            </a:p>
+          </p:txBody>
+        </p:sp>
+      </p:grpSp>
+      <p:grpSp>
+        <p:nvGrpSpPr>
+          <p:cNvPr id="101" name="组合 100">
+            <a:extLst>
+              <a:ext uri="{FF2B5EF4-FFF2-40B4-BE49-F238E27FC236}">
+                <a16:creationId xmlns:a16="http://schemas.microsoft.com/office/drawing/2014/main" id="{613C189F-C8C8-4C5F-ACF7-D3623DDBEC2C}"/>
+              </a:ext>
+            </a:extLst>
+          </p:cNvPr>
+          <p:cNvGrpSpPr/>
+          <p:nvPr/>
+        </p:nvGrpSpPr>
+        <p:grpSpPr>
+          <a:xfrm>
+            <a:off x="4643905" y="1600719"/>
+            <a:ext cx="3910814" cy="3641132"/>
+            <a:chOff x="4569157" y="1759599"/>
+            <a:chExt cx="3910814" cy="3641132"/>
+          </a:xfrm>
+        </p:grpSpPr>
+        <p:sp>
+          <p:nvSpPr>
+            <p:cNvPr id="91" name="文本占位符 40">
+              <a:extLst>
+                <a:ext uri="{FF2B5EF4-FFF2-40B4-BE49-F238E27FC236}">
+                  <a16:creationId xmlns:a16="http://schemas.microsoft.com/office/drawing/2014/main" id="{1D6CC2E8-D607-4CF8-9543-B6AEC65495E4}"/>
+                </a:ext>
+              </a:extLst>
+            </p:cNvPr>
+            <p:cNvSpPr txBox="1">
+              <a:spLocks/>
+            </p:cNvSpPr>
+            <p:nvPr/>
+          </p:nvSpPr>
+          <p:spPr>
+            <a:xfrm>
+              <a:off x="5408356" y="1836722"/>
+              <a:ext cx="3071615" cy="487680"/>
+            </a:xfrm>
+            <a:prstGeom prst="rect">
+              <a:avLst/>
+            </a:prstGeom>
+          </p:spPr>
+          <p:txBody>
+            <a:bodyPr vert="horz" lIns="91440" tIns="45720" rIns="91440" bIns="45720" rtlCol="0" anchor="ctr">
+              <a:normAutofit/>
+            </a:bodyPr>
+            <a:lstStyle>
+              <a:defPPr>
+                <a:defRPr lang="zh-CN"/>
+              </a:defPPr>
+              <a:lvl1pPr marL="0" indent="0" algn="l" defTabSz="914400" rtl="0" eaLnBrk="1" latinLnBrk="0" hangingPunct="1">
+                <a:buNone/>
+                <a:defRPr lang="zh-CN" altLang="en-US" sz="2800" kern="1200" dirty="0" smtClean="0">
+                  <a:solidFill>
+                    <a:srgbClr val="000000">
+                      <a:lumMod val="85000"/>
+                      <a:lumOff val="15000"/>
+                    </a:srgbClr>
+                  </a:solidFill>
+                  <a:latin typeface="微软雅黑"/>
+                  <a:ea typeface="+mn-ea"/>
+                  <a:cs typeface="+mn-cs"/>
+                </a:defRPr>
+              </a:lvl1pPr>
+              <a:lvl2pPr marL="457200" indent="0" algn="l" defTabSz="914400" rtl="0" eaLnBrk="1" latinLnBrk="0" hangingPunct="1">
+                <a:buNone/>
+                <a:defRPr sz="1800" kern="1200">
+                  <a:solidFill>
+                    <a:schemeClr val="tx1"/>
+                  </a:solidFill>
+                  <a:latin typeface="+mn-lt"/>
+                  <a:ea typeface="+mn-ea"/>
+                  <a:cs typeface="+mn-cs"/>
+                </a:defRPr>
+              </a:lvl2pPr>
+              <a:lvl3pPr marL="914400" algn="l" defTabSz="914400" rtl="0" eaLnBrk="1" latinLnBrk="0" hangingPunct="1">
+                <a:defRPr sz="1800" kern="1200">
+                  <a:solidFill>
+                    <a:schemeClr val="tx1"/>
+                  </a:solidFill>
+                  <a:latin typeface="+mn-lt"/>
+                  <a:ea typeface="+mn-ea"/>
+                  <a:cs typeface="+mn-cs"/>
+                </a:defRPr>
+              </a:lvl3pPr>
+              <a:lvl4pPr marL="1371600" algn="l" defTabSz="914400" rtl="0" eaLnBrk="1" latinLnBrk="0" hangingPunct="1">
+                <a:defRPr sz="1800" kern="1200">
+                  <a:solidFill>
+                    <a:schemeClr val="tx1"/>
+                  </a:solidFill>
+                  <a:latin typeface="+mn-lt"/>
+                  <a:ea typeface="+mn-ea"/>
+                  <a:cs typeface="+mn-cs"/>
+                </a:defRPr>
+              </a:lvl4pPr>
+              <a:lvl5pPr marL="1828800" algn="l" defTabSz="914400" rtl="0" eaLnBrk="1" latinLnBrk="0" hangingPunct="1">
+                <a:defRPr sz="1800" kern="1200">
+                  <a:solidFill>
+                    <a:schemeClr val="tx1"/>
+                  </a:solidFill>
+                  <a:latin typeface="+mn-lt"/>
+                  <a:ea typeface="+mn-ea"/>
+                  <a:cs typeface="+mn-cs"/>
+                </a:defRPr>
+              </a:lvl5pPr>
+              <a:lvl6pPr marL="2286000" algn="l" defTabSz="914400" rtl="0" eaLnBrk="1" latinLnBrk="0" hangingPunct="1">
+                <a:defRPr sz="1800" kern="1200">
+                  <a:solidFill>
+                    <a:schemeClr val="tx1"/>
+                  </a:solidFill>
+                  <a:latin typeface="+mn-lt"/>
+                  <a:ea typeface="+mn-ea"/>
+                  <a:cs typeface="+mn-cs"/>
+                </a:defRPr>
+              </a:lvl6pPr>
+              <a:lvl7pPr marL="2743200" algn="l" defTabSz="914400" rtl="0" eaLnBrk="1" latinLnBrk="0" hangingPunct="1">
+                <a:defRPr sz="1800" kern="1200">
+                  <a:solidFill>
+                    <a:schemeClr val="tx1"/>
+                  </a:solidFill>
+                  <a:latin typeface="+mn-lt"/>
+                  <a:ea typeface="+mn-ea"/>
+                  <a:cs typeface="+mn-cs"/>
+                </a:defRPr>
+              </a:lvl7pPr>
+              <a:lvl8pPr marL="3200400" algn="l" defTabSz="914400" rtl="0" eaLnBrk="1" latinLnBrk="0" hangingPunct="1">
+                <a:defRPr sz="1800" kern="1200">
+                  <a:solidFill>
+                    <a:schemeClr val="tx1"/>
+                  </a:solidFill>
+                  <a:latin typeface="+mn-lt"/>
+                  <a:ea typeface="+mn-ea"/>
+                  <a:cs typeface="+mn-cs"/>
+                </a:defRPr>
+              </a:lvl8pPr>
+              <a:lvl9pPr marL="3657600" algn="l" defTabSz="914400" rtl="0" eaLnBrk="1" latinLnBrk="0" hangingPunct="1">
+                <a:defRPr sz="1800" kern="1200">
+                  <a:solidFill>
+                    <a:schemeClr val="tx1"/>
+                  </a:solidFill>
+                  <a:latin typeface="+mn-lt"/>
+                  <a:ea typeface="+mn-ea"/>
+                  <a:cs typeface="+mn-cs"/>
+                </a:defRPr>
+              </a:lvl9pPr>
+            </a:lstStyle>
+            <a:p>
+              <a:r>
+                <a:rPr lang="zh-CN" altLang="en-US" sz="2400" dirty="0">
+                  <a:latin typeface="微软雅黑" panose="020B0503020204020204" pitchFamily="34" charset="-122"/>
+                  <a:ea typeface="微软雅黑" panose="020B0503020204020204" pitchFamily="34" charset="-122"/>
+                </a:rPr>
+                <a:t>绪论</a:t>
+              </a:r>
+            </a:p>
+          </p:txBody>
+        </p:sp>
+        <p:sp>
+          <p:nvSpPr>
+            <p:cNvPr id="92" name="文本占位符 40">
+              <a:extLst>
+                <a:ext uri="{FF2B5EF4-FFF2-40B4-BE49-F238E27FC236}">
+                  <a16:creationId xmlns:a16="http://schemas.microsoft.com/office/drawing/2014/main" id="{5714DCD3-350B-4CDE-A5B2-02C410196272}"/>
+                </a:ext>
+              </a:extLst>
+            </p:cNvPr>
+            <p:cNvSpPr txBox="1">
+              <a:spLocks/>
+            </p:cNvSpPr>
+            <p:nvPr/>
+          </p:nvSpPr>
+          <p:spPr>
+            <a:xfrm>
+              <a:off x="5408356" y="2586754"/>
+              <a:ext cx="3071615" cy="487680"/>
+            </a:xfrm>
+            <a:prstGeom prst="rect">
+              <a:avLst/>
+            </a:prstGeom>
+          </p:spPr>
+          <p:txBody>
+            <a:bodyPr vert="horz" lIns="91440" tIns="45720" rIns="91440" bIns="45720" rtlCol="0" anchor="ctr">
+              <a:normAutofit/>
+            </a:bodyPr>
+            <a:lstStyle>
+              <a:defPPr>
+                <a:defRPr lang="zh-CN"/>
+              </a:defPPr>
+              <a:lvl1pPr marL="0" indent="0" algn="l" defTabSz="914400" rtl="0" eaLnBrk="1" latinLnBrk="0" hangingPunct="1">
+                <a:buNone/>
+                <a:defRPr lang="zh-CN" altLang="en-US" sz="2800" kern="1200" dirty="0" smtClean="0">
+                  <a:solidFill>
+                    <a:srgbClr val="000000">
+                      <a:lumMod val="85000"/>
+                      <a:lumOff val="15000"/>
+                    </a:srgbClr>
+                  </a:solidFill>
+                  <a:latin typeface="微软雅黑"/>
+                  <a:ea typeface="+mn-ea"/>
+                  <a:cs typeface="+mn-cs"/>
+                </a:defRPr>
+              </a:lvl1pPr>
+              <a:lvl2pPr marL="457200" indent="0" algn="l" defTabSz="914400" rtl="0" eaLnBrk="1" latinLnBrk="0" hangingPunct="1">
+                <a:buNone/>
+                <a:defRPr sz="1800" kern="1200">
+                  <a:solidFill>
+                    <a:schemeClr val="tx1"/>
+                  </a:solidFill>
+                  <a:latin typeface="+mn-lt"/>
+                  <a:ea typeface="+mn-ea"/>
+                  <a:cs typeface="+mn-cs"/>
+                </a:defRPr>
+              </a:lvl2pPr>
+              <a:lvl3pPr marL="914400" algn="l" defTabSz="914400" rtl="0" eaLnBrk="1" latinLnBrk="0" hangingPunct="1">
+                <a:defRPr sz="1800" kern="1200">
+                  <a:solidFill>
+                    <a:schemeClr val="tx1"/>
+                  </a:solidFill>
+                  <a:latin typeface="+mn-lt"/>
+                  <a:ea typeface="+mn-ea"/>
+                  <a:cs typeface="+mn-cs"/>
+                </a:defRPr>
+              </a:lvl3pPr>
+              <a:lvl4pPr marL="1371600" algn="l" defTabSz="914400" rtl="0" eaLnBrk="1" latinLnBrk="0" hangingPunct="1">
+                <a:defRPr sz="1800" kern="1200">
+                  <a:solidFill>
+                    <a:schemeClr val="tx1"/>
+                  </a:solidFill>
+                  <a:latin typeface="+mn-lt"/>
+                  <a:ea typeface="+mn-ea"/>
+                  <a:cs typeface="+mn-cs"/>
+                </a:defRPr>
+              </a:lvl4pPr>
+              <a:lvl5pPr marL="1828800" algn="l" defTabSz="914400" rtl="0" eaLnBrk="1" latinLnBrk="0" hangingPunct="1">
+                <a:defRPr sz="1800" kern="1200">
+                  <a:solidFill>
+                    <a:schemeClr val="tx1"/>
+                  </a:solidFill>
+                  <a:latin typeface="+mn-lt"/>
+                  <a:ea typeface="+mn-ea"/>
+                  <a:cs typeface="+mn-cs"/>
+                </a:defRPr>
+              </a:lvl5pPr>
+              <a:lvl6pPr marL="2286000" algn="l" defTabSz="914400" rtl="0" eaLnBrk="1" latinLnBrk="0" hangingPunct="1">
+                <a:defRPr sz="1800" kern="1200">
+                  <a:solidFill>
+                    <a:schemeClr val="tx1"/>
+                  </a:solidFill>
+                  <a:latin typeface="+mn-lt"/>
+                  <a:ea typeface="+mn-ea"/>
+                  <a:cs typeface="+mn-cs"/>
+                </a:defRPr>
+              </a:lvl6pPr>
+              <a:lvl7pPr marL="2743200" algn="l" defTabSz="914400" rtl="0" eaLnBrk="1" latinLnBrk="0" hangingPunct="1">
+                <a:defRPr sz="1800" kern="1200">
+                  <a:solidFill>
+                    <a:schemeClr val="tx1"/>
+                  </a:solidFill>
+                  <a:latin typeface="+mn-lt"/>
+                  <a:ea typeface="+mn-ea"/>
+                  <a:cs typeface="+mn-cs"/>
+                </a:defRPr>
+              </a:lvl7pPr>
+              <a:lvl8pPr marL="3200400" algn="l" defTabSz="914400" rtl="0" eaLnBrk="1" latinLnBrk="0" hangingPunct="1">
+                <a:defRPr sz="1800" kern="1200">
+                  <a:solidFill>
+                    <a:schemeClr val="tx1"/>
+                  </a:solidFill>
+                  <a:latin typeface="+mn-lt"/>
+                  <a:ea typeface="+mn-ea"/>
+                  <a:cs typeface="+mn-cs"/>
+                </a:defRPr>
+              </a:lvl8pPr>
+              <a:lvl9pPr marL="3657600" algn="l" defTabSz="914400" rtl="0" eaLnBrk="1" latinLnBrk="0" hangingPunct="1">
+                <a:defRPr sz="1800" kern="1200">
+                  <a:solidFill>
+                    <a:schemeClr val="tx1"/>
+                  </a:solidFill>
+                  <a:latin typeface="+mn-lt"/>
+                  <a:ea typeface="+mn-ea"/>
+                  <a:cs typeface="+mn-cs"/>
+                </a:defRPr>
+              </a:lvl9pPr>
+            </a:lstStyle>
+            <a:p>
+              <a:r>
+                <a:rPr lang="zh-CN" altLang="en-US" sz="2400" dirty="0">
+                  <a:latin typeface="微软雅黑" panose="020B0503020204020204" pitchFamily="34" charset="-122"/>
+                  <a:ea typeface="微软雅黑" panose="020B0503020204020204" pitchFamily="34" charset="-122"/>
+                </a:rPr>
+                <a:t>研究综述</a:t>
+              </a:r>
+            </a:p>
+          </p:txBody>
+        </p:sp>
+        <p:sp>
+          <p:nvSpPr>
+            <p:cNvPr id="93" name="文本占位符 40">
+              <a:extLst>
+                <a:ext uri="{FF2B5EF4-FFF2-40B4-BE49-F238E27FC236}">
+                  <a16:creationId xmlns:a16="http://schemas.microsoft.com/office/drawing/2014/main" id="{E475D708-48CD-45C8-B31A-0548BF24126F}"/>
+                </a:ext>
+              </a:extLst>
+            </p:cNvPr>
+            <p:cNvSpPr txBox="1">
+              <a:spLocks/>
+            </p:cNvSpPr>
+            <p:nvPr/>
+          </p:nvSpPr>
+          <p:spPr>
+            <a:xfrm>
+              <a:off x="5408356" y="3317736"/>
+              <a:ext cx="3071615" cy="487680"/>
+            </a:xfrm>
+            <a:prstGeom prst="rect">
+              <a:avLst/>
+            </a:prstGeom>
+          </p:spPr>
+          <p:txBody>
+            <a:bodyPr vert="horz" lIns="91440" tIns="45720" rIns="91440" bIns="45720" rtlCol="0" anchor="ctr">
+              <a:normAutofit/>
+            </a:bodyPr>
+            <a:lstStyle>
+              <a:defPPr>
+                <a:defRPr lang="zh-CN"/>
+              </a:defPPr>
+              <a:lvl1pPr marL="0" indent="0" algn="l" defTabSz="914400" rtl="0" eaLnBrk="1" latinLnBrk="0" hangingPunct="1">
+                <a:buNone/>
+                <a:defRPr lang="zh-CN" altLang="en-US" sz="2800" kern="1200" dirty="0" smtClean="0">
+                  <a:solidFill>
+                    <a:srgbClr val="000000">
+                      <a:lumMod val="85000"/>
+                      <a:lumOff val="15000"/>
+                    </a:srgbClr>
+                  </a:solidFill>
+                  <a:latin typeface="微软雅黑"/>
+                  <a:ea typeface="+mn-ea"/>
+                  <a:cs typeface="+mn-cs"/>
+                </a:defRPr>
+              </a:lvl1pPr>
+              <a:lvl2pPr marL="457200" indent="0" algn="l" defTabSz="914400" rtl="0" eaLnBrk="1" latinLnBrk="0" hangingPunct="1">
+                <a:buNone/>
+                <a:defRPr sz="1800" kern="1200">
+                  <a:solidFill>
+                    <a:schemeClr val="tx1"/>
+                  </a:solidFill>
+                  <a:latin typeface="+mn-lt"/>
+                  <a:ea typeface="+mn-ea"/>
+                  <a:cs typeface="+mn-cs"/>
+                </a:defRPr>
+              </a:lvl2pPr>
+              <a:lvl3pPr marL="914400" algn="l" defTabSz="914400" rtl="0" eaLnBrk="1" latinLnBrk="0" hangingPunct="1">
+                <a:defRPr sz="1800" kern="1200">
+                  <a:solidFill>
+                    <a:schemeClr val="tx1"/>
+                  </a:solidFill>
+                  <a:latin typeface="+mn-lt"/>
+                  <a:ea typeface="+mn-ea"/>
+                  <a:cs typeface="+mn-cs"/>
+                </a:defRPr>
+              </a:lvl3pPr>
+              <a:lvl4pPr marL="1371600" algn="l" defTabSz="914400" rtl="0" eaLnBrk="1" latinLnBrk="0" hangingPunct="1">
+                <a:defRPr sz="1800" kern="1200">
+                  <a:solidFill>
+                    <a:schemeClr val="tx1"/>
+                  </a:solidFill>
+                  <a:latin typeface="+mn-lt"/>
+                  <a:ea typeface="+mn-ea"/>
+                  <a:cs typeface="+mn-cs"/>
+                </a:defRPr>
+              </a:lvl4pPr>
+              <a:lvl5pPr marL="1828800" algn="l" defTabSz="914400" rtl="0" eaLnBrk="1" latinLnBrk="0" hangingPunct="1">
+                <a:defRPr sz="1800" kern="1200">
+                  <a:solidFill>
+                    <a:schemeClr val="tx1"/>
+                  </a:solidFill>
+                  <a:latin typeface="+mn-lt"/>
+                  <a:ea typeface="+mn-ea"/>
+                  <a:cs typeface="+mn-cs"/>
+                </a:defRPr>
+              </a:lvl5pPr>
+              <a:lvl6pPr marL="2286000" algn="l" defTabSz="914400" rtl="0" eaLnBrk="1" latinLnBrk="0" hangingPunct="1">
+                <a:defRPr sz="1800" kern="1200">
+                  <a:solidFill>
+                    <a:schemeClr val="tx1"/>
+                  </a:solidFill>
+                  <a:latin typeface="+mn-lt"/>
+                  <a:ea typeface="+mn-ea"/>
+                  <a:cs typeface="+mn-cs"/>
+                </a:defRPr>
+              </a:lvl6pPr>
+              <a:lvl7pPr marL="2743200" algn="l" defTabSz="914400" rtl="0" eaLnBrk="1" latinLnBrk="0" hangingPunct="1">
+                <a:defRPr sz="1800" kern="1200">
+                  <a:solidFill>
+                    <a:schemeClr val="tx1"/>
+                  </a:solidFill>
+                  <a:latin typeface="+mn-lt"/>
+                  <a:ea typeface="+mn-ea"/>
+                  <a:cs typeface="+mn-cs"/>
+                </a:defRPr>
+              </a:lvl7pPr>
+              <a:lvl8pPr marL="3200400" algn="l" defTabSz="914400" rtl="0" eaLnBrk="1" latinLnBrk="0" hangingPunct="1">
+                <a:defRPr sz="1800" kern="1200">
+                  <a:solidFill>
+                    <a:schemeClr val="tx1"/>
+                  </a:solidFill>
+                  <a:latin typeface="+mn-lt"/>
+                  <a:ea typeface="+mn-ea"/>
+                  <a:cs typeface="+mn-cs"/>
+                </a:defRPr>
+              </a:lvl8pPr>
+              <a:lvl9pPr marL="3657600" algn="l" defTabSz="914400" rtl="0" eaLnBrk="1" latinLnBrk="0" hangingPunct="1">
+                <a:defRPr sz="1800" kern="1200">
+                  <a:solidFill>
+                    <a:schemeClr val="tx1"/>
+                  </a:solidFill>
+                  <a:latin typeface="+mn-lt"/>
+                  <a:ea typeface="+mn-ea"/>
+                  <a:cs typeface="+mn-cs"/>
+                </a:defRPr>
+              </a:lvl9pPr>
+            </a:lstStyle>
+            <a:p>
+              <a:r>
+                <a:rPr lang="zh-CN" altLang="en-US" sz="2400" dirty="0">
+                  <a:latin typeface="微软雅黑" panose="020B0503020204020204" pitchFamily="34" charset="-122"/>
+                  <a:ea typeface="微软雅黑" panose="020B0503020204020204" pitchFamily="34" charset="-122"/>
+                </a:rPr>
+                <a:t>矢量中文字库生成</a:t>
+              </a:r>
+            </a:p>
+          </p:txBody>
+        </p:sp>
+        <p:sp>
+          <p:nvSpPr>
+            <p:cNvPr id="94" name="文本占位符 40">
+              <a:extLst>
+                <a:ext uri="{FF2B5EF4-FFF2-40B4-BE49-F238E27FC236}">
+                  <a16:creationId xmlns:a16="http://schemas.microsoft.com/office/drawing/2014/main" id="{2144298B-C662-434B-9BDF-092CDD159036}"/>
+                </a:ext>
+              </a:extLst>
+            </p:cNvPr>
+            <p:cNvSpPr txBox="1">
+              <a:spLocks/>
+            </p:cNvSpPr>
+            <p:nvPr/>
+          </p:nvSpPr>
+          <p:spPr>
+            <a:xfrm>
+              <a:off x="5408356" y="4913051"/>
+              <a:ext cx="3071615" cy="487680"/>
+            </a:xfrm>
+            <a:prstGeom prst="rect">
+              <a:avLst/>
+            </a:prstGeom>
+          </p:spPr>
+          <p:txBody>
+            <a:bodyPr>
+              <a:normAutofit/>
+            </a:bodyPr>
+            <a:lstStyle>
+              <a:lvl1pPr marL="0" indent="0" algn="l" defTabSz="914400" rtl="0" eaLnBrk="1" latinLnBrk="0" hangingPunct="1">
+                <a:lnSpc>
+                  <a:spcPct val="90000"/>
+                </a:lnSpc>
+                <a:spcBef>
+                  <a:spcPts val="750"/>
+                </a:spcBef>
+                <a:buFont typeface="Arial" panose="020B0604020202020204" pitchFamily="34" charset="0"/>
+                <a:buNone/>
+                <a:defRPr lang="zh-CN" altLang="en-US" sz="2800" kern="1200" dirty="0" smtClean="0">
+                  <a:solidFill>
+                    <a:srgbClr val="000000">
+                      <a:lumMod val="85000"/>
+                      <a:lumOff val="15000"/>
+                    </a:srgbClr>
+                  </a:solidFill>
+                  <a:latin typeface="微软雅黑"/>
+                  <a:ea typeface="+mn-ea"/>
+                  <a:cs typeface="+mn-cs"/>
+                </a:defRPr>
+              </a:lvl1pPr>
+              <a:lvl2pPr marL="457200" indent="0" algn="l" defTabSz="685800" rtl="0" eaLnBrk="1" latinLnBrk="0" hangingPunct="1">
+                <a:lnSpc>
+                  <a:spcPct val="90000"/>
+                </a:lnSpc>
+                <a:spcBef>
+                  <a:spcPts val="375"/>
+                </a:spcBef>
+                <a:buFont typeface="Arial" panose="020B0604020202020204" pitchFamily="34" charset="0"/>
+                <a:buNone/>
+                <a:defRPr sz="1800" kern="1200">
+                  <a:solidFill>
+                    <a:schemeClr val="tx1"/>
+                  </a:solidFill>
+                  <a:latin typeface="+mn-lt"/>
+                  <a:ea typeface="+mn-ea"/>
+                  <a:cs typeface="+mn-cs"/>
+                </a:defRPr>
+              </a:lvl2pPr>
+              <a:lvl3pPr marL="857250" indent="-171450" algn="l" defTabSz="685800" rtl="0" eaLnBrk="1" latinLnBrk="0" hangingPunct="1">
+                <a:lnSpc>
+                  <a:spcPct val="90000"/>
+                </a:lnSpc>
+                <a:spcBef>
+                  <a:spcPts val="375"/>
+                </a:spcBef>
+                <a:buFont typeface="Arial" panose="020B0604020202020204" pitchFamily="34" charset="0"/>
+                <a:buChar char="•"/>
+                <a:defRPr sz="1500" kern="1200">
+                  <a:solidFill>
+                    <a:schemeClr val="tx1"/>
+                  </a:solidFill>
+                  <a:latin typeface="+mn-lt"/>
+                  <a:ea typeface="+mn-ea"/>
+                  <a:cs typeface="+mn-cs"/>
+                </a:defRPr>
+              </a:lvl3pPr>
+              <a:lvl4pPr marL="1200150" indent="-171450" algn="l" defTabSz="685800" rtl="0" eaLnBrk="1" latinLnBrk="0" hangingPunct="1">
+                <a:lnSpc>
+                  <a:spcPct val="90000"/>
+                </a:lnSpc>
+                <a:spcBef>
+                  <a:spcPts val="375"/>
+                </a:spcBef>
+                <a:buFont typeface="Arial" panose="020B0604020202020204" pitchFamily="34" charset="0"/>
+                <a:buChar char="•"/>
+                <a:defRPr sz="1350" kern="1200">
+                  <a:solidFill>
+                    <a:schemeClr val="tx1"/>
+                  </a:solidFill>
+                  <a:latin typeface="+mn-lt"/>
+                  <a:ea typeface="+mn-ea"/>
+                  <a:cs typeface="+mn-cs"/>
+                </a:defRPr>
+              </a:lvl4pPr>
+              <a:lvl5pPr marL="1543050" indent="-171450" algn="l" defTabSz="685800" rtl="0" eaLnBrk="1" latinLnBrk="0" hangingPunct="1">
+                <a:lnSpc>
+                  <a:spcPct val="90000"/>
+                </a:lnSpc>
+                <a:spcBef>
+                  <a:spcPts val="375"/>
+                </a:spcBef>
+                <a:buFont typeface="Arial" panose="020B0604020202020204" pitchFamily="34" charset="0"/>
+                <a:buChar char="•"/>
+                <a:defRPr sz="1350" kern="1200">
+                  <a:solidFill>
+                    <a:schemeClr val="tx1"/>
+                  </a:solidFill>
+                  <a:latin typeface="+mn-lt"/>
+                  <a:ea typeface="+mn-ea"/>
+                  <a:cs typeface="+mn-cs"/>
+                </a:defRPr>
+              </a:lvl5pPr>
+              <a:lvl6pPr marL="1885950" indent="-171450" algn="l" defTabSz="685800" rtl="0" eaLnBrk="1" latinLnBrk="0" hangingPunct="1">
+                <a:lnSpc>
+                  <a:spcPct val="90000"/>
+                </a:lnSpc>
+                <a:spcBef>
+                  <a:spcPts val="375"/>
+                </a:spcBef>
+                <a:buFont typeface="Arial" panose="020B0604020202020204" pitchFamily="34" charset="0"/>
+                <a:buChar char="•"/>
+                <a:defRPr sz="1350" kern="1200">
+                  <a:solidFill>
+                    <a:schemeClr val="tx1"/>
+                  </a:solidFill>
+                  <a:latin typeface="+mn-lt"/>
+                  <a:ea typeface="+mn-ea"/>
+                  <a:cs typeface="+mn-cs"/>
+                </a:defRPr>
+              </a:lvl6pPr>
+              <a:lvl7pPr marL="2228850" indent="-171450" algn="l" defTabSz="685800" rtl="0" eaLnBrk="1" latinLnBrk="0" hangingPunct="1">
+                <a:lnSpc>
+                  <a:spcPct val="90000"/>
+                </a:lnSpc>
+                <a:spcBef>
+                  <a:spcPts val="375"/>
+                </a:spcBef>
+                <a:buFont typeface="Arial" panose="020B0604020202020204" pitchFamily="34" charset="0"/>
+                <a:buChar char="•"/>
+                <a:defRPr sz="1350" kern="1200">
+                  <a:solidFill>
+                    <a:schemeClr val="tx1"/>
+                  </a:solidFill>
+                  <a:latin typeface="+mn-lt"/>
+                  <a:ea typeface="+mn-ea"/>
+                  <a:cs typeface="+mn-cs"/>
+                </a:defRPr>
+              </a:lvl7pPr>
+              <a:lvl8pPr marL="2571750" indent="-171450" algn="l" defTabSz="685800" rtl="0" eaLnBrk="1" latinLnBrk="0" hangingPunct="1">
+                <a:lnSpc>
+                  <a:spcPct val="90000"/>
+                </a:lnSpc>
+                <a:spcBef>
+                  <a:spcPts val="375"/>
+                </a:spcBef>
+                <a:buFont typeface="Arial" panose="020B0604020202020204" pitchFamily="34" charset="0"/>
+                <a:buChar char="•"/>
+                <a:defRPr sz="1350" kern="1200">
+                  <a:solidFill>
+                    <a:schemeClr val="tx1"/>
+                  </a:solidFill>
+                  <a:latin typeface="+mn-lt"/>
+                  <a:ea typeface="+mn-ea"/>
+                  <a:cs typeface="+mn-cs"/>
+                </a:defRPr>
+              </a:lvl8pPr>
+              <a:lvl9pPr marL="2914650" indent="-171450" algn="l" defTabSz="685800" rtl="0" eaLnBrk="1" latinLnBrk="0" hangingPunct="1">
+                <a:lnSpc>
+                  <a:spcPct val="90000"/>
+                </a:lnSpc>
+                <a:spcBef>
+                  <a:spcPts val="375"/>
+                </a:spcBef>
+                <a:buFont typeface="Arial" panose="020B0604020202020204" pitchFamily="34" charset="0"/>
+                <a:buChar char="•"/>
+                <a:defRPr sz="1350" kern="1200">
+                  <a:solidFill>
+                    <a:schemeClr val="tx1"/>
+                  </a:solidFill>
+                  <a:latin typeface="+mn-lt"/>
+                  <a:ea typeface="+mn-ea"/>
+                  <a:cs typeface="+mn-cs"/>
+                </a:defRPr>
+              </a:lvl9pPr>
+            </a:lstStyle>
+            <a:p>
+              <a:r>
+                <a:rPr lang="zh-CN" altLang="en-US" sz="2400" dirty="0">
+                  <a:latin typeface="微软雅黑" panose="020B0503020204020204" pitchFamily="34" charset="-122"/>
+                  <a:ea typeface="微软雅黑" panose="020B0503020204020204" pitchFamily="34" charset="-122"/>
+                </a:rPr>
+                <a:t>总结与展望</a:t>
+              </a:r>
+            </a:p>
+          </p:txBody>
+        </p:sp>
+        <p:sp>
+          <p:nvSpPr>
+            <p:cNvPr id="95" name="文本占位符 40">
+              <a:extLst>
+                <a:ext uri="{FF2B5EF4-FFF2-40B4-BE49-F238E27FC236}">
+                  <a16:creationId xmlns:a16="http://schemas.microsoft.com/office/drawing/2014/main" id="{FAFD69C0-1EC2-4D2E-9846-7BE5323ACF9F}"/>
+                </a:ext>
+              </a:extLst>
+            </p:cNvPr>
+            <p:cNvSpPr txBox="1">
+              <a:spLocks/>
+            </p:cNvSpPr>
+            <p:nvPr/>
+          </p:nvSpPr>
+          <p:spPr>
+            <a:xfrm>
+              <a:off x="5408356" y="4134443"/>
+              <a:ext cx="3071615" cy="487680"/>
+            </a:xfrm>
+            <a:prstGeom prst="rect">
+              <a:avLst/>
+            </a:prstGeom>
+          </p:spPr>
+          <p:txBody>
+            <a:bodyPr>
+              <a:normAutofit/>
+            </a:bodyPr>
+            <a:lstStyle>
+              <a:lvl1pPr marL="0" indent="0" algn="l" defTabSz="914400" rtl="0" eaLnBrk="1" latinLnBrk="0" hangingPunct="1">
+                <a:lnSpc>
+                  <a:spcPct val="90000"/>
+                </a:lnSpc>
+                <a:spcBef>
+                  <a:spcPts val="750"/>
+                </a:spcBef>
+                <a:buFont typeface="Arial" panose="020B0604020202020204" pitchFamily="34" charset="0"/>
+                <a:buNone/>
+                <a:defRPr lang="zh-CN" altLang="en-US" sz="2800" kern="1200" dirty="0" smtClean="0">
+                  <a:solidFill>
+                    <a:srgbClr val="000000">
+                      <a:lumMod val="85000"/>
+                      <a:lumOff val="15000"/>
+                    </a:srgbClr>
+                  </a:solidFill>
+                  <a:latin typeface="微软雅黑"/>
+                  <a:ea typeface="+mn-ea"/>
+                  <a:cs typeface="+mn-cs"/>
+                </a:defRPr>
+              </a:lvl1pPr>
+              <a:lvl2pPr marL="457200" indent="0" algn="l" defTabSz="685800" rtl="0" eaLnBrk="1" latinLnBrk="0" hangingPunct="1">
+                <a:lnSpc>
+                  <a:spcPct val="90000"/>
+                </a:lnSpc>
+                <a:spcBef>
+                  <a:spcPts val="375"/>
+                </a:spcBef>
+                <a:buFont typeface="Arial" panose="020B0604020202020204" pitchFamily="34" charset="0"/>
+                <a:buNone/>
+                <a:defRPr sz="1800" kern="1200">
+                  <a:solidFill>
+                    <a:schemeClr val="tx1"/>
+                  </a:solidFill>
+                  <a:latin typeface="+mn-lt"/>
+                  <a:ea typeface="+mn-ea"/>
+                  <a:cs typeface="+mn-cs"/>
+                </a:defRPr>
+              </a:lvl2pPr>
+              <a:lvl3pPr marL="857250" indent="-171450" algn="l" defTabSz="685800" rtl="0" eaLnBrk="1" latinLnBrk="0" hangingPunct="1">
+                <a:lnSpc>
+                  <a:spcPct val="90000"/>
+                </a:lnSpc>
+                <a:spcBef>
+                  <a:spcPts val="375"/>
+                </a:spcBef>
+                <a:buFont typeface="Arial" panose="020B0604020202020204" pitchFamily="34" charset="0"/>
+                <a:buChar char="•"/>
+                <a:defRPr sz="1500" kern="1200">
+                  <a:solidFill>
+                    <a:schemeClr val="tx1"/>
+                  </a:solidFill>
+                  <a:latin typeface="+mn-lt"/>
+                  <a:ea typeface="+mn-ea"/>
+                  <a:cs typeface="+mn-cs"/>
+                </a:defRPr>
+              </a:lvl3pPr>
+              <a:lvl4pPr marL="1200150" indent="-171450" algn="l" defTabSz="685800" rtl="0" eaLnBrk="1" latinLnBrk="0" hangingPunct="1">
+                <a:lnSpc>
+                  <a:spcPct val="90000"/>
+                </a:lnSpc>
+                <a:spcBef>
+                  <a:spcPts val="375"/>
+                </a:spcBef>
+                <a:buFont typeface="Arial" panose="020B0604020202020204" pitchFamily="34" charset="0"/>
+                <a:buChar char="•"/>
+                <a:defRPr sz="1350" kern="1200">
+                  <a:solidFill>
+                    <a:schemeClr val="tx1"/>
+                  </a:solidFill>
+                  <a:latin typeface="+mn-lt"/>
+                  <a:ea typeface="+mn-ea"/>
+                  <a:cs typeface="+mn-cs"/>
+                </a:defRPr>
+              </a:lvl4pPr>
+              <a:lvl5pPr marL="1543050" indent="-171450" algn="l" defTabSz="685800" rtl="0" eaLnBrk="1" latinLnBrk="0" hangingPunct="1">
+                <a:lnSpc>
+                  <a:spcPct val="90000"/>
+                </a:lnSpc>
+                <a:spcBef>
+                  <a:spcPts val="375"/>
+                </a:spcBef>
+                <a:buFont typeface="Arial" panose="020B0604020202020204" pitchFamily="34" charset="0"/>
+                <a:buChar char="•"/>
+                <a:defRPr sz="1350" kern="1200">
+                  <a:solidFill>
+                    <a:schemeClr val="tx1"/>
+                  </a:solidFill>
+                  <a:latin typeface="+mn-lt"/>
+                  <a:ea typeface="+mn-ea"/>
+                  <a:cs typeface="+mn-cs"/>
+                </a:defRPr>
+              </a:lvl5pPr>
+              <a:lvl6pPr marL="1885950" indent="-171450" algn="l" defTabSz="685800" rtl="0" eaLnBrk="1" latinLnBrk="0" hangingPunct="1">
+                <a:lnSpc>
+                  <a:spcPct val="90000"/>
+                </a:lnSpc>
+                <a:spcBef>
+                  <a:spcPts val="375"/>
+                </a:spcBef>
+                <a:buFont typeface="Arial" panose="020B0604020202020204" pitchFamily="34" charset="0"/>
+                <a:buChar char="•"/>
+                <a:defRPr sz="1350" kern="1200">
+                  <a:solidFill>
+                    <a:schemeClr val="tx1"/>
+                  </a:solidFill>
+                  <a:latin typeface="+mn-lt"/>
+                  <a:ea typeface="+mn-ea"/>
+                  <a:cs typeface="+mn-cs"/>
+                </a:defRPr>
+              </a:lvl6pPr>
+              <a:lvl7pPr marL="2228850" indent="-171450" algn="l" defTabSz="685800" rtl="0" eaLnBrk="1" latinLnBrk="0" hangingPunct="1">
+                <a:lnSpc>
+                  <a:spcPct val="90000"/>
+                </a:lnSpc>
+                <a:spcBef>
+                  <a:spcPts val="375"/>
+                </a:spcBef>
+                <a:buFont typeface="Arial" panose="020B0604020202020204" pitchFamily="34" charset="0"/>
+                <a:buChar char="•"/>
+                <a:defRPr sz="1350" kern="1200">
+                  <a:solidFill>
+                    <a:schemeClr val="tx1"/>
+                  </a:solidFill>
+                  <a:latin typeface="+mn-lt"/>
+                  <a:ea typeface="+mn-ea"/>
+                  <a:cs typeface="+mn-cs"/>
+                </a:defRPr>
+              </a:lvl7pPr>
+              <a:lvl8pPr marL="2571750" indent="-171450" algn="l" defTabSz="685800" rtl="0" eaLnBrk="1" latinLnBrk="0" hangingPunct="1">
+                <a:lnSpc>
+                  <a:spcPct val="90000"/>
+                </a:lnSpc>
+                <a:spcBef>
+                  <a:spcPts val="375"/>
+                </a:spcBef>
+                <a:buFont typeface="Arial" panose="020B0604020202020204" pitchFamily="34" charset="0"/>
+                <a:buChar char="•"/>
+                <a:defRPr sz="1350" kern="1200">
+                  <a:solidFill>
+                    <a:schemeClr val="tx1"/>
+                  </a:solidFill>
+                  <a:latin typeface="+mn-lt"/>
+                  <a:ea typeface="+mn-ea"/>
+                  <a:cs typeface="+mn-cs"/>
+                </a:defRPr>
+              </a:lvl8pPr>
+              <a:lvl9pPr marL="2914650" indent="-171450" algn="l" defTabSz="685800" rtl="0" eaLnBrk="1" latinLnBrk="0" hangingPunct="1">
+                <a:lnSpc>
+                  <a:spcPct val="90000"/>
+                </a:lnSpc>
+                <a:spcBef>
+                  <a:spcPts val="375"/>
+                </a:spcBef>
+                <a:buFont typeface="Arial" panose="020B0604020202020204" pitchFamily="34" charset="0"/>
+                <a:buChar char="•"/>
+                <a:defRPr sz="1350" kern="1200">
+                  <a:solidFill>
+                    <a:schemeClr val="tx1"/>
+                  </a:solidFill>
+                  <a:latin typeface="+mn-lt"/>
+                  <a:ea typeface="+mn-ea"/>
+                  <a:cs typeface="+mn-cs"/>
+                </a:defRPr>
+              </a:lvl9pPr>
+            </a:lstStyle>
+            <a:p>
+              <a:r>
+                <a:rPr lang="zh-CN" altLang="en-US" sz="2400" dirty="0">
+                  <a:latin typeface="微软雅黑" panose="020B0503020204020204" pitchFamily="34" charset="-122"/>
+                  <a:ea typeface="微软雅黑" panose="020B0503020204020204" pitchFamily="34" charset="-122"/>
+                </a:rPr>
+                <a:t>矢量中文字库压缩</a:t>
+              </a:r>
+            </a:p>
+          </p:txBody>
+        </p:sp>
+        <p:sp>
+          <p:nvSpPr>
+            <p:cNvPr id="96" name="文本框 95">
+              <a:extLst>
+                <a:ext uri="{FF2B5EF4-FFF2-40B4-BE49-F238E27FC236}">
+                  <a16:creationId xmlns:a16="http://schemas.microsoft.com/office/drawing/2014/main" id="{64486F12-D79E-4C2F-A848-F6254186F239}"/>
+                </a:ext>
+              </a:extLst>
+            </p:cNvPr>
+            <p:cNvSpPr txBox="1"/>
+            <p:nvPr/>
+          </p:nvSpPr>
+          <p:spPr>
+            <a:xfrm>
+              <a:off x="4569157" y="1759599"/>
+              <a:ext cx="675822" cy="584775"/>
+            </a:xfrm>
+            <a:prstGeom prst="rect">
+              <a:avLst/>
+            </a:prstGeom>
+            <a:noFill/>
+          </p:spPr>
+          <p:txBody>
+            <a:bodyPr wrap="square" rtlCol="0">
+              <a:spAutoFit/>
+            </a:bodyPr>
+            <a:lstStyle/>
+            <a:p>
+              <a:r>
+                <a:rPr lang="en-US" altLang="zh-CN" sz="3200" b="1" dirty="0">
+                  <a:solidFill>
+                    <a:srgbClr val="9A0001"/>
+                  </a:solidFill>
+                </a:rPr>
+                <a:t>01.</a:t>
+              </a:r>
+              <a:endParaRPr lang="zh-CN" altLang="en-US" sz="3200" b="1" dirty="0">
+                <a:solidFill>
+                  <a:srgbClr val="9A0001"/>
+                </a:solidFill>
+              </a:endParaRPr>
+            </a:p>
+          </p:txBody>
+        </p:sp>
+        <p:sp>
+          <p:nvSpPr>
+            <p:cNvPr id="97" name="文本框 96">
+              <a:extLst>
+                <a:ext uri="{FF2B5EF4-FFF2-40B4-BE49-F238E27FC236}">
+                  <a16:creationId xmlns:a16="http://schemas.microsoft.com/office/drawing/2014/main" id="{91F51972-1BC1-448D-A185-251A7C51E254}"/>
+                </a:ext>
+              </a:extLst>
+            </p:cNvPr>
+            <p:cNvSpPr txBox="1"/>
+            <p:nvPr/>
+          </p:nvSpPr>
+          <p:spPr>
+            <a:xfrm>
+              <a:off x="4569157" y="2516034"/>
+              <a:ext cx="675822" cy="584775"/>
+            </a:xfrm>
+            <a:prstGeom prst="rect">
+              <a:avLst/>
+            </a:prstGeom>
+            <a:noFill/>
+          </p:spPr>
+          <p:txBody>
+            <a:bodyPr wrap="square" rtlCol="0">
+              <a:spAutoFit/>
+            </a:bodyPr>
+            <a:lstStyle/>
+            <a:p>
+              <a:r>
+                <a:rPr lang="en-US" altLang="zh-CN" sz="3200" b="1" dirty="0">
+                  <a:solidFill>
+                    <a:srgbClr val="9A0001"/>
+                  </a:solidFill>
+                </a:rPr>
+                <a:t>02.</a:t>
+              </a:r>
+              <a:endParaRPr lang="zh-CN" altLang="en-US" sz="3200" b="1" dirty="0">
+                <a:solidFill>
+                  <a:srgbClr val="9A0001"/>
+                </a:solidFill>
+              </a:endParaRPr>
+            </a:p>
+          </p:txBody>
+        </p:sp>
+        <p:sp>
+          <p:nvSpPr>
+            <p:cNvPr id="98" name="文本框 97">
+              <a:extLst>
+                <a:ext uri="{FF2B5EF4-FFF2-40B4-BE49-F238E27FC236}">
+                  <a16:creationId xmlns:a16="http://schemas.microsoft.com/office/drawing/2014/main" id="{1BB4A396-42D6-41A0-997C-EB5BA2FC9E75}"/>
+                </a:ext>
+              </a:extLst>
+            </p:cNvPr>
+            <p:cNvSpPr txBox="1"/>
+            <p:nvPr/>
+          </p:nvSpPr>
+          <p:spPr>
+            <a:xfrm>
+              <a:off x="4569157" y="3272469"/>
+              <a:ext cx="675822" cy="584775"/>
+            </a:xfrm>
+            <a:prstGeom prst="rect">
+              <a:avLst/>
+            </a:prstGeom>
+            <a:noFill/>
+          </p:spPr>
+          <p:txBody>
+            <a:bodyPr wrap="square" rtlCol="0">
+              <a:spAutoFit/>
+            </a:bodyPr>
+            <a:lstStyle/>
+            <a:p>
+              <a:r>
+                <a:rPr lang="en-US" altLang="zh-CN" sz="3200" b="1" dirty="0">
+                  <a:solidFill>
+                    <a:srgbClr val="9A0001"/>
+                  </a:solidFill>
+                </a:rPr>
+                <a:t>03.</a:t>
+              </a:r>
+              <a:endParaRPr lang="zh-CN" altLang="en-US" sz="3200" b="1" dirty="0">
+                <a:solidFill>
+                  <a:srgbClr val="9A0001"/>
+                </a:solidFill>
+              </a:endParaRPr>
+            </a:p>
+          </p:txBody>
+        </p:sp>
+        <p:sp>
+          <p:nvSpPr>
+            <p:cNvPr id="99" name="文本框 98">
+              <a:extLst>
+                <a:ext uri="{FF2B5EF4-FFF2-40B4-BE49-F238E27FC236}">
+                  <a16:creationId xmlns:a16="http://schemas.microsoft.com/office/drawing/2014/main" id="{8C813F0D-05D5-4F57-ADEC-C14790BA481E}"/>
+                </a:ext>
+              </a:extLst>
+            </p:cNvPr>
+            <p:cNvSpPr txBox="1"/>
+            <p:nvPr/>
+          </p:nvSpPr>
+          <p:spPr>
+            <a:xfrm>
+              <a:off x="4569157" y="4028904"/>
+              <a:ext cx="675822" cy="584775"/>
+            </a:xfrm>
+            <a:prstGeom prst="rect">
+              <a:avLst/>
+            </a:prstGeom>
+            <a:noFill/>
+          </p:spPr>
+          <p:txBody>
+            <a:bodyPr wrap="square" rtlCol="0">
+              <a:spAutoFit/>
+            </a:bodyPr>
+            <a:lstStyle/>
+            <a:p>
+              <a:r>
+                <a:rPr lang="en-US" altLang="zh-CN" sz="3200" b="1" dirty="0">
+                  <a:solidFill>
+                    <a:srgbClr val="9A0001"/>
+                  </a:solidFill>
+                </a:rPr>
+                <a:t>04.</a:t>
+              </a:r>
+              <a:endParaRPr lang="zh-CN" altLang="en-US" sz="3200" b="1" dirty="0">
+                <a:solidFill>
+                  <a:srgbClr val="9A0001"/>
+                </a:solidFill>
+              </a:endParaRPr>
+            </a:p>
+          </p:txBody>
+        </p:sp>
+        <p:sp>
+          <p:nvSpPr>
+            <p:cNvPr id="100" name="文本框 99">
+              <a:extLst>
+                <a:ext uri="{FF2B5EF4-FFF2-40B4-BE49-F238E27FC236}">
+                  <a16:creationId xmlns:a16="http://schemas.microsoft.com/office/drawing/2014/main" id="{290EC494-7B2C-4BC1-91B7-93E989D17901}"/>
+                </a:ext>
+              </a:extLst>
+            </p:cNvPr>
+            <p:cNvSpPr txBox="1"/>
+            <p:nvPr/>
+          </p:nvSpPr>
+          <p:spPr>
+            <a:xfrm>
+              <a:off x="4569157" y="4785339"/>
+              <a:ext cx="675822" cy="584775"/>
+            </a:xfrm>
+            <a:prstGeom prst="rect">
+              <a:avLst/>
+            </a:prstGeom>
+            <a:noFill/>
+          </p:spPr>
+          <p:txBody>
+            <a:bodyPr wrap="square" rtlCol="0">
+              <a:spAutoFit/>
+            </a:bodyPr>
+            <a:lstStyle/>
+            <a:p>
+              <a:r>
+                <a:rPr lang="en-US" altLang="zh-CN" sz="3200" b="1" dirty="0">
+                  <a:solidFill>
+                    <a:srgbClr val="9A0001"/>
+                  </a:solidFill>
+                </a:rPr>
+                <a:t>05.</a:t>
+              </a:r>
+              <a:endParaRPr lang="zh-CN" altLang="en-US" sz="3200" b="1" dirty="0">
+                <a:solidFill>
+                  <a:srgbClr val="9A0001"/>
+                </a:solidFill>
+              </a:endParaRPr>
+            </a:p>
+          </p:txBody>
+        </p:sp>
+      </p:grpSp>
+      <p:sp>
+        <p:nvSpPr>
+          <p:cNvPr id="118" name="灯片编号占位符 117">
+            <a:extLst>
+              <a:ext uri="{FF2B5EF4-FFF2-40B4-BE49-F238E27FC236}">
+                <a16:creationId xmlns:a16="http://schemas.microsoft.com/office/drawing/2014/main" id="{35068BEE-801F-43ED-BC47-E566933CD7C7}"/>
+              </a:ext>
+            </a:extLst>
+          </p:cNvPr>
+          <p:cNvSpPr>
+            <a:spLocks noGrp="1"/>
+          </p:cNvSpPr>
+          <p:nvPr>
+            <p:ph type="sldNum" sz="quarter" idx="12"/>
+          </p:nvPr>
+        </p:nvSpPr>
+        <p:spPr/>
+        <p:txBody>
+          <a:bodyPr/>
+          <a:lstStyle/>
+          <a:p>
+            <a:fld id="{1003C2F6-E224-4DE8-ABB8-1B4A7B626BCD}" type="slidenum">
+              <a:rPr lang="zh-CN" altLang="en-US" smtClean="0"/>
+              <a:pPr/>
+              <a:t>2</a:t>
+            </a:fld>
+            <a:r>
+              <a:rPr lang="en-US" altLang="zh-CN"/>
+              <a:t>/50</a:t>
+            </a:r>
+            <a:endParaRPr lang="zh-CN" altLang="en-US" dirty="0"/>
+          </a:p>
+        </p:txBody>
+      </p:sp>
+    </p:spTree>
+    <p:extLst>
+      <p:ext uri="{BB962C8B-B14F-4D97-AF65-F5344CB8AC3E}">
+        <p14:creationId xmlns:p14="http://schemas.microsoft.com/office/powerpoint/2010/main" val="1337863324"/>
+      </p:ext>
+    </p:extLst>
+  </p:cSld>
+  <p:clrMapOvr>
+    <a:masterClrMapping/>
+  </p:clrMapOvr>
+</p:sld>
+</file>
+
+<file path=ppt/slides/slide3.xml><?xml version="1.0" encoding="utf-8"?>
+<p:sld xmlns:a="http://schemas.openxmlformats.org/drawingml/2006/main" xmlns:r="http://schemas.openxmlformats.org/officeDocument/2006/relationships" xmlns:p="http://schemas.openxmlformats.org/presentationml/2006/main">
+  <p:cSld>
+    <p:bg>
+      <p:bgPr>
+        <a:solidFill>
+          <a:schemeClr val="bg1"/>
+        </a:solidFill>
+        <a:effectLst/>
+      </p:bgPr>
+    </p:bg>
+    <p:spTree>
+      <p:nvGrpSpPr>
+        <p:cNvPr id="1" name=""/>
+        <p:cNvGrpSpPr/>
+        <p:nvPr/>
+      </p:nvGrpSpPr>
+      <p:grpSpPr>
+        <a:xfrm>
+          <a:off x="0" y="0"/>
+          <a:ext cx="0" cy="0"/>
+          <a:chOff x="0" y="0"/>
+          <a:chExt cx="0" cy="0"/>
+        </a:xfrm>
+      </p:grpSpPr>
+      <p:pic>
+        <p:nvPicPr>
+          <p:cNvPr id="168" name="图片 167">
+            <a:extLst>
+              <a:ext uri="{FF2B5EF4-FFF2-40B4-BE49-F238E27FC236}">
+                <a16:creationId xmlns:a16="http://schemas.microsoft.com/office/drawing/2014/main" id="{AC4DFD5A-B18D-4B34-AC6D-86280278FC73}"/>
+              </a:ext>
+            </a:extLst>
+          </p:cNvPr>
+          <p:cNvPicPr>
+            <a:picLocks noChangeAspect="1"/>
+          </p:cNvPicPr>
+          <p:nvPr/>
+        </p:nvPicPr>
+        <p:blipFill>
+          <a:blip r:embed="rId2"/>
+          <a:stretch>
+            <a:fillRect/>
+          </a:stretch>
+        </p:blipFill>
+        <p:spPr>
+          <a:xfrm>
+            <a:off x="537736" y="541314"/>
+            <a:ext cx="2249619" cy="658425"/>
+          </a:xfrm>
+          <a:prstGeom prst="rect">
+            <a:avLst/>
+          </a:prstGeom>
+        </p:spPr>
+      </p:pic>
+      <p:sp>
+        <p:nvSpPr>
+          <p:cNvPr id="169" name="矩形 168">
+            <a:extLst>
+              <a:ext uri="{FF2B5EF4-FFF2-40B4-BE49-F238E27FC236}">
+                <a16:creationId xmlns:a16="http://schemas.microsoft.com/office/drawing/2014/main" id="{3274587D-36EC-4195-8AD2-DD23F49152B2}"/>
+              </a:ext>
+            </a:extLst>
+          </p:cNvPr>
+          <p:cNvSpPr/>
+          <p:nvPr/>
+        </p:nvSpPr>
+        <p:spPr>
+          <a:xfrm>
+            <a:off x="0" y="1764872"/>
+            <a:ext cx="9144000" cy="3328257"/>
+          </a:xfrm>
+          <a:prstGeom prst="rect">
+            <a:avLst/>
+          </a:prstGeom>
+          <a:solidFill>
+            <a:srgbClr val="9A0001"/>
+          </a:solidFill>
+          <a:ln w="0">
+            <a:noFill/>
+          </a:ln>
+        </p:spPr>
+        <p:style>
+          <a:lnRef idx="2">
+            <a:schemeClr val="accent1">
+              <a:shade val="50000"/>
+            </a:schemeClr>
+          </a:lnRef>
+          <a:fillRef idx="1">
+            <a:schemeClr val="accent1"/>
+          </a:fillRef>
+          <a:effectRef idx="0">
+            <a:schemeClr val="accent1"/>
+          </a:effectRef>
+          <a:fontRef idx="minor">
+            <a:schemeClr val="lt1"/>
+          </a:fontRef>
+        </p:style>
+        <p:txBody>
+          <a:bodyPr rot="0" spcFirstLastPara="0" vertOverflow="overflow" horzOverflow="overflow" vert="horz" wrap="square" lIns="91440" tIns="45720" rIns="91440" bIns="45720" numCol="1" spcCol="0" rtlCol="0" fromWordArt="0" anchor="ctr" anchorCtr="0" forceAA="0" compatLnSpc="1">
+            <a:prstTxWarp prst="textNoShape">
+              <a:avLst/>
+            </a:prstTxWarp>
+            <a:noAutofit/>
+          </a:bodyPr>
+          <a:lstStyle/>
+          <a:p>
+            <a:pPr marL="0" marR="0" lvl="0" indent="0" algn="ctr" defTabSz="914400" rtl="0" eaLnBrk="1" fontAlgn="auto" latinLnBrk="0" hangingPunct="1">
+              <a:lnSpc>
+                <a:spcPct val="100000"/>
+              </a:lnSpc>
+              <a:spcBef>
+                <a:spcPts val="0"/>
+              </a:spcBef>
+              <a:spcAft>
+                <a:spcPts val="0"/>
+              </a:spcAft>
+              <a:buClrTx/>
+              <a:buSzTx/>
+              <a:buFontTx/>
+              <a:buNone/>
+              <a:tabLst/>
+              <a:defRPr/>
+            </a:pPr>
+            <a:endParaRPr kumimoji="0" lang="zh-CN" altLang="en-US" sz="1800" b="0" i="0" u="none" strike="noStrike" kern="1200" cap="none" spc="0" normalizeH="0" baseline="0" noProof="0">
+              <a:ln>
+                <a:noFill/>
+              </a:ln>
+              <a:solidFill>
+                <a:prstClr val="white"/>
+              </a:solidFill>
+              <a:effectLst/>
+              <a:uLnTx/>
+              <a:uFillTx/>
+              <a:latin typeface="Arial" panose="020F0502020204030204"/>
+              <a:ea typeface="Microsoft YaHei"/>
+              <a:cs typeface="+mn-ea"/>
+              <a:sym typeface="+mn-lt"/>
+            </a:endParaRPr>
+          </a:p>
+        </p:txBody>
+      </p:sp>
+      <p:pic>
+        <p:nvPicPr>
+          <p:cNvPr id="170" name="图形 169">
+            <a:extLst>
+              <a:ext uri="{FF2B5EF4-FFF2-40B4-BE49-F238E27FC236}">
+                <a16:creationId xmlns:a16="http://schemas.microsoft.com/office/drawing/2014/main" id="{5A5B8011-6E7D-44AB-B1AE-3364C27C6CF1}"/>
+              </a:ext>
+            </a:extLst>
+          </p:cNvPr>
+          <p:cNvPicPr>
+            <a:picLocks noChangeAspect="1"/>
+          </p:cNvPicPr>
+          <p:nvPr/>
+        </p:nvPicPr>
+        <p:blipFill>
+          <a:blip r:embed="rId3">
+            <a:extLst>
+              <a:ext uri="{96DAC541-7B7A-43D3-8B79-37D633B846F1}">
+                <asvg:svgBlip xmlns:asvg="http://schemas.microsoft.com/office/drawing/2016/SVG/main" r:embed="rId4"/>
+              </a:ext>
+            </a:extLst>
+          </a:blip>
+          <a:stretch>
+            <a:fillRect/>
+          </a:stretch>
+        </p:blipFill>
+        <p:spPr>
+          <a:xfrm>
+            <a:off x="5070763" y="1572822"/>
+            <a:ext cx="5135421" cy="3712356"/>
+          </a:xfrm>
+          <a:prstGeom prst="rect">
+            <a:avLst/>
+          </a:prstGeom>
+        </p:spPr>
+      </p:pic>
+      <p:cxnSp>
+        <p:nvCxnSpPr>
+          <p:cNvPr id="171" name="直接连接符 170">
+            <a:extLst>
+              <a:ext uri="{FF2B5EF4-FFF2-40B4-BE49-F238E27FC236}">
+                <a16:creationId xmlns:a16="http://schemas.microsoft.com/office/drawing/2014/main" id="{2F663AE3-BB17-4A00-B330-EAE1828DAAA1}"/>
+              </a:ext>
+            </a:extLst>
+          </p:cNvPr>
+          <p:cNvCxnSpPr>
+            <a:cxnSpLocks/>
+          </p:cNvCxnSpPr>
+          <p:nvPr/>
+        </p:nvCxnSpPr>
+        <p:spPr>
+          <a:xfrm>
+            <a:off x="959459" y="3428999"/>
+            <a:ext cx="361341" cy="0"/>
+          </a:xfrm>
+          <a:prstGeom prst="line">
+            <a:avLst/>
+          </a:prstGeom>
+          <a:ln>
+            <a:solidFill>
+              <a:schemeClr val="bg1"/>
+            </a:solidFill>
+          </a:ln>
+        </p:spPr>
+        <p:style>
+          <a:lnRef idx="1">
+            <a:schemeClr val="accent1"/>
+          </a:lnRef>
+          <a:fillRef idx="0">
+            <a:schemeClr val="accent1"/>
+          </a:fillRef>
+          <a:effectRef idx="0">
+            <a:schemeClr val="accent1"/>
+          </a:effectRef>
+          <a:fontRef idx="minor">
+            <a:schemeClr val="tx1"/>
+          </a:fontRef>
+        </p:style>
+      </p:cxnSp>
+      <p:sp>
+        <p:nvSpPr>
+          <p:cNvPr id="173" name="文本占位符 3">
+            <a:extLst>
+              <a:ext uri="{FF2B5EF4-FFF2-40B4-BE49-F238E27FC236}">
+                <a16:creationId xmlns:a16="http://schemas.microsoft.com/office/drawing/2014/main" id="{D1350D61-3E23-458F-808C-AD11B7A59211}"/>
+              </a:ext>
+            </a:extLst>
+          </p:cNvPr>
+          <p:cNvSpPr txBox="1">
+            <a:spLocks/>
+          </p:cNvSpPr>
+          <p:nvPr/>
+        </p:nvSpPr>
+        <p:spPr>
+          <a:xfrm>
+            <a:off x="2144990" y="2652357"/>
+            <a:ext cx="2106499" cy="707886"/>
+          </a:xfrm>
+          <a:prstGeom prst="rect">
+            <a:avLst/>
+          </a:prstGeom>
+        </p:spPr>
+        <p:txBody>
+          <a:bodyPr vert="horz" lIns="91440" tIns="45720" rIns="91440" bIns="45720" rtlCol="0" anchor="ctr" anchorCtr="0">
+            <a:normAutofit/>
+          </a:bodyPr>
+          <a:lstStyle>
+            <a:defPPr>
+              <a:defRPr lang="zh-CN"/>
+            </a:defPPr>
+            <a:lvl1pPr marL="0" indent="0" algn="l" defTabSz="914400" rtl="0" eaLnBrk="1" latinLnBrk="0" hangingPunct="1">
+              <a:buFontTx/>
+              <a:buNone/>
+              <a:defRPr kumimoji="0" lang="zh-CN" altLang="en-US" sz="4000" b="1" i="0" u="none" strike="noStrike" kern="1200" cap="none" spc="0" normalizeH="0" baseline="0" dirty="0" smtClean="0">
+                <a:ln>
+                  <a:noFill/>
+                </a:ln>
+                <a:solidFill>
+                  <a:prstClr val="white"/>
+                </a:solidFill>
+                <a:effectLst/>
+                <a:uLnTx/>
+                <a:uFillTx/>
+                <a:latin typeface="Arial" panose="020F0502020204030204"/>
+                <a:ea typeface="Microsoft YaHei"/>
+                <a:cs typeface="+mn-ea"/>
+              </a:defRPr>
+            </a:lvl1pPr>
+            <a:lvl2pPr marL="457200" algn="l" defTabSz="914400" rtl="0" eaLnBrk="1" latinLnBrk="0" hangingPunct="1">
+              <a:defRPr sz="1800" kern="1200">
+                <a:solidFill>
+                  <a:schemeClr val="tx1"/>
+                </a:solidFill>
+                <a:latin typeface="+mn-lt"/>
+                <a:ea typeface="+mn-ea"/>
+                <a:cs typeface="+mn-cs"/>
+              </a:defRPr>
+            </a:lvl2pPr>
+            <a:lvl3pPr marL="914400" algn="l" defTabSz="914400" rtl="0" eaLnBrk="1" latinLnBrk="0" hangingPunct="1">
+              <a:defRPr sz="1800" kern="1200">
+                <a:solidFill>
+                  <a:schemeClr val="tx1"/>
+                </a:solidFill>
+                <a:latin typeface="+mn-lt"/>
+                <a:ea typeface="+mn-ea"/>
+                <a:cs typeface="+mn-cs"/>
+              </a:defRPr>
+            </a:lvl3pPr>
+            <a:lvl4pPr marL="1371600" algn="l" defTabSz="914400" rtl="0" eaLnBrk="1" latinLnBrk="0" hangingPunct="1">
+              <a:defRPr sz="1800" kern="1200">
+                <a:solidFill>
+                  <a:schemeClr val="tx1"/>
+                </a:solidFill>
+                <a:latin typeface="+mn-lt"/>
+                <a:ea typeface="+mn-ea"/>
+                <a:cs typeface="+mn-cs"/>
+              </a:defRPr>
+            </a:lvl4pPr>
+            <a:lvl5pPr marL="1828800" algn="l" defTabSz="914400" rtl="0" eaLnBrk="1" latinLnBrk="0" hangingPunct="1">
+              <a:defRPr sz="1800" kern="1200">
+                <a:solidFill>
+                  <a:schemeClr val="tx1"/>
+                </a:solidFill>
+                <a:latin typeface="+mn-lt"/>
+                <a:ea typeface="+mn-ea"/>
+                <a:cs typeface="+mn-cs"/>
+              </a:defRPr>
+            </a:lvl5pPr>
+            <a:lvl6pPr marL="2286000" algn="l" defTabSz="914400" rtl="0" eaLnBrk="1" latinLnBrk="0" hangingPunct="1">
+              <a:defRPr sz="1800" kern="1200">
+                <a:solidFill>
+                  <a:schemeClr val="tx1"/>
+                </a:solidFill>
+                <a:latin typeface="+mn-lt"/>
+                <a:ea typeface="+mn-ea"/>
+                <a:cs typeface="+mn-cs"/>
+              </a:defRPr>
+            </a:lvl6pPr>
+            <a:lvl7pPr marL="2743200" algn="l" defTabSz="914400" rtl="0" eaLnBrk="1" latinLnBrk="0" hangingPunct="1">
+              <a:defRPr sz="1800" kern="1200">
+                <a:solidFill>
+                  <a:schemeClr val="tx1"/>
+                </a:solidFill>
+                <a:latin typeface="+mn-lt"/>
+                <a:ea typeface="+mn-ea"/>
+                <a:cs typeface="+mn-cs"/>
+              </a:defRPr>
+            </a:lvl7pPr>
+            <a:lvl8pPr marL="3200400" algn="l" defTabSz="914400" rtl="0" eaLnBrk="1" latinLnBrk="0" hangingPunct="1">
+              <a:defRPr sz="1800" kern="1200">
+                <a:solidFill>
+                  <a:schemeClr val="tx1"/>
+                </a:solidFill>
+                <a:latin typeface="+mn-lt"/>
+                <a:ea typeface="+mn-ea"/>
+                <a:cs typeface="+mn-cs"/>
+              </a:defRPr>
+            </a:lvl8pPr>
+            <a:lvl9pPr marL="3657600" algn="l" defTabSz="914400" rtl="0" eaLnBrk="1" latinLnBrk="0" hangingPunct="1">
+              <a:defRPr sz="1800" kern="1200">
+                <a:solidFill>
+                  <a:schemeClr val="tx1"/>
+                </a:solidFill>
+                <a:latin typeface="+mn-lt"/>
+                <a:ea typeface="+mn-ea"/>
+                <a:cs typeface="+mn-cs"/>
+              </a:defRPr>
+            </a:lvl9pPr>
+          </a:lstStyle>
+          <a:p>
+            <a:pPr>
+              <a:defRPr/>
+            </a:pPr>
+            <a:r>
+              <a:rPr lang="en-US" altLang="zh-CN" sz="3200" dirty="0"/>
+              <a:t>01</a:t>
+            </a:r>
+            <a:endParaRPr lang="en-US" sz="3200" dirty="0"/>
+          </a:p>
+        </p:txBody>
+      </p:sp>
+      <p:sp>
+        <p:nvSpPr>
+          <p:cNvPr id="174" name="矩形 173">
+            <a:extLst>
+              <a:ext uri="{FF2B5EF4-FFF2-40B4-BE49-F238E27FC236}">
+                <a16:creationId xmlns:a16="http://schemas.microsoft.com/office/drawing/2014/main" id="{F7C32533-F4BD-4563-B6AE-79A5CD616B7B}"/>
+              </a:ext>
+            </a:extLst>
+          </p:cNvPr>
+          <p:cNvSpPr/>
+          <p:nvPr/>
+        </p:nvSpPr>
+        <p:spPr>
+          <a:xfrm>
+            <a:off x="875308" y="2713913"/>
+            <a:ext cx="1503040" cy="584775"/>
+          </a:xfrm>
+          <a:prstGeom prst="rect">
+            <a:avLst/>
+          </a:prstGeom>
+        </p:spPr>
+        <p:txBody>
+          <a:bodyPr wrap="square">
+            <a:spAutoFit/>
+          </a:bodyPr>
+          <a:lstStyle/>
+          <a:p>
+            <a:r>
+              <a:rPr kumimoji="0" lang="en-US" altLang="zh-CN" sz="3200" b="0" i="0" u="none" strike="noStrike" kern="1200" cap="none" spc="0" normalizeH="0" baseline="0" dirty="0">
+                <a:ln>
+                  <a:noFill/>
+                </a:ln>
+                <a:solidFill>
+                  <a:prstClr val="white"/>
+                </a:solidFill>
+                <a:effectLst/>
+                <a:uLnTx/>
+                <a:uFillTx/>
+                <a:latin typeface="Arial" panose="020F0502020204030204"/>
+                <a:ea typeface="Microsoft YaHei"/>
+                <a:cs typeface="+mn-ea"/>
+              </a:rPr>
+              <a:t>PART</a:t>
+            </a:r>
+            <a:endParaRPr kumimoji="0" lang="zh-CN" altLang="en-US" sz="3200" b="0" i="0" u="none" strike="noStrike" kern="1200" cap="none" spc="0" normalizeH="0" baseline="0" dirty="0">
+              <a:ln>
+                <a:noFill/>
+              </a:ln>
+              <a:solidFill>
+                <a:prstClr val="white"/>
+              </a:solidFill>
+              <a:effectLst/>
+              <a:uLnTx/>
+              <a:uFillTx/>
+              <a:latin typeface="Arial" panose="020F0502020204030204"/>
+              <a:ea typeface="Microsoft YaHei"/>
+              <a:cs typeface="+mn-ea"/>
+            </a:endParaRPr>
+          </a:p>
+        </p:txBody>
+      </p:sp>
+      <p:sp>
+        <p:nvSpPr>
+          <p:cNvPr id="175" name="文本占位符 3">
+            <a:extLst>
+              <a:ext uri="{FF2B5EF4-FFF2-40B4-BE49-F238E27FC236}">
+                <a16:creationId xmlns:a16="http://schemas.microsoft.com/office/drawing/2014/main" id="{CAF1CD63-23DA-452F-B920-AC2CAA27B1B1}"/>
+              </a:ext>
+            </a:extLst>
+          </p:cNvPr>
+          <p:cNvSpPr txBox="1">
+            <a:spLocks/>
+          </p:cNvSpPr>
+          <p:nvPr/>
+        </p:nvSpPr>
+        <p:spPr>
+          <a:xfrm>
+            <a:off x="875308" y="3520752"/>
+            <a:ext cx="7299999" cy="887667"/>
+          </a:xfrm>
+          <a:prstGeom prst="rect">
+            <a:avLst/>
+          </a:prstGeom>
+        </p:spPr>
+        <p:txBody>
+          <a:bodyPr vert="horz" lIns="91440" tIns="45720" rIns="91440" bIns="45720" rtlCol="0" anchor="ctr">
+            <a:noAutofit/>
+          </a:bodyPr>
+          <a:lstStyle>
+            <a:defPPr>
+              <a:defRPr lang="zh-CN"/>
+            </a:defPPr>
+            <a:lvl1pPr marL="0" indent="0" algn="ctr" defTabSz="914400" rtl="0" eaLnBrk="1" latinLnBrk="0" hangingPunct="1">
+              <a:buFontTx/>
+              <a:buNone/>
+              <a:defRPr lang="zh-CN" altLang="en-US" sz="4800" b="1" kern="1200" spc="400" dirty="0" smtClean="0">
+                <a:solidFill>
+                  <a:prstClr val="white"/>
+                </a:solidFill>
+                <a:latin typeface="Arial" panose="020F0502020204030204"/>
+                <a:ea typeface="Microsoft YaHei"/>
+                <a:cs typeface="+mn-ea"/>
+              </a:defRPr>
+            </a:lvl1pPr>
+            <a:lvl2pPr marL="457200" algn="l" defTabSz="914400" rtl="0" eaLnBrk="1" latinLnBrk="0" hangingPunct="1">
+              <a:defRPr sz="1800" kern="1200">
+                <a:solidFill>
+                  <a:schemeClr val="tx1"/>
+                </a:solidFill>
+                <a:latin typeface="+mn-lt"/>
+                <a:ea typeface="+mn-ea"/>
+                <a:cs typeface="+mn-cs"/>
+              </a:defRPr>
+            </a:lvl2pPr>
+            <a:lvl3pPr marL="914400" algn="l" defTabSz="914400" rtl="0" eaLnBrk="1" latinLnBrk="0" hangingPunct="1">
+              <a:defRPr sz="1800" kern="1200">
+                <a:solidFill>
+                  <a:schemeClr val="tx1"/>
+                </a:solidFill>
+                <a:latin typeface="+mn-lt"/>
+                <a:ea typeface="+mn-ea"/>
+                <a:cs typeface="+mn-cs"/>
+              </a:defRPr>
+            </a:lvl3pPr>
+            <a:lvl4pPr marL="1371600" algn="l" defTabSz="914400" rtl="0" eaLnBrk="1" latinLnBrk="0" hangingPunct="1">
+              <a:defRPr sz="1800" kern="1200">
+                <a:solidFill>
+                  <a:schemeClr val="tx1"/>
+                </a:solidFill>
+                <a:latin typeface="+mn-lt"/>
+                <a:ea typeface="+mn-ea"/>
+                <a:cs typeface="+mn-cs"/>
+              </a:defRPr>
+            </a:lvl4pPr>
+            <a:lvl5pPr marL="1828800" algn="l" defTabSz="914400" rtl="0" eaLnBrk="1" latinLnBrk="0" hangingPunct="1">
+              <a:defRPr sz="1800" kern="1200">
+                <a:solidFill>
+                  <a:schemeClr val="tx1"/>
+                </a:solidFill>
+                <a:latin typeface="+mn-lt"/>
+                <a:ea typeface="+mn-ea"/>
+                <a:cs typeface="+mn-cs"/>
+              </a:defRPr>
+            </a:lvl5pPr>
+            <a:lvl6pPr marL="2286000" algn="l" defTabSz="914400" rtl="0" eaLnBrk="1" latinLnBrk="0" hangingPunct="1">
+              <a:defRPr sz="1800" kern="1200">
+                <a:solidFill>
+                  <a:schemeClr val="tx1"/>
+                </a:solidFill>
+                <a:latin typeface="+mn-lt"/>
+                <a:ea typeface="+mn-ea"/>
+                <a:cs typeface="+mn-cs"/>
+              </a:defRPr>
+            </a:lvl6pPr>
+            <a:lvl7pPr marL="2743200" algn="l" defTabSz="914400" rtl="0" eaLnBrk="1" latinLnBrk="0" hangingPunct="1">
+              <a:defRPr sz="1800" kern="1200">
+                <a:solidFill>
+                  <a:schemeClr val="tx1"/>
+                </a:solidFill>
+                <a:latin typeface="+mn-lt"/>
+                <a:ea typeface="+mn-ea"/>
+                <a:cs typeface="+mn-cs"/>
+              </a:defRPr>
+            </a:lvl7pPr>
+            <a:lvl8pPr marL="3200400" algn="l" defTabSz="914400" rtl="0" eaLnBrk="1" latinLnBrk="0" hangingPunct="1">
+              <a:defRPr sz="1800" kern="1200">
+                <a:solidFill>
+                  <a:schemeClr val="tx1"/>
+                </a:solidFill>
+                <a:latin typeface="+mn-lt"/>
+                <a:ea typeface="+mn-ea"/>
+                <a:cs typeface="+mn-cs"/>
+              </a:defRPr>
+            </a:lvl8pPr>
+            <a:lvl9pPr marL="3657600" algn="l" defTabSz="914400" rtl="0" eaLnBrk="1" latinLnBrk="0" hangingPunct="1">
+              <a:defRPr sz="1800" kern="1200">
+                <a:solidFill>
+                  <a:schemeClr val="tx1"/>
+                </a:solidFill>
+                <a:latin typeface="+mn-lt"/>
+                <a:ea typeface="+mn-ea"/>
+                <a:cs typeface="+mn-cs"/>
+              </a:defRPr>
+            </a:lvl9pPr>
+          </a:lstStyle>
+          <a:p>
+            <a:pPr algn="l">
+              <a:defRPr/>
+            </a:pPr>
+            <a:r>
+              <a:rPr lang="zh-CN" altLang="en-US" sz="3600" dirty="0"/>
+              <a:t>绪    论</a:t>
+            </a:r>
+          </a:p>
+        </p:txBody>
+      </p:sp>
+      <p:sp>
+        <p:nvSpPr>
+          <p:cNvPr id="190" name="灯片编号占位符 189">
+            <a:extLst>
+              <a:ext uri="{FF2B5EF4-FFF2-40B4-BE49-F238E27FC236}">
+                <a16:creationId xmlns:a16="http://schemas.microsoft.com/office/drawing/2014/main" id="{42F362A2-45BD-40A2-A244-95437A3D5084}"/>
+              </a:ext>
+            </a:extLst>
+          </p:cNvPr>
+          <p:cNvSpPr>
+            <a:spLocks noGrp="1"/>
+          </p:cNvSpPr>
+          <p:nvPr>
+            <p:ph type="sldNum" sz="quarter" idx="12"/>
+          </p:nvPr>
+        </p:nvSpPr>
+        <p:spPr/>
+        <p:txBody>
+          <a:bodyPr/>
+          <a:lstStyle/>
+          <a:p>
+            <a:fld id="{1003C2F6-E224-4DE8-ABB8-1B4A7B626BCD}" type="slidenum">
+              <a:rPr lang="zh-CN" altLang="en-US" smtClean="0"/>
+              <a:pPr/>
+              <a:t>3</a:t>
+            </a:fld>
+            <a:r>
+              <a:rPr lang="en-US" altLang="zh-CN"/>
+              <a:t>/50</a:t>
+            </a:r>
+            <a:endParaRPr lang="zh-CN" altLang="en-US" dirty="0"/>
+          </a:p>
+        </p:txBody>
+      </p:sp>
+      <p:sp>
+        <p:nvSpPr>
+          <p:cNvPr id="191" name="文本框 190">
+            <a:extLst>
+              <a:ext uri="{FF2B5EF4-FFF2-40B4-BE49-F238E27FC236}">
+                <a16:creationId xmlns:a16="http://schemas.microsoft.com/office/drawing/2014/main" id="{F8ECAB25-5BA6-48C6-ACFC-8560250B1A7A}"/>
+              </a:ext>
+            </a:extLst>
+          </p:cNvPr>
+          <p:cNvSpPr txBox="1"/>
+          <p:nvPr/>
+        </p:nvSpPr>
+        <p:spPr>
+          <a:xfrm>
+            <a:off x="899118" y="4247593"/>
+            <a:ext cx="2106499" cy="461665"/>
+          </a:xfrm>
+          <a:prstGeom prst="rect">
+            <a:avLst/>
+          </a:prstGeom>
+          <a:noFill/>
+        </p:spPr>
+        <p:txBody>
+          <a:bodyPr wrap="square" rtlCol="0">
+            <a:spAutoFit/>
+          </a:bodyPr>
+          <a:lstStyle/>
+          <a:p>
+            <a:r>
+              <a:rPr lang="en-US" altLang="zh-CN" sz="2400" dirty="0">
+                <a:solidFill>
+                  <a:schemeClr val="bg1">
+                    <a:alpha val="60000"/>
+                  </a:schemeClr>
+                </a:solidFill>
+                <a:latin typeface="Arial" panose="020B0604020202020204" pitchFamily="34" charset="0"/>
+                <a:cs typeface="Arial" panose="020B0604020202020204" pitchFamily="34" charset="0"/>
+              </a:rPr>
+              <a:t>Introduction</a:t>
+            </a:r>
+            <a:endParaRPr lang="zh-CN" altLang="en-US" sz="2400" dirty="0">
+              <a:solidFill>
+                <a:schemeClr val="bg1">
+                  <a:alpha val="60000"/>
+                </a:schemeClr>
+              </a:solidFill>
+              <a:latin typeface="Arial" panose="020B0604020202020204" pitchFamily="34" charset="0"/>
+              <a:cs typeface="Arial" panose="020B0604020202020204" pitchFamily="34" charset="0"/>
+            </a:endParaRPr>
+          </a:p>
+        </p:txBody>
+      </p:sp>
+    </p:spTree>
+    <p:extLst>
+      <p:ext uri="{BB962C8B-B14F-4D97-AF65-F5344CB8AC3E}">
+        <p14:creationId xmlns:p14="http://schemas.microsoft.com/office/powerpoint/2010/main" val="1677695143"/>
+      </p:ext>
+    </p:extLst>
+  </p:cSld>
+  <p:clrMapOvr>
+    <a:masterClrMapping/>
+  </p:clrMapOvr>
+</p:sld>
+</file>
+
+<file path=ppt/slides/slide4.xml><?xml version="1.0" encoding="utf-8"?>
+<p:sld xmlns:a="http://schemas.openxmlformats.org/drawingml/2006/main" xmlns:r="http://schemas.openxmlformats.org/officeDocument/2006/relationships" xmlns:p="http://schemas.openxmlformats.org/presentationml/2006/main">
+  <p:cSld>
+    <p:spTree>
+      <p:nvGrpSpPr>
+        <p:cNvPr id="1" name=""/>
+        <p:cNvGrpSpPr/>
+        <p:nvPr/>
+      </p:nvGrpSpPr>
+      <p:grpSpPr>
+        <a:xfrm>
+          <a:off x="0" y="0"/>
+          <a:ext cx="0" cy="0"/>
+          <a:chOff x="0" y="0"/>
+          <a:chExt cx="0" cy="0"/>
+        </a:xfrm>
+      </p:grpSpPr>
+      <p:pic>
+        <p:nvPicPr>
+          <p:cNvPr id="168" name="图片 167">
+            <a:extLst>
+              <a:ext uri="{FF2B5EF4-FFF2-40B4-BE49-F238E27FC236}">
+                <a16:creationId xmlns:a16="http://schemas.microsoft.com/office/drawing/2014/main" id="{AC4DFD5A-B18D-4B34-AC6D-86280278FC73}"/>
+              </a:ext>
+            </a:extLst>
+          </p:cNvPr>
+          <p:cNvPicPr>
+            <a:picLocks noChangeAspect="1"/>
+          </p:cNvPicPr>
+          <p:nvPr/>
+        </p:nvPicPr>
+        <p:blipFill>
+          <a:blip r:embed="rId2"/>
+          <a:stretch>
+            <a:fillRect/>
+          </a:stretch>
+        </p:blipFill>
+        <p:spPr>
+          <a:xfrm>
+            <a:off x="537736" y="541314"/>
+            <a:ext cx="2249619" cy="658425"/>
+          </a:xfrm>
+          <a:prstGeom prst="rect">
+            <a:avLst/>
+          </a:prstGeom>
+        </p:spPr>
+      </p:pic>
+      <p:sp>
+        <p:nvSpPr>
+          <p:cNvPr id="169" name="矩形 168">
+            <a:extLst>
+              <a:ext uri="{FF2B5EF4-FFF2-40B4-BE49-F238E27FC236}">
+                <a16:creationId xmlns:a16="http://schemas.microsoft.com/office/drawing/2014/main" id="{3274587D-36EC-4195-8AD2-DD23F49152B2}"/>
+              </a:ext>
+            </a:extLst>
+          </p:cNvPr>
+          <p:cNvSpPr/>
+          <p:nvPr/>
+        </p:nvSpPr>
+        <p:spPr>
+          <a:xfrm>
+            <a:off x="0" y="1764872"/>
+            <a:ext cx="9144000" cy="3328257"/>
+          </a:xfrm>
+          <a:prstGeom prst="rect">
+            <a:avLst/>
+          </a:prstGeom>
+          <a:solidFill>
+            <a:srgbClr val="9A0001"/>
+          </a:solidFill>
+          <a:ln w="0">
+            <a:noFill/>
+          </a:ln>
+        </p:spPr>
+        <p:style>
+          <a:lnRef idx="2">
+            <a:schemeClr val="accent1">
+              <a:shade val="50000"/>
+            </a:schemeClr>
+          </a:lnRef>
+          <a:fillRef idx="1">
+            <a:schemeClr val="accent1"/>
+          </a:fillRef>
+          <a:effectRef idx="0">
+            <a:schemeClr val="accent1"/>
+          </a:effectRef>
+          <a:fontRef idx="minor">
+            <a:schemeClr val="lt1"/>
+          </a:fontRef>
+        </p:style>
+        <p:txBody>
+          <a:bodyPr rot="0" spcFirstLastPara="0" vertOverflow="overflow" horzOverflow="overflow" vert="horz" wrap="square" lIns="91440" tIns="45720" rIns="91440" bIns="45720" numCol="1" spcCol="0" rtlCol="0" fromWordArt="0" anchor="ctr" anchorCtr="0" forceAA="0" compatLnSpc="1">
+            <a:prstTxWarp prst="textNoShape">
+              <a:avLst/>
+            </a:prstTxWarp>
+            <a:noAutofit/>
+          </a:bodyPr>
+          <a:lstStyle/>
+          <a:p>
+            <a:pPr marL="0" marR="0" lvl="0" indent="0" algn="ctr" defTabSz="914400" rtl="0" eaLnBrk="1" fontAlgn="auto" latinLnBrk="0" hangingPunct="1">
+              <a:lnSpc>
+                <a:spcPct val="100000"/>
+              </a:lnSpc>
+              <a:spcBef>
+                <a:spcPts val="0"/>
+              </a:spcBef>
+              <a:spcAft>
+                <a:spcPts val="0"/>
+              </a:spcAft>
+              <a:buClrTx/>
+              <a:buSzTx/>
+              <a:buFontTx/>
+              <a:buNone/>
+              <a:tabLst/>
+              <a:defRPr/>
+            </a:pPr>
+            <a:endParaRPr kumimoji="0" lang="zh-CN" altLang="en-US" sz="1800" b="0" i="0" u="none" strike="noStrike" kern="1200" cap="none" spc="0" normalizeH="0" baseline="0" noProof="0">
+              <a:ln>
+                <a:noFill/>
+              </a:ln>
+              <a:solidFill>
+                <a:prstClr val="white"/>
+              </a:solidFill>
+              <a:effectLst/>
+              <a:uLnTx/>
+              <a:uFillTx/>
+              <a:latin typeface="Arial" panose="020F0502020204030204"/>
+              <a:ea typeface="Microsoft YaHei"/>
+              <a:cs typeface="+mn-ea"/>
+              <a:sym typeface="+mn-lt"/>
+            </a:endParaRPr>
+          </a:p>
+        </p:txBody>
+      </p:sp>
+      <p:pic>
+        <p:nvPicPr>
+          <p:cNvPr id="170" name="图形 169">
+            <a:extLst>
+              <a:ext uri="{FF2B5EF4-FFF2-40B4-BE49-F238E27FC236}">
+                <a16:creationId xmlns:a16="http://schemas.microsoft.com/office/drawing/2014/main" id="{5A5B8011-6E7D-44AB-B1AE-3364C27C6CF1}"/>
+              </a:ext>
+            </a:extLst>
+          </p:cNvPr>
+          <p:cNvPicPr>
+            <a:picLocks noChangeAspect="1"/>
+          </p:cNvPicPr>
+          <p:nvPr/>
+        </p:nvPicPr>
+        <p:blipFill>
+          <a:blip r:embed="rId3">
+            <a:extLst>
+              <a:ext uri="{96DAC541-7B7A-43D3-8B79-37D633B846F1}">
+                <asvg:svgBlip xmlns:asvg="http://schemas.microsoft.com/office/drawing/2016/SVG/main" r:embed="rId4"/>
+              </a:ext>
+            </a:extLst>
+          </a:blip>
+          <a:stretch>
+            <a:fillRect/>
+          </a:stretch>
+        </p:blipFill>
+        <p:spPr>
+          <a:xfrm>
+            <a:off x="5070763" y="1572822"/>
+            <a:ext cx="5135421" cy="3712356"/>
+          </a:xfrm>
+          <a:prstGeom prst="rect">
+            <a:avLst/>
+          </a:prstGeom>
+        </p:spPr>
+      </p:pic>
+      <p:cxnSp>
+        <p:nvCxnSpPr>
+          <p:cNvPr id="171" name="直接连接符 170">
+            <a:extLst>
+              <a:ext uri="{FF2B5EF4-FFF2-40B4-BE49-F238E27FC236}">
+                <a16:creationId xmlns:a16="http://schemas.microsoft.com/office/drawing/2014/main" id="{2F663AE3-BB17-4A00-B330-EAE1828DAAA1}"/>
+              </a:ext>
+            </a:extLst>
+          </p:cNvPr>
+          <p:cNvCxnSpPr>
+            <a:cxnSpLocks/>
+          </p:cNvCxnSpPr>
+          <p:nvPr/>
+        </p:nvCxnSpPr>
+        <p:spPr>
+          <a:xfrm>
+            <a:off x="959459" y="3428999"/>
+            <a:ext cx="361341" cy="0"/>
+          </a:xfrm>
+          <a:prstGeom prst="line">
+            <a:avLst/>
+          </a:prstGeom>
+          <a:ln>
+            <a:solidFill>
+              <a:schemeClr val="bg1"/>
+            </a:solidFill>
+          </a:ln>
+        </p:spPr>
+        <p:style>
+          <a:lnRef idx="1">
+            <a:schemeClr val="accent1"/>
+          </a:lnRef>
+          <a:fillRef idx="0">
+            <a:schemeClr val="accent1"/>
+          </a:fillRef>
+          <a:effectRef idx="0">
+            <a:schemeClr val="accent1"/>
+          </a:effectRef>
+          <a:fontRef idx="minor">
+            <a:schemeClr val="tx1"/>
+          </a:fontRef>
+        </p:style>
+      </p:cxnSp>
+      <p:sp>
+        <p:nvSpPr>
+          <p:cNvPr id="13" name="灯片编号占位符 12">
+            <a:extLst>
+              <a:ext uri="{FF2B5EF4-FFF2-40B4-BE49-F238E27FC236}">
+                <a16:creationId xmlns:a16="http://schemas.microsoft.com/office/drawing/2014/main" id="{BF9744B2-6F7D-47BB-9E28-5456C3BB4AA6}"/>
+              </a:ext>
+            </a:extLst>
+          </p:cNvPr>
+          <p:cNvSpPr>
+            <a:spLocks noGrp="1"/>
+          </p:cNvSpPr>
+          <p:nvPr>
+            <p:ph type="sldNum" sz="quarter" idx="12"/>
+          </p:nvPr>
+        </p:nvSpPr>
+        <p:spPr/>
+        <p:txBody>
+          <a:bodyPr/>
+          <a:lstStyle/>
+          <a:p>
+            <a:fld id="{1003C2F6-E224-4DE8-ABB8-1B4A7B626BCD}" type="slidenum">
+              <a:rPr lang="zh-CN" altLang="en-US" smtClean="0"/>
+              <a:pPr/>
+              <a:t>4</a:t>
+            </a:fld>
+            <a:r>
+              <a:rPr lang="en-US" altLang="zh-CN"/>
+              <a:t>/50</a:t>
+            </a:r>
+            <a:endParaRPr lang="zh-CN" altLang="en-US" dirty="0"/>
+          </a:p>
+        </p:txBody>
+      </p:sp>
+      <p:sp>
+        <p:nvSpPr>
+          <p:cNvPr id="22" name="矩形 21">
+            <a:extLst>
+              <a:ext uri="{FF2B5EF4-FFF2-40B4-BE49-F238E27FC236}">
+                <a16:creationId xmlns:a16="http://schemas.microsoft.com/office/drawing/2014/main" id="{FCCDD683-4A3A-4648-AD46-6B5032017187}"/>
+              </a:ext>
+            </a:extLst>
+          </p:cNvPr>
+          <p:cNvSpPr/>
+          <p:nvPr/>
+        </p:nvSpPr>
+        <p:spPr>
+          <a:xfrm>
+            <a:off x="875308" y="2713913"/>
+            <a:ext cx="1503040" cy="584775"/>
+          </a:xfrm>
+          <a:prstGeom prst="rect">
+            <a:avLst/>
+          </a:prstGeom>
+        </p:spPr>
+        <p:txBody>
+          <a:bodyPr wrap="square">
+            <a:spAutoFit/>
+          </a:bodyPr>
+          <a:lstStyle/>
+          <a:p>
+            <a:r>
+              <a:rPr kumimoji="0" lang="en-US" altLang="zh-CN" sz="3200" b="0" i="0" u="none" strike="noStrike" kern="1200" cap="none" spc="0" normalizeH="0" baseline="0" dirty="0">
+                <a:ln>
+                  <a:noFill/>
+                </a:ln>
+                <a:solidFill>
+                  <a:prstClr val="white"/>
+                </a:solidFill>
+                <a:effectLst/>
+                <a:uLnTx/>
+                <a:uFillTx/>
+                <a:latin typeface="Arial" panose="020F0502020204030204"/>
+                <a:ea typeface="Microsoft YaHei"/>
+                <a:cs typeface="+mn-ea"/>
+              </a:rPr>
+              <a:t>PART</a:t>
+            </a:r>
+            <a:endParaRPr kumimoji="0" lang="zh-CN" altLang="en-US" sz="3200" b="0" i="0" u="none" strike="noStrike" kern="1200" cap="none" spc="0" normalizeH="0" baseline="0" dirty="0">
+              <a:ln>
+                <a:noFill/>
+              </a:ln>
+              <a:solidFill>
+                <a:prstClr val="white"/>
+              </a:solidFill>
+              <a:effectLst/>
+              <a:uLnTx/>
+              <a:uFillTx/>
+              <a:latin typeface="Arial" panose="020F0502020204030204"/>
+              <a:ea typeface="Microsoft YaHei"/>
+              <a:cs typeface="+mn-ea"/>
+            </a:endParaRPr>
+          </a:p>
+        </p:txBody>
+      </p:sp>
+      <p:sp>
+        <p:nvSpPr>
+          <p:cNvPr id="23" name="文本占位符 3">
+            <a:extLst>
+              <a:ext uri="{FF2B5EF4-FFF2-40B4-BE49-F238E27FC236}">
+                <a16:creationId xmlns:a16="http://schemas.microsoft.com/office/drawing/2014/main" id="{55A74BBA-38F9-4370-B8A4-E53BC646F160}"/>
+              </a:ext>
+            </a:extLst>
+          </p:cNvPr>
+          <p:cNvSpPr txBox="1">
+            <a:spLocks/>
+          </p:cNvSpPr>
+          <p:nvPr/>
+        </p:nvSpPr>
+        <p:spPr>
+          <a:xfrm>
+            <a:off x="2144990" y="2652357"/>
+            <a:ext cx="2106499" cy="707886"/>
+          </a:xfrm>
+          <a:prstGeom prst="rect">
+            <a:avLst/>
+          </a:prstGeom>
+        </p:spPr>
+        <p:txBody>
+          <a:bodyPr vert="horz" lIns="91440" tIns="45720" rIns="91440" bIns="45720" rtlCol="0" anchor="ctr" anchorCtr="0">
+            <a:normAutofit/>
+          </a:bodyPr>
+          <a:lstStyle>
+            <a:defPPr>
+              <a:defRPr lang="zh-CN"/>
+            </a:defPPr>
+            <a:lvl1pPr marL="0" indent="0" algn="l" defTabSz="914400" rtl="0" eaLnBrk="1" latinLnBrk="0" hangingPunct="1">
+              <a:buFontTx/>
+              <a:buNone/>
+              <a:defRPr kumimoji="0" lang="zh-CN" altLang="en-US" sz="4000" b="1" i="0" u="none" strike="noStrike" kern="1200" cap="none" spc="0" normalizeH="0" baseline="0" dirty="0" smtClean="0">
+                <a:ln>
+                  <a:noFill/>
+                </a:ln>
+                <a:solidFill>
+                  <a:prstClr val="white"/>
+                </a:solidFill>
+                <a:effectLst/>
+                <a:uLnTx/>
+                <a:uFillTx/>
+                <a:latin typeface="Arial" panose="020F0502020204030204"/>
+                <a:ea typeface="Microsoft YaHei"/>
+                <a:cs typeface="+mn-ea"/>
+              </a:defRPr>
+            </a:lvl1pPr>
+            <a:lvl2pPr marL="457200" algn="l" defTabSz="914400" rtl="0" eaLnBrk="1" latinLnBrk="0" hangingPunct="1">
+              <a:defRPr sz="1800" kern="1200">
+                <a:solidFill>
+                  <a:schemeClr val="tx1"/>
+                </a:solidFill>
+                <a:latin typeface="+mn-lt"/>
+                <a:ea typeface="+mn-ea"/>
+                <a:cs typeface="+mn-cs"/>
+              </a:defRPr>
+            </a:lvl2pPr>
+            <a:lvl3pPr marL="914400" algn="l" defTabSz="914400" rtl="0" eaLnBrk="1" latinLnBrk="0" hangingPunct="1">
+              <a:defRPr sz="1800" kern="1200">
+                <a:solidFill>
+                  <a:schemeClr val="tx1"/>
+                </a:solidFill>
+                <a:latin typeface="+mn-lt"/>
+                <a:ea typeface="+mn-ea"/>
+                <a:cs typeface="+mn-cs"/>
+              </a:defRPr>
+            </a:lvl3pPr>
+            <a:lvl4pPr marL="1371600" algn="l" defTabSz="914400" rtl="0" eaLnBrk="1" latinLnBrk="0" hangingPunct="1">
+              <a:defRPr sz="1800" kern="1200">
+                <a:solidFill>
+                  <a:schemeClr val="tx1"/>
+                </a:solidFill>
+                <a:latin typeface="+mn-lt"/>
+                <a:ea typeface="+mn-ea"/>
+                <a:cs typeface="+mn-cs"/>
+              </a:defRPr>
+            </a:lvl4pPr>
+            <a:lvl5pPr marL="1828800" algn="l" defTabSz="914400" rtl="0" eaLnBrk="1" latinLnBrk="0" hangingPunct="1">
+              <a:defRPr sz="1800" kern="1200">
+                <a:solidFill>
+                  <a:schemeClr val="tx1"/>
+                </a:solidFill>
+                <a:latin typeface="+mn-lt"/>
+                <a:ea typeface="+mn-ea"/>
+                <a:cs typeface="+mn-cs"/>
+              </a:defRPr>
+            </a:lvl5pPr>
+            <a:lvl6pPr marL="2286000" algn="l" defTabSz="914400" rtl="0" eaLnBrk="1" latinLnBrk="0" hangingPunct="1">
+              <a:defRPr sz="1800" kern="1200">
+                <a:solidFill>
+                  <a:schemeClr val="tx1"/>
+                </a:solidFill>
+                <a:latin typeface="+mn-lt"/>
+                <a:ea typeface="+mn-ea"/>
+                <a:cs typeface="+mn-cs"/>
+              </a:defRPr>
+            </a:lvl6pPr>
+            <a:lvl7pPr marL="2743200" algn="l" defTabSz="914400" rtl="0" eaLnBrk="1" latinLnBrk="0" hangingPunct="1">
+              <a:defRPr sz="1800" kern="1200">
+                <a:solidFill>
+                  <a:schemeClr val="tx1"/>
+                </a:solidFill>
+                <a:latin typeface="+mn-lt"/>
+                <a:ea typeface="+mn-ea"/>
+                <a:cs typeface="+mn-cs"/>
+              </a:defRPr>
+            </a:lvl7pPr>
+            <a:lvl8pPr marL="3200400" algn="l" defTabSz="914400" rtl="0" eaLnBrk="1" latinLnBrk="0" hangingPunct="1">
+              <a:defRPr sz="1800" kern="1200">
+                <a:solidFill>
+                  <a:schemeClr val="tx1"/>
+                </a:solidFill>
+                <a:latin typeface="+mn-lt"/>
+                <a:ea typeface="+mn-ea"/>
+                <a:cs typeface="+mn-cs"/>
+              </a:defRPr>
+            </a:lvl8pPr>
+            <a:lvl9pPr marL="3657600" algn="l" defTabSz="914400" rtl="0" eaLnBrk="1" latinLnBrk="0" hangingPunct="1">
+              <a:defRPr sz="1800" kern="1200">
+                <a:solidFill>
+                  <a:schemeClr val="tx1"/>
+                </a:solidFill>
+                <a:latin typeface="+mn-lt"/>
+                <a:ea typeface="+mn-ea"/>
+                <a:cs typeface="+mn-cs"/>
+              </a:defRPr>
+            </a:lvl9pPr>
+          </a:lstStyle>
+          <a:p>
+            <a:pPr>
+              <a:defRPr/>
+            </a:pPr>
+            <a:r>
+              <a:rPr lang="en-US" altLang="zh-CN" sz="3200" dirty="0"/>
+              <a:t>02</a:t>
+            </a:r>
+            <a:endParaRPr lang="en-US" sz="3200" dirty="0"/>
+          </a:p>
+        </p:txBody>
+      </p:sp>
+      <p:sp>
+        <p:nvSpPr>
+          <p:cNvPr id="24" name="文本框 23">
+            <a:extLst>
+              <a:ext uri="{FF2B5EF4-FFF2-40B4-BE49-F238E27FC236}">
+                <a16:creationId xmlns:a16="http://schemas.microsoft.com/office/drawing/2014/main" id="{076B122E-A234-4633-9412-FF1CF7B3B6A2}"/>
+              </a:ext>
+            </a:extLst>
+          </p:cNvPr>
+          <p:cNvSpPr txBox="1"/>
+          <p:nvPr/>
+        </p:nvSpPr>
+        <p:spPr>
+          <a:xfrm>
+            <a:off x="899118" y="4247593"/>
+            <a:ext cx="2998627" cy="461665"/>
+          </a:xfrm>
+          <a:prstGeom prst="rect">
+            <a:avLst/>
+          </a:prstGeom>
+          <a:noFill/>
+        </p:spPr>
+        <p:txBody>
+          <a:bodyPr wrap="square" rtlCol="0">
+            <a:spAutoFit/>
+          </a:bodyPr>
+          <a:lstStyle/>
+          <a:p>
+            <a:r>
+              <a:rPr lang="en-US" altLang="zh-CN" sz="2400" dirty="0">
+                <a:solidFill>
+                  <a:schemeClr val="bg1">
+                    <a:alpha val="60000"/>
+                  </a:schemeClr>
+                </a:solidFill>
+                <a:latin typeface="Arial" panose="020B0604020202020204" pitchFamily="34" charset="0"/>
+                <a:cs typeface="Arial" panose="020B0604020202020204" pitchFamily="34" charset="0"/>
+              </a:rPr>
+              <a:t>Literature Review</a:t>
+            </a:r>
+            <a:endParaRPr lang="zh-CN" altLang="en-US" sz="2400" dirty="0">
+              <a:solidFill>
+                <a:schemeClr val="bg1">
+                  <a:alpha val="60000"/>
+                </a:schemeClr>
+              </a:solidFill>
+              <a:latin typeface="Arial" panose="020B0604020202020204" pitchFamily="34" charset="0"/>
+              <a:cs typeface="Arial" panose="020B0604020202020204" pitchFamily="34" charset="0"/>
+            </a:endParaRPr>
+          </a:p>
+        </p:txBody>
+      </p:sp>
+      <p:sp>
+        <p:nvSpPr>
+          <p:cNvPr id="25" name="文本占位符 3">
+            <a:extLst>
+              <a:ext uri="{FF2B5EF4-FFF2-40B4-BE49-F238E27FC236}">
+                <a16:creationId xmlns:a16="http://schemas.microsoft.com/office/drawing/2014/main" id="{2A952443-17A6-4295-BAED-1F8CB776CA25}"/>
+              </a:ext>
+            </a:extLst>
+          </p:cNvPr>
+          <p:cNvSpPr txBox="1">
+            <a:spLocks/>
+          </p:cNvSpPr>
+          <p:nvPr/>
+        </p:nvSpPr>
+        <p:spPr>
+          <a:xfrm>
+            <a:off x="875308" y="3520752"/>
+            <a:ext cx="7299999" cy="887667"/>
+          </a:xfrm>
+          <a:prstGeom prst="rect">
+            <a:avLst/>
+          </a:prstGeom>
+        </p:spPr>
+        <p:txBody>
+          <a:bodyPr vert="horz" lIns="91440" tIns="45720" rIns="91440" bIns="45720" rtlCol="0" anchor="ctr">
+            <a:noAutofit/>
+          </a:bodyPr>
+          <a:lstStyle>
+            <a:defPPr>
+              <a:defRPr lang="zh-CN"/>
+            </a:defPPr>
+            <a:lvl1pPr marL="0" indent="0" algn="ctr" defTabSz="914400" rtl="0" eaLnBrk="1" latinLnBrk="0" hangingPunct="1">
+              <a:buFontTx/>
+              <a:buNone/>
+              <a:defRPr lang="zh-CN" altLang="en-US" sz="4800" b="1" kern="1200" spc="400" dirty="0" smtClean="0">
+                <a:solidFill>
+                  <a:prstClr val="white"/>
+                </a:solidFill>
+                <a:latin typeface="Arial" panose="020F0502020204030204"/>
+                <a:ea typeface="Microsoft YaHei"/>
+                <a:cs typeface="+mn-ea"/>
+              </a:defRPr>
+            </a:lvl1pPr>
+            <a:lvl2pPr marL="457200" algn="l" defTabSz="914400" rtl="0" eaLnBrk="1" latinLnBrk="0" hangingPunct="1">
+              <a:defRPr sz="1800" kern="1200">
+                <a:solidFill>
+                  <a:schemeClr val="tx1"/>
+                </a:solidFill>
+                <a:latin typeface="+mn-lt"/>
+                <a:ea typeface="+mn-ea"/>
+                <a:cs typeface="+mn-cs"/>
+              </a:defRPr>
+            </a:lvl2pPr>
+            <a:lvl3pPr marL="914400" algn="l" defTabSz="914400" rtl="0" eaLnBrk="1" latinLnBrk="0" hangingPunct="1">
+              <a:defRPr sz="1800" kern="1200">
+                <a:solidFill>
+                  <a:schemeClr val="tx1"/>
+                </a:solidFill>
+                <a:latin typeface="+mn-lt"/>
+                <a:ea typeface="+mn-ea"/>
+                <a:cs typeface="+mn-cs"/>
+              </a:defRPr>
+            </a:lvl3pPr>
+            <a:lvl4pPr marL="1371600" algn="l" defTabSz="914400" rtl="0" eaLnBrk="1" latinLnBrk="0" hangingPunct="1">
+              <a:defRPr sz="1800" kern="1200">
+                <a:solidFill>
+                  <a:schemeClr val="tx1"/>
+                </a:solidFill>
+                <a:latin typeface="+mn-lt"/>
+                <a:ea typeface="+mn-ea"/>
+                <a:cs typeface="+mn-cs"/>
+              </a:defRPr>
+            </a:lvl4pPr>
+            <a:lvl5pPr marL="1828800" algn="l" defTabSz="914400" rtl="0" eaLnBrk="1" latinLnBrk="0" hangingPunct="1">
+              <a:defRPr sz="1800" kern="1200">
+                <a:solidFill>
+                  <a:schemeClr val="tx1"/>
+                </a:solidFill>
+                <a:latin typeface="+mn-lt"/>
+                <a:ea typeface="+mn-ea"/>
+                <a:cs typeface="+mn-cs"/>
+              </a:defRPr>
+            </a:lvl5pPr>
+            <a:lvl6pPr marL="2286000" algn="l" defTabSz="914400" rtl="0" eaLnBrk="1" latinLnBrk="0" hangingPunct="1">
+              <a:defRPr sz="1800" kern="1200">
+                <a:solidFill>
+                  <a:schemeClr val="tx1"/>
+                </a:solidFill>
+                <a:latin typeface="+mn-lt"/>
+                <a:ea typeface="+mn-ea"/>
+                <a:cs typeface="+mn-cs"/>
+              </a:defRPr>
+            </a:lvl6pPr>
+            <a:lvl7pPr marL="2743200" algn="l" defTabSz="914400" rtl="0" eaLnBrk="1" latinLnBrk="0" hangingPunct="1">
+              <a:defRPr sz="1800" kern="1200">
+                <a:solidFill>
+                  <a:schemeClr val="tx1"/>
+                </a:solidFill>
+                <a:latin typeface="+mn-lt"/>
+                <a:ea typeface="+mn-ea"/>
+                <a:cs typeface="+mn-cs"/>
+              </a:defRPr>
+            </a:lvl7pPr>
+            <a:lvl8pPr marL="3200400" algn="l" defTabSz="914400" rtl="0" eaLnBrk="1" latinLnBrk="0" hangingPunct="1">
+              <a:defRPr sz="1800" kern="1200">
+                <a:solidFill>
+                  <a:schemeClr val="tx1"/>
+                </a:solidFill>
+                <a:latin typeface="+mn-lt"/>
+                <a:ea typeface="+mn-ea"/>
+                <a:cs typeface="+mn-cs"/>
+              </a:defRPr>
+            </a:lvl8pPr>
+            <a:lvl9pPr marL="3657600" algn="l" defTabSz="914400" rtl="0" eaLnBrk="1" latinLnBrk="0" hangingPunct="1">
+              <a:defRPr sz="1800" kern="1200">
+                <a:solidFill>
+                  <a:schemeClr val="tx1"/>
+                </a:solidFill>
+                <a:latin typeface="+mn-lt"/>
+                <a:ea typeface="+mn-ea"/>
+                <a:cs typeface="+mn-cs"/>
+              </a:defRPr>
+            </a:lvl9pPr>
+          </a:lstStyle>
+          <a:p>
+            <a:pPr algn="l">
+              <a:defRPr/>
+            </a:pPr>
+            <a:r>
+              <a:rPr lang="zh-CN" altLang="en-US" sz="3600" dirty="0"/>
+              <a:t>研究综述</a:t>
+            </a:r>
+          </a:p>
+        </p:txBody>
+      </p:sp>
+    </p:spTree>
+    <p:extLst>
+      <p:ext uri="{BB962C8B-B14F-4D97-AF65-F5344CB8AC3E}">
+        <p14:creationId xmlns:p14="http://schemas.microsoft.com/office/powerpoint/2010/main" val="2409984410"/>
+      </p:ext>
+    </p:extLst>
+  </p:cSld>
+  <p:clrMapOvr>
+    <a:masterClrMapping/>
+  </p:clrMapOvr>
+</p:sld>
+</file>
+
+<file path=ppt/slides/slide5.xml><?xml version="1.0" encoding="utf-8"?>
+<p:sld xmlns:a="http://schemas.openxmlformats.org/drawingml/2006/main" xmlns:r="http://schemas.openxmlformats.org/officeDocument/2006/relationships" xmlns:p="http://schemas.openxmlformats.org/presentationml/2006/main">
+  <p:cSld>
+    <p:spTree>
+      <p:nvGrpSpPr>
+        <p:cNvPr id="1" name=""/>
+        <p:cNvGrpSpPr/>
+        <p:nvPr/>
+      </p:nvGrpSpPr>
+      <p:grpSpPr>
+        <a:xfrm>
+          <a:off x="0" y="0"/>
+          <a:ext cx="0" cy="0"/>
+          <a:chOff x="0" y="0"/>
+          <a:chExt cx="0" cy="0"/>
+        </a:xfrm>
+      </p:grpSpPr>
+      <p:pic>
+        <p:nvPicPr>
+          <p:cNvPr id="168" name="图片 167">
+            <a:extLst>
+              <a:ext uri="{FF2B5EF4-FFF2-40B4-BE49-F238E27FC236}">
+                <a16:creationId xmlns:a16="http://schemas.microsoft.com/office/drawing/2014/main" id="{AC4DFD5A-B18D-4B34-AC6D-86280278FC73}"/>
+              </a:ext>
+            </a:extLst>
+          </p:cNvPr>
+          <p:cNvPicPr>
+            <a:picLocks noChangeAspect="1"/>
+          </p:cNvPicPr>
+          <p:nvPr/>
+        </p:nvPicPr>
+        <p:blipFill>
+          <a:blip r:embed="rId2"/>
+          <a:stretch>
+            <a:fillRect/>
+          </a:stretch>
+        </p:blipFill>
+        <p:spPr>
+          <a:xfrm>
+            <a:off x="537736" y="541314"/>
+            <a:ext cx="2249619" cy="658425"/>
+          </a:xfrm>
+          <a:prstGeom prst="rect">
+            <a:avLst/>
+          </a:prstGeom>
+        </p:spPr>
+      </p:pic>
+      <p:sp>
+        <p:nvSpPr>
+          <p:cNvPr id="169" name="矩形 168">
+            <a:extLst>
+              <a:ext uri="{FF2B5EF4-FFF2-40B4-BE49-F238E27FC236}">
+                <a16:creationId xmlns:a16="http://schemas.microsoft.com/office/drawing/2014/main" id="{3274587D-36EC-4195-8AD2-DD23F49152B2}"/>
+              </a:ext>
+            </a:extLst>
+          </p:cNvPr>
+          <p:cNvSpPr/>
+          <p:nvPr/>
+        </p:nvSpPr>
+        <p:spPr>
+          <a:xfrm>
+            <a:off x="0" y="1764872"/>
+            <a:ext cx="9144000" cy="3328257"/>
+          </a:xfrm>
+          <a:prstGeom prst="rect">
+            <a:avLst/>
+          </a:prstGeom>
+          <a:solidFill>
+            <a:srgbClr val="9A0001"/>
+          </a:solidFill>
+          <a:ln w="0">
+            <a:noFill/>
+          </a:ln>
+        </p:spPr>
+        <p:style>
+          <a:lnRef idx="2">
+            <a:schemeClr val="accent1">
+              <a:shade val="50000"/>
+            </a:schemeClr>
+          </a:lnRef>
+          <a:fillRef idx="1">
+            <a:schemeClr val="accent1"/>
+          </a:fillRef>
+          <a:effectRef idx="0">
+            <a:schemeClr val="accent1"/>
+          </a:effectRef>
+          <a:fontRef idx="minor">
+            <a:schemeClr val="lt1"/>
+          </a:fontRef>
+        </p:style>
+        <p:txBody>
+          <a:bodyPr rot="0" spcFirstLastPara="0" vertOverflow="overflow" horzOverflow="overflow" vert="horz" wrap="square" lIns="91440" tIns="45720" rIns="91440" bIns="45720" numCol="1" spcCol="0" rtlCol="0" fromWordArt="0" anchor="ctr" anchorCtr="0" forceAA="0" compatLnSpc="1">
+            <a:prstTxWarp prst="textNoShape">
+              <a:avLst/>
+            </a:prstTxWarp>
+            <a:noAutofit/>
+          </a:bodyPr>
+          <a:lstStyle/>
+          <a:p>
+            <a:pPr marL="0" marR="0" lvl="0" indent="0" algn="ctr" defTabSz="914400" rtl="0" eaLnBrk="1" fontAlgn="auto" latinLnBrk="0" hangingPunct="1">
+              <a:lnSpc>
+                <a:spcPct val="100000"/>
+              </a:lnSpc>
+              <a:spcBef>
+                <a:spcPts val="0"/>
+              </a:spcBef>
+              <a:spcAft>
+                <a:spcPts val="0"/>
+              </a:spcAft>
+              <a:buClrTx/>
+              <a:buSzTx/>
+              <a:buFontTx/>
+              <a:buNone/>
+              <a:tabLst/>
+              <a:defRPr/>
+            </a:pPr>
+            <a:endParaRPr kumimoji="0" lang="zh-CN" altLang="en-US" sz="1800" b="0" i="0" u="none" strike="noStrike" kern="1200" cap="none" spc="0" normalizeH="0" baseline="0" noProof="0">
+              <a:ln>
+                <a:noFill/>
+              </a:ln>
+              <a:solidFill>
+                <a:prstClr val="white"/>
+              </a:solidFill>
+              <a:effectLst/>
+              <a:uLnTx/>
+              <a:uFillTx/>
+              <a:latin typeface="Arial" panose="020F0502020204030204"/>
+              <a:ea typeface="Microsoft YaHei"/>
+              <a:cs typeface="+mn-ea"/>
+              <a:sym typeface="+mn-lt"/>
+            </a:endParaRPr>
+          </a:p>
+        </p:txBody>
+      </p:sp>
+      <p:pic>
+        <p:nvPicPr>
+          <p:cNvPr id="170" name="图形 169">
+            <a:extLst>
+              <a:ext uri="{FF2B5EF4-FFF2-40B4-BE49-F238E27FC236}">
+                <a16:creationId xmlns:a16="http://schemas.microsoft.com/office/drawing/2014/main" id="{5A5B8011-6E7D-44AB-B1AE-3364C27C6CF1}"/>
+              </a:ext>
+            </a:extLst>
+          </p:cNvPr>
+          <p:cNvPicPr>
+            <a:picLocks noChangeAspect="1"/>
+          </p:cNvPicPr>
+          <p:nvPr/>
+        </p:nvPicPr>
+        <p:blipFill>
+          <a:blip r:embed="rId3">
+            <a:extLst>
+              <a:ext uri="{96DAC541-7B7A-43D3-8B79-37D633B846F1}">
+                <asvg:svgBlip xmlns:asvg="http://schemas.microsoft.com/office/drawing/2016/SVG/main" r:embed="rId4"/>
+              </a:ext>
+            </a:extLst>
+          </a:blip>
+          <a:stretch>
+            <a:fillRect/>
+          </a:stretch>
+        </p:blipFill>
+        <p:spPr>
+          <a:xfrm>
+            <a:off x="5070763" y="1572822"/>
+            <a:ext cx="5135421" cy="3712356"/>
+          </a:xfrm>
+          <a:prstGeom prst="rect">
+            <a:avLst/>
+          </a:prstGeom>
+        </p:spPr>
+      </p:pic>
+      <p:cxnSp>
+        <p:nvCxnSpPr>
+          <p:cNvPr id="171" name="直接连接符 170">
+            <a:extLst>
+              <a:ext uri="{FF2B5EF4-FFF2-40B4-BE49-F238E27FC236}">
+                <a16:creationId xmlns:a16="http://schemas.microsoft.com/office/drawing/2014/main" id="{2F663AE3-BB17-4A00-B330-EAE1828DAAA1}"/>
+              </a:ext>
+            </a:extLst>
+          </p:cNvPr>
+          <p:cNvCxnSpPr>
+            <a:cxnSpLocks/>
+          </p:cNvCxnSpPr>
+          <p:nvPr/>
+        </p:nvCxnSpPr>
+        <p:spPr>
+          <a:xfrm>
+            <a:off x="959459" y="3428999"/>
+            <a:ext cx="361341" cy="0"/>
+          </a:xfrm>
+          <a:prstGeom prst="line">
+            <a:avLst/>
+          </a:prstGeom>
+          <a:ln>
+            <a:solidFill>
+              <a:schemeClr val="bg1"/>
+            </a:solidFill>
+          </a:ln>
+        </p:spPr>
+        <p:style>
+          <a:lnRef idx="1">
+            <a:schemeClr val="accent1"/>
+          </a:lnRef>
+          <a:fillRef idx="0">
+            <a:schemeClr val="accent1"/>
+          </a:fillRef>
+          <a:effectRef idx="0">
+            <a:schemeClr val="accent1"/>
+          </a:effectRef>
+          <a:fontRef idx="minor">
+            <a:schemeClr val="tx1"/>
+          </a:fontRef>
+        </p:style>
+      </p:cxnSp>
+      <p:sp>
+        <p:nvSpPr>
+          <p:cNvPr id="13" name="灯片编号占位符 12">
+            <a:extLst>
+              <a:ext uri="{FF2B5EF4-FFF2-40B4-BE49-F238E27FC236}">
+                <a16:creationId xmlns:a16="http://schemas.microsoft.com/office/drawing/2014/main" id="{851D19B1-48F8-4540-B702-4848E1349ACF}"/>
+              </a:ext>
+            </a:extLst>
+          </p:cNvPr>
+          <p:cNvSpPr>
+            <a:spLocks noGrp="1"/>
+          </p:cNvSpPr>
+          <p:nvPr>
+            <p:ph type="sldNum" sz="quarter" idx="12"/>
+          </p:nvPr>
+        </p:nvSpPr>
+        <p:spPr/>
+        <p:txBody>
+          <a:bodyPr/>
+          <a:lstStyle/>
+          <a:p>
+            <a:fld id="{1003C2F6-E224-4DE8-ABB8-1B4A7B626BCD}" type="slidenum">
+              <a:rPr lang="zh-CN" altLang="en-US" smtClean="0"/>
+              <a:pPr/>
+              <a:t>5</a:t>
+            </a:fld>
+            <a:r>
+              <a:rPr lang="en-US" altLang="zh-CN"/>
+              <a:t>/50</a:t>
+            </a:r>
+            <a:endParaRPr lang="zh-CN" altLang="en-US" dirty="0"/>
+          </a:p>
+        </p:txBody>
+      </p:sp>
+      <p:sp>
+        <p:nvSpPr>
+          <p:cNvPr id="22" name="矩形 21">
+            <a:extLst>
+              <a:ext uri="{FF2B5EF4-FFF2-40B4-BE49-F238E27FC236}">
+                <a16:creationId xmlns:a16="http://schemas.microsoft.com/office/drawing/2014/main" id="{E8B80C31-7D47-42B0-9CD2-355C1D329082}"/>
+              </a:ext>
+            </a:extLst>
+          </p:cNvPr>
+          <p:cNvSpPr/>
+          <p:nvPr/>
+        </p:nvSpPr>
+        <p:spPr>
+          <a:xfrm>
+            <a:off x="875308" y="2713913"/>
+            <a:ext cx="1503040" cy="584775"/>
+          </a:xfrm>
+          <a:prstGeom prst="rect">
+            <a:avLst/>
+          </a:prstGeom>
+        </p:spPr>
+        <p:txBody>
+          <a:bodyPr wrap="square">
+            <a:spAutoFit/>
+          </a:bodyPr>
+          <a:lstStyle/>
+          <a:p>
+            <a:r>
+              <a:rPr kumimoji="0" lang="en-US" altLang="zh-CN" sz="3200" b="0" i="0" u="none" strike="noStrike" kern="1200" cap="none" spc="0" normalizeH="0" baseline="0" dirty="0">
+                <a:ln>
+                  <a:noFill/>
+                </a:ln>
+                <a:solidFill>
+                  <a:prstClr val="white"/>
+                </a:solidFill>
+                <a:effectLst/>
+                <a:uLnTx/>
+                <a:uFillTx/>
+                <a:latin typeface="Arial" panose="020F0502020204030204"/>
+                <a:ea typeface="Microsoft YaHei"/>
+                <a:cs typeface="+mn-ea"/>
+              </a:rPr>
+              <a:t>PART</a:t>
+            </a:r>
+            <a:endParaRPr kumimoji="0" lang="zh-CN" altLang="en-US" sz="3200" b="0" i="0" u="none" strike="noStrike" kern="1200" cap="none" spc="0" normalizeH="0" baseline="0" dirty="0">
+              <a:ln>
+                <a:noFill/>
+              </a:ln>
+              <a:solidFill>
+                <a:prstClr val="white"/>
+              </a:solidFill>
+              <a:effectLst/>
+              <a:uLnTx/>
+              <a:uFillTx/>
+              <a:latin typeface="Arial" panose="020F0502020204030204"/>
+              <a:ea typeface="Microsoft YaHei"/>
+              <a:cs typeface="+mn-ea"/>
+            </a:endParaRPr>
+          </a:p>
+        </p:txBody>
+      </p:sp>
+      <p:sp>
+        <p:nvSpPr>
+          <p:cNvPr id="23" name="文本占位符 3">
+            <a:extLst>
+              <a:ext uri="{FF2B5EF4-FFF2-40B4-BE49-F238E27FC236}">
+                <a16:creationId xmlns:a16="http://schemas.microsoft.com/office/drawing/2014/main" id="{00463F7B-EA2C-4BF2-B129-7D96CF29D578}"/>
+              </a:ext>
+            </a:extLst>
+          </p:cNvPr>
+          <p:cNvSpPr txBox="1">
+            <a:spLocks/>
+          </p:cNvSpPr>
+          <p:nvPr/>
+        </p:nvSpPr>
+        <p:spPr>
+          <a:xfrm>
+            <a:off x="2144990" y="2652357"/>
+            <a:ext cx="2106499" cy="707886"/>
+          </a:xfrm>
+          <a:prstGeom prst="rect">
+            <a:avLst/>
+          </a:prstGeom>
+        </p:spPr>
+        <p:txBody>
+          <a:bodyPr vert="horz" lIns="91440" tIns="45720" rIns="91440" bIns="45720" rtlCol="0" anchor="ctr" anchorCtr="0">
+            <a:normAutofit/>
+          </a:bodyPr>
+          <a:lstStyle>
+            <a:defPPr>
+              <a:defRPr lang="zh-CN"/>
+            </a:defPPr>
+            <a:lvl1pPr marL="0" indent="0" algn="l" defTabSz="914400" rtl="0" eaLnBrk="1" latinLnBrk="0" hangingPunct="1">
+              <a:buFontTx/>
+              <a:buNone/>
+              <a:defRPr kumimoji="0" lang="zh-CN" altLang="en-US" sz="4000" b="1" i="0" u="none" strike="noStrike" kern="1200" cap="none" spc="0" normalizeH="0" baseline="0" dirty="0" smtClean="0">
+                <a:ln>
+                  <a:noFill/>
+                </a:ln>
+                <a:solidFill>
+                  <a:prstClr val="white"/>
+                </a:solidFill>
+                <a:effectLst/>
+                <a:uLnTx/>
+                <a:uFillTx/>
+                <a:latin typeface="Arial" panose="020F0502020204030204"/>
+                <a:ea typeface="Microsoft YaHei"/>
+                <a:cs typeface="+mn-ea"/>
+              </a:defRPr>
+            </a:lvl1pPr>
+            <a:lvl2pPr marL="457200" algn="l" defTabSz="914400" rtl="0" eaLnBrk="1" latinLnBrk="0" hangingPunct="1">
+              <a:defRPr sz="1800" kern="1200">
+                <a:solidFill>
+                  <a:schemeClr val="tx1"/>
+                </a:solidFill>
+                <a:latin typeface="+mn-lt"/>
+                <a:ea typeface="+mn-ea"/>
+                <a:cs typeface="+mn-cs"/>
+              </a:defRPr>
+            </a:lvl2pPr>
+            <a:lvl3pPr marL="914400" algn="l" defTabSz="914400" rtl="0" eaLnBrk="1" latinLnBrk="0" hangingPunct="1">
+              <a:defRPr sz="1800" kern="1200">
+                <a:solidFill>
+                  <a:schemeClr val="tx1"/>
+                </a:solidFill>
+                <a:latin typeface="+mn-lt"/>
+                <a:ea typeface="+mn-ea"/>
+                <a:cs typeface="+mn-cs"/>
+              </a:defRPr>
+            </a:lvl3pPr>
+            <a:lvl4pPr marL="1371600" algn="l" defTabSz="914400" rtl="0" eaLnBrk="1" latinLnBrk="0" hangingPunct="1">
+              <a:defRPr sz="1800" kern="1200">
+                <a:solidFill>
+                  <a:schemeClr val="tx1"/>
+                </a:solidFill>
+                <a:latin typeface="+mn-lt"/>
+                <a:ea typeface="+mn-ea"/>
+                <a:cs typeface="+mn-cs"/>
+              </a:defRPr>
+            </a:lvl4pPr>
+            <a:lvl5pPr marL="1828800" algn="l" defTabSz="914400" rtl="0" eaLnBrk="1" latinLnBrk="0" hangingPunct="1">
+              <a:defRPr sz="1800" kern="1200">
+                <a:solidFill>
+                  <a:schemeClr val="tx1"/>
+                </a:solidFill>
+                <a:latin typeface="+mn-lt"/>
+                <a:ea typeface="+mn-ea"/>
+                <a:cs typeface="+mn-cs"/>
+              </a:defRPr>
+            </a:lvl5pPr>
+            <a:lvl6pPr marL="2286000" algn="l" defTabSz="914400" rtl="0" eaLnBrk="1" latinLnBrk="0" hangingPunct="1">
+              <a:defRPr sz="1800" kern="1200">
+                <a:solidFill>
+                  <a:schemeClr val="tx1"/>
+                </a:solidFill>
+                <a:latin typeface="+mn-lt"/>
+                <a:ea typeface="+mn-ea"/>
+                <a:cs typeface="+mn-cs"/>
+              </a:defRPr>
+            </a:lvl6pPr>
+            <a:lvl7pPr marL="2743200" algn="l" defTabSz="914400" rtl="0" eaLnBrk="1" latinLnBrk="0" hangingPunct="1">
+              <a:defRPr sz="1800" kern="1200">
+                <a:solidFill>
+                  <a:schemeClr val="tx1"/>
+                </a:solidFill>
+                <a:latin typeface="+mn-lt"/>
+                <a:ea typeface="+mn-ea"/>
+                <a:cs typeface="+mn-cs"/>
+              </a:defRPr>
+            </a:lvl7pPr>
+            <a:lvl8pPr marL="3200400" algn="l" defTabSz="914400" rtl="0" eaLnBrk="1" latinLnBrk="0" hangingPunct="1">
+              <a:defRPr sz="1800" kern="1200">
+                <a:solidFill>
+                  <a:schemeClr val="tx1"/>
+                </a:solidFill>
+                <a:latin typeface="+mn-lt"/>
+                <a:ea typeface="+mn-ea"/>
+                <a:cs typeface="+mn-cs"/>
+              </a:defRPr>
+            </a:lvl8pPr>
+            <a:lvl9pPr marL="3657600" algn="l" defTabSz="914400" rtl="0" eaLnBrk="1" latinLnBrk="0" hangingPunct="1">
+              <a:defRPr sz="1800" kern="1200">
+                <a:solidFill>
+                  <a:schemeClr val="tx1"/>
+                </a:solidFill>
+                <a:latin typeface="+mn-lt"/>
+                <a:ea typeface="+mn-ea"/>
+                <a:cs typeface="+mn-cs"/>
+              </a:defRPr>
+            </a:lvl9pPr>
+          </a:lstStyle>
+          <a:p>
+            <a:pPr>
+              <a:defRPr/>
+            </a:pPr>
+            <a:r>
+              <a:rPr lang="en-US" altLang="zh-CN" sz="3200" dirty="0"/>
+              <a:t>03</a:t>
+            </a:r>
+            <a:endParaRPr lang="en-US" sz="3200" dirty="0"/>
+          </a:p>
+        </p:txBody>
+      </p:sp>
+      <p:sp>
+        <p:nvSpPr>
+          <p:cNvPr id="24" name="文本占位符 3">
+            <a:extLst>
+              <a:ext uri="{FF2B5EF4-FFF2-40B4-BE49-F238E27FC236}">
+                <a16:creationId xmlns:a16="http://schemas.microsoft.com/office/drawing/2014/main" id="{8E989E65-EF8D-4C7C-BCD1-0F41C74A5061}"/>
+              </a:ext>
+            </a:extLst>
+          </p:cNvPr>
+          <p:cNvSpPr txBox="1">
+            <a:spLocks/>
+          </p:cNvSpPr>
+          <p:nvPr/>
+        </p:nvSpPr>
+        <p:spPr>
+          <a:xfrm>
+            <a:off x="875308" y="3520752"/>
+            <a:ext cx="7299999" cy="887667"/>
+          </a:xfrm>
+          <a:prstGeom prst="rect">
+            <a:avLst/>
+          </a:prstGeom>
+        </p:spPr>
+        <p:txBody>
+          <a:bodyPr vert="horz" lIns="91440" tIns="45720" rIns="91440" bIns="45720" rtlCol="0" anchor="ctr">
+            <a:noAutofit/>
+          </a:bodyPr>
+          <a:lstStyle>
+            <a:defPPr>
+              <a:defRPr lang="zh-CN"/>
+            </a:defPPr>
+            <a:lvl1pPr marL="0" indent="0" algn="ctr" defTabSz="914400" rtl="0" eaLnBrk="1" latinLnBrk="0" hangingPunct="1">
+              <a:buFontTx/>
+              <a:buNone/>
+              <a:defRPr lang="zh-CN" altLang="en-US" sz="4800" b="1" kern="1200" spc="400" dirty="0" smtClean="0">
+                <a:solidFill>
+                  <a:prstClr val="white"/>
+                </a:solidFill>
+                <a:latin typeface="Arial" panose="020F0502020204030204"/>
+                <a:ea typeface="Microsoft YaHei"/>
+                <a:cs typeface="+mn-ea"/>
+              </a:defRPr>
+            </a:lvl1pPr>
+            <a:lvl2pPr marL="457200" algn="l" defTabSz="914400" rtl="0" eaLnBrk="1" latinLnBrk="0" hangingPunct="1">
+              <a:defRPr sz="1800" kern="1200">
+                <a:solidFill>
+                  <a:schemeClr val="tx1"/>
+                </a:solidFill>
+                <a:latin typeface="+mn-lt"/>
+                <a:ea typeface="+mn-ea"/>
+                <a:cs typeface="+mn-cs"/>
+              </a:defRPr>
+            </a:lvl2pPr>
+            <a:lvl3pPr marL="914400" algn="l" defTabSz="914400" rtl="0" eaLnBrk="1" latinLnBrk="0" hangingPunct="1">
+              <a:defRPr sz="1800" kern="1200">
+                <a:solidFill>
+                  <a:schemeClr val="tx1"/>
+                </a:solidFill>
+                <a:latin typeface="+mn-lt"/>
+                <a:ea typeface="+mn-ea"/>
+                <a:cs typeface="+mn-cs"/>
+              </a:defRPr>
+            </a:lvl3pPr>
+            <a:lvl4pPr marL="1371600" algn="l" defTabSz="914400" rtl="0" eaLnBrk="1" latinLnBrk="0" hangingPunct="1">
+              <a:defRPr sz="1800" kern="1200">
+                <a:solidFill>
+                  <a:schemeClr val="tx1"/>
+                </a:solidFill>
+                <a:latin typeface="+mn-lt"/>
+                <a:ea typeface="+mn-ea"/>
+                <a:cs typeface="+mn-cs"/>
+              </a:defRPr>
+            </a:lvl4pPr>
+            <a:lvl5pPr marL="1828800" algn="l" defTabSz="914400" rtl="0" eaLnBrk="1" latinLnBrk="0" hangingPunct="1">
+              <a:defRPr sz="1800" kern="1200">
+                <a:solidFill>
+                  <a:schemeClr val="tx1"/>
+                </a:solidFill>
+                <a:latin typeface="+mn-lt"/>
+                <a:ea typeface="+mn-ea"/>
+                <a:cs typeface="+mn-cs"/>
+              </a:defRPr>
+            </a:lvl5pPr>
+            <a:lvl6pPr marL="2286000" algn="l" defTabSz="914400" rtl="0" eaLnBrk="1" latinLnBrk="0" hangingPunct="1">
+              <a:defRPr sz="1800" kern="1200">
+                <a:solidFill>
+                  <a:schemeClr val="tx1"/>
+                </a:solidFill>
+                <a:latin typeface="+mn-lt"/>
+                <a:ea typeface="+mn-ea"/>
+                <a:cs typeface="+mn-cs"/>
+              </a:defRPr>
+            </a:lvl6pPr>
+            <a:lvl7pPr marL="2743200" algn="l" defTabSz="914400" rtl="0" eaLnBrk="1" latinLnBrk="0" hangingPunct="1">
+              <a:defRPr sz="1800" kern="1200">
+                <a:solidFill>
+                  <a:schemeClr val="tx1"/>
+                </a:solidFill>
+                <a:latin typeface="+mn-lt"/>
+                <a:ea typeface="+mn-ea"/>
+                <a:cs typeface="+mn-cs"/>
+              </a:defRPr>
+            </a:lvl7pPr>
+            <a:lvl8pPr marL="3200400" algn="l" defTabSz="914400" rtl="0" eaLnBrk="1" latinLnBrk="0" hangingPunct="1">
+              <a:defRPr sz="1800" kern="1200">
+                <a:solidFill>
+                  <a:schemeClr val="tx1"/>
+                </a:solidFill>
+                <a:latin typeface="+mn-lt"/>
+                <a:ea typeface="+mn-ea"/>
+                <a:cs typeface="+mn-cs"/>
+              </a:defRPr>
+            </a:lvl8pPr>
+            <a:lvl9pPr marL="3657600" algn="l" defTabSz="914400" rtl="0" eaLnBrk="1" latinLnBrk="0" hangingPunct="1">
+              <a:defRPr sz="1800" kern="1200">
+                <a:solidFill>
+                  <a:schemeClr val="tx1"/>
+                </a:solidFill>
+                <a:latin typeface="+mn-lt"/>
+                <a:ea typeface="+mn-ea"/>
+                <a:cs typeface="+mn-cs"/>
+              </a:defRPr>
+            </a:lvl9pPr>
+          </a:lstStyle>
+          <a:p>
+            <a:pPr algn="l">
+              <a:defRPr/>
+            </a:pPr>
+            <a:r>
+              <a:rPr lang="zh-CN" altLang="en-US" sz="3600" dirty="0"/>
+              <a:t>矢量中文字库自动生成</a:t>
+            </a:r>
+          </a:p>
+        </p:txBody>
+      </p:sp>
+      <p:sp>
+        <p:nvSpPr>
+          <p:cNvPr id="25" name="文本框 24">
+            <a:extLst>
+              <a:ext uri="{FF2B5EF4-FFF2-40B4-BE49-F238E27FC236}">
+                <a16:creationId xmlns:a16="http://schemas.microsoft.com/office/drawing/2014/main" id="{4B6EE924-876A-4047-8ACE-D4FF0C7EEF05}"/>
+              </a:ext>
+            </a:extLst>
+          </p:cNvPr>
+          <p:cNvSpPr txBox="1"/>
+          <p:nvPr/>
+        </p:nvSpPr>
+        <p:spPr>
+          <a:xfrm>
+            <a:off x="899118" y="4247593"/>
+            <a:ext cx="6573100" cy="461665"/>
+          </a:xfrm>
+          <a:prstGeom prst="rect">
+            <a:avLst/>
+          </a:prstGeom>
+          <a:noFill/>
+        </p:spPr>
+        <p:txBody>
+          <a:bodyPr wrap="square" rtlCol="0">
+            <a:spAutoFit/>
+          </a:bodyPr>
+          <a:lstStyle/>
+          <a:p>
+            <a:r>
+              <a:rPr lang="en-US" altLang="zh-CN" sz="2400" dirty="0">
+                <a:solidFill>
+                  <a:schemeClr val="bg1">
+                    <a:alpha val="60000"/>
+                  </a:schemeClr>
+                </a:solidFill>
+                <a:latin typeface="Arial" panose="020B0604020202020204" pitchFamily="34" charset="0"/>
+                <a:cs typeface="Arial" panose="020B0604020202020204" pitchFamily="34" charset="0"/>
+              </a:rPr>
+              <a:t>Automatic Generation of Chinese Vector Fonts</a:t>
+            </a:r>
+            <a:endParaRPr lang="zh-CN" altLang="en-US" sz="2400" dirty="0">
+              <a:solidFill>
+                <a:schemeClr val="bg1">
+                  <a:alpha val="60000"/>
+                </a:schemeClr>
+              </a:solidFill>
+              <a:latin typeface="Arial" panose="020B0604020202020204" pitchFamily="34" charset="0"/>
+              <a:cs typeface="Arial" panose="020B0604020202020204" pitchFamily="34" charset="0"/>
+            </a:endParaRPr>
+          </a:p>
+        </p:txBody>
+      </p:sp>
+    </p:spTree>
+    <p:extLst>
+      <p:ext uri="{BB962C8B-B14F-4D97-AF65-F5344CB8AC3E}">
+        <p14:creationId xmlns:p14="http://schemas.microsoft.com/office/powerpoint/2010/main" val="2340962620"/>
+      </p:ext>
+    </p:extLst>
+  </p:cSld>
+  <p:clrMapOvr>
+    <a:masterClrMapping/>
+  </p:clrMapOvr>
+</p:sld>
+</file>
+
+<file path=ppt/slides/slide6.xml><?xml version="1.0" encoding="utf-8"?>
+<p:sld xmlns:a="http://schemas.openxmlformats.org/drawingml/2006/main" xmlns:r="http://schemas.openxmlformats.org/officeDocument/2006/relationships" xmlns:p="http://schemas.openxmlformats.org/presentationml/2006/main">
+  <p:cSld>
+    <p:spTree>
+      <p:nvGrpSpPr>
+        <p:cNvPr id="1" name=""/>
+        <p:cNvGrpSpPr/>
+        <p:nvPr/>
+      </p:nvGrpSpPr>
+      <p:grpSpPr>
+        <a:xfrm>
+          <a:off x="0" y="0"/>
+          <a:ext cx="0" cy="0"/>
+          <a:chOff x="0" y="0"/>
+          <a:chExt cx="0" cy="0"/>
+        </a:xfrm>
+      </p:grpSpPr>
+      <p:pic>
+        <p:nvPicPr>
+          <p:cNvPr id="168" name="图片 167">
+            <a:extLst>
+              <a:ext uri="{FF2B5EF4-FFF2-40B4-BE49-F238E27FC236}">
+                <a16:creationId xmlns:a16="http://schemas.microsoft.com/office/drawing/2014/main" id="{AC4DFD5A-B18D-4B34-AC6D-86280278FC73}"/>
+              </a:ext>
+            </a:extLst>
+          </p:cNvPr>
+          <p:cNvPicPr>
+            <a:picLocks noChangeAspect="1"/>
+          </p:cNvPicPr>
+          <p:nvPr/>
+        </p:nvPicPr>
+        <p:blipFill>
+          <a:blip r:embed="rId2"/>
+          <a:stretch>
+            <a:fillRect/>
+          </a:stretch>
+        </p:blipFill>
+        <p:spPr>
+          <a:xfrm>
+            <a:off x="537736" y="541314"/>
+            <a:ext cx="2249619" cy="658425"/>
+          </a:xfrm>
+          <a:prstGeom prst="rect">
+            <a:avLst/>
+          </a:prstGeom>
+        </p:spPr>
+      </p:pic>
+      <p:sp>
+        <p:nvSpPr>
+          <p:cNvPr id="169" name="矩形 168">
+            <a:extLst>
+              <a:ext uri="{FF2B5EF4-FFF2-40B4-BE49-F238E27FC236}">
+                <a16:creationId xmlns:a16="http://schemas.microsoft.com/office/drawing/2014/main" id="{3274587D-36EC-4195-8AD2-DD23F49152B2}"/>
+              </a:ext>
+            </a:extLst>
+          </p:cNvPr>
+          <p:cNvSpPr/>
+          <p:nvPr/>
+        </p:nvSpPr>
+        <p:spPr>
+          <a:xfrm>
+            <a:off x="0" y="1764872"/>
+            <a:ext cx="9144000" cy="3328257"/>
+          </a:xfrm>
+          <a:prstGeom prst="rect">
+            <a:avLst/>
+          </a:prstGeom>
+          <a:solidFill>
+            <a:srgbClr val="9A0001"/>
+          </a:solidFill>
+          <a:ln w="0">
+            <a:noFill/>
+          </a:ln>
+        </p:spPr>
+        <p:style>
+          <a:lnRef idx="2">
+            <a:schemeClr val="accent1">
+              <a:shade val="50000"/>
+            </a:schemeClr>
+          </a:lnRef>
+          <a:fillRef idx="1">
+            <a:schemeClr val="accent1"/>
+          </a:fillRef>
+          <a:effectRef idx="0">
+            <a:schemeClr val="accent1"/>
+          </a:effectRef>
+          <a:fontRef idx="minor">
+            <a:schemeClr val="lt1"/>
+          </a:fontRef>
+        </p:style>
+        <p:txBody>
+          <a:bodyPr rot="0" spcFirstLastPara="0" vertOverflow="overflow" horzOverflow="overflow" vert="horz" wrap="square" lIns="91440" tIns="45720" rIns="91440" bIns="45720" numCol="1" spcCol="0" rtlCol="0" fromWordArt="0" anchor="ctr" anchorCtr="0" forceAA="0" compatLnSpc="1">
+            <a:prstTxWarp prst="textNoShape">
+              <a:avLst/>
+            </a:prstTxWarp>
+            <a:noAutofit/>
+          </a:bodyPr>
+          <a:lstStyle/>
+          <a:p>
+            <a:pPr marL="0" marR="0" lvl="0" indent="0" algn="ctr" defTabSz="914400" rtl="0" eaLnBrk="1" fontAlgn="auto" latinLnBrk="0" hangingPunct="1">
+              <a:lnSpc>
+                <a:spcPct val="100000"/>
+              </a:lnSpc>
+              <a:spcBef>
+                <a:spcPts val="0"/>
+              </a:spcBef>
+              <a:spcAft>
+                <a:spcPts val="0"/>
+              </a:spcAft>
+              <a:buClrTx/>
+              <a:buSzTx/>
+              <a:buFontTx/>
+              <a:buNone/>
+              <a:tabLst/>
+              <a:defRPr/>
+            </a:pPr>
+            <a:endParaRPr kumimoji="0" lang="zh-CN" altLang="en-US" sz="1800" b="0" i="0" u="none" strike="noStrike" kern="1200" cap="none" spc="0" normalizeH="0" baseline="0" noProof="0">
+              <a:ln>
+                <a:noFill/>
+              </a:ln>
+              <a:solidFill>
+                <a:prstClr val="white"/>
+              </a:solidFill>
+              <a:effectLst/>
+              <a:uLnTx/>
+              <a:uFillTx/>
+              <a:latin typeface="Arial" panose="020F0502020204030204"/>
+              <a:ea typeface="Microsoft YaHei"/>
+              <a:cs typeface="+mn-ea"/>
+              <a:sym typeface="+mn-lt"/>
+            </a:endParaRPr>
+          </a:p>
+        </p:txBody>
+      </p:sp>
+      <p:pic>
+        <p:nvPicPr>
+          <p:cNvPr id="170" name="图形 169">
+            <a:extLst>
+              <a:ext uri="{FF2B5EF4-FFF2-40B4-BE49-F238E27FC236}">
+                <a16:creationId xmlns:a16="http://schemas.microsoft.com/office/drawing/2014/main" id="{5A5B8011-6E7D-44AB-B1AE-3364C27C6CF1}"/>
+              </a:ext>
+            </a:extLst>
+          </p:cNvPr>
+          <p:cNvPicPr>
+            <a:picLocks noChangeAspect="1"/>
+          </p:cNvPicPr>
+          <p:nvPr/>
+        </p:nvPicPr>
+        <p:blipFill>
+          <a:blip r:embed="rId3">
+            <a:extLst>
+              <a:ext uri="{96DAC541-7B7A-43D3-8B79-37D633B846F1}">
+                <asvg:svgBlip xmlns:asvg="http://schemas.microsoft.com/office/drawing/2016/SVG/main" r:embed="rId4"/>
+              </a:ext>
+            </a:extLst>
+          </a:blip>
+          <a:stretch>
+            <a:fillRect/>
+          </a:stretch>
+        </p:blipFill>
+        <p:spPr>
+          <a:xfrm>
+            <a:off x="5070763" y="1572822"/>
+            <a:ext cx="5135421" cy="3712356"/>
+          </a:xfrm>
+          <a:prstGeom prst="rect">
+            <a:avLst/>
+          </a:prstGeom>
+        </p:spPr>
+      </p:pic>
+      <p:cxnSp>
+        <p:nvCxnSpPr>
+          <p:cNvPr id="171" name="直接连接符 170">
+            <a:extLst>
+              <a:ext uri="{FF2B5EF4-FFF2-40B4-BE49-F238E27FC236}">
+                <a16:creationId xmlns:a16="http://schemas.microsoft.com/office/drawing/2014/main" id="{2F663AE3-BB17-4A00-B330-EAE1828DAAA1}"/>
+              </a:ext>
+            </a:extLst>
+          </p:cNvPr>
+          <p:cNvCxnSpPr>
+            <a:cxnSpLocks/>
+          </p:cNvCxnSpPr>
+          <p:nvPr/>
+        </p:nvCxnSpPr>
+        <p:spPr>
+          <a:xfrm>
+            <a:off x="959459" y="3428999"/>
+            <a:ext cx="361341" cy="0"/>
+          </a:xfrm>
+          <a:prstGeom prst="line">
+            <a:avLst/>
+          </a:prstGeom>
+          <a:ln>
+            <a:solidFill>
+              <a:schemeClr val="bg1"/>
+            </a:solidFill>
+          </a:ln>
+        </p:spPr>
+        <p:style>
+          <a:lnRef idx="1">
+            <a:schemeClr val="accent1"/>
+          </a:lnRef>
+          <a:fillRef idx="0">
+            <a:schemeClr val="accent1"/>
+          </a:fillRef>
+          <a:effectRef idx="0">
+            <a:schemeClr val="accent1"/>
+          </a:effectRef>
+          <a:fontRef idx="minor">
+            <a:schemeClr val="tx1"/>
+          </a:fontRef>
+        </p:style>
+      </p:cxnSp>
+      <p:sp>
+        <p:nvSpPr>
+          <p:cNvPr id="13" name="灯片编号占位符 12">
+            <a:extLst>
+              <a:ext uri="{FF2B5EF4-FFF2-40B4-BE49-F238E27FC236}">
+                <a16:creationId xmlns:a16="http://schemas.microsoft.com/office/drawing/2014/main" id="{C7D99D0C-095E-4EA8-A589-F3B23D5BD433}"/>
+              </a:ext>
+            </a:extLst>
+          </p:cNvPr>
+          <p:cNvSpPr>
+            <a:spLocks noGrp="1"/>
+          </p:cNvSpPr>
+          <p:nvPr>
+            <p:ph type="sldNum" sz="quarter" idx="12"/>
+          </p:nvPr>
+        </p:nvSpPr>
+        <p:spPr/>
+        <p:txBody>
+          <a:bodyPr/>
+          <a:lstStyle/>
+          <a:p>
+            <a:fld id="{1003C2F6-E224-4DE8-ABB8-1B4A7B626BCD}" type="slidenum">
+              <a:rPr lang="zh-CN" altLang="en-US" smtClean="0"/>
+              <a:pPr/>
+              <a:t>6</a:t>
+            </a:fld>
+            <a:r>
+              <a:rPr lang="en-US" altLang="zh-CN"/>
+              <a:t>/50</a:t>
+            </a:r>
+            <a:endParaRPr lang="zh-CN" altLang="en-US" dirty="0"/>
+          </a:p>
+        </p:txBody>
+      </p:sp>
+      <p:sp>
+        <p:nvSpPr>
+          <p:cNvPr id="22" name="矩形 21">
+            <a:extLst>
+              <a:ext uri="{FF2B5EF4-FFF2-40B4-BE49-F238E27FC236}">
+                <a16:creationId xmlns:a16="http://schemas.microsoft.com/office/drawing/2014/main" id="{AFAFAE14-B096-4E62-A968-88541CE33723}"/>
+              </a:ext>
+            </a:extLst>
+          </p:cNvPr>
+          <p:cNvSpPr/>
+          <p:nvPr/>
+        </p:nvSpPr>
+        <p:spPr>
+          <a:xfrm>
+            <a:off x="875308" y="2713913"/>
+            <a:ext cx="1503040" cy="584775"/>
+          </a:xfrm>
+          <a:prstGeom prst="rect">
+            <a:avLst/>
+          </a:prstGeom>
+        </p:spPr>
+        <p:txBody>
+          <a:bodyPr wrap="square">
+            <a:spAutoFit/>
+          </a:bodyPr>
+          <a:lstStyle/>
+          <a:p>
+            <a:r>
+              <a:rPr kumimoji="0" lang="en-US" altLang="zh-CN" sz="3200" b="0" i="0" u="none" strike="noStrike" kern="1200" cap="none" spc="0" normalizeH="0" baseline="0" dirty="0">
+                <a:ln>
+                  <a:noFill/>
+                </a:ln>
+                <a:solidFill>
+                  <a:prstClr val="white"/>
+                </a:solidFill>
+                <a:effectLst/>
+                <a:uLnTx/>
+                <a:uFillTx/>
+                <a:latin typeface="Arial" panose="020F0502020204030204"/>
+                <a:ea typeface="Microsoft YaHei"/>
+                <a:cs typeface="+mn-ea"/>
+              </a:rPr>
+              <a:t>PART</a:t>
+            </a:r>
+            <a:endParaRPr kumimoji="0" lang="zh-CN" altLang="en-US" sz="3200" b="0" i="0" u="none" strike="noStrike" kern="1200" cap="none" spc="0" normalizeH="0" baseline="0" dirty="0">
+              <a:ln>
+                <a:noFill/>
+              </a:ln>
+              <a:solidFill>
+                <a:prstClr val="white"/>
+              </a:solidFill>
+              <a:effectLst/>
+              <a:uLnTx/>
+              <a:uFillTx/>
+              <a:latin typeface="Arial" panose="020F0502020204030204"/>
+              <a:ea typeface="Microsoft YaHei"/>
+              <a:cs typeface="+mn-ea"/>
+            </a:endParaRPr>
+          </a:p>
+        </p:txBody>
+      </p:sp>
+      <p:sp>
+        <p:nvSpPr>
+          <p:cNvPr id="23" name="文本占位符 3">
+            <a:extLst>
+              <a:ext uri="{FF2B5EF4-FFF2-40B4-BE49-F238E27FC236}">
+                <a16:creationId xmlns:a16="http://schemas.microsoft.com/office/drawing/2014/main" id="{0F429BFD-3EBD-4156-B301-BF599119FDFD}"/>
+              </a:ext>
+            </a:extLst>
+          </p:cNvPr>
+          <p:cNvSpPr txBox="1">
+            <a:spLocks/>
+          </p:cNvSpPr>
+          <p:nvPr/>
+        </p:nvSpPr>
+        <p:spPr>
+          <a:xfrm>
+            <a:off x="2144990" y="2652357"/>
+            <a:ext cx="2106499" cy="707886"/>
+          </a:xfrm>
+          <a:prstGeom prst="rect">
+            <a:avLst/>
+          </a:prstGeom>
+        </p:spPr>
+        <p:txBody>
+          <a:bodyPr vert="horz" lIns="91440" tIns="45720" rIns="91440" bIns="45720" rtlCol="0" anchor="ctr" anchorCtr="0">
+            <a:normAutofit/>
+          </a:bodyPr>
+          <a:lstStyle>
+            <a:defPPr>
+              <a:defRPr lang="zh-CN"/>
+            </a:defPPr>
+            <a:lvl1pPr marL="0" indent="0" algn="l" defTabSz="914400" rtl="0" eaLnBrk="1" latinLnBrk="0" hangingPunct="1">
+              <a:buFontTx/>
+              <a:buNone/>
+              <a:defRPr kumimoji="0" lang="zh-CN" altLang="en-US" sz="4000" b="1" i="0" u="none" strike="noStrike" kern="1200" cap="none" spc="0" normalizeH="0" baseline="0" dirty="0" smtClean="0">
+                <a:ln>
+                  <a:noFill/>
+                </a:ln>
+                <a:solidFill>
+                  <a:prstClr val="white"/>
+                </a:solidFill>
+                <a:effectLst/>
+                <a:uLnTx/>
+                <a:uFillTx/>
+                <a:latin typeface="Arial" panose="020F0502020204030204"/>
+                <a:ea typeface="Microsoft YaHei"/>
+                <a:cs typeface="+mn-ea"/>
+              </a:defRPr>
+            </a:lvl1pPr>
+            <a:lvl2pPr marL="457200" algn="l" defTabSz="914400" rtl="0" eaLnBrk="1" latinLnBrk="0" hangingPunct="1">
+              <a:defRPr sz="1800" kern="1200">
+                <a:solidFill>
+                  <a:schemeClr val="tx1"/>
+                </a:solidFill>
+                <a:latin typeface="+mn-lt"/>
+                <a:ea typeface="+mn-ea"/>
+                <a:cs typeface="+mn-cs"/>
+              </a:defRPr>
+            </a:lvl2pPr>
+            <a:lvl3pPr marL="914400" algn="l" defTabSz="914400" rtl="0" eaLnBrk="1" latinLnBrk="0" hangingPunct="1">
+              <a:defRPr sz="1800" kern="1200">
+                <a:solidFill>
+                  <a:schemeClr val="tx1"/>
+                </a:solidFill>
+                <a:latin typeface="+mn-lt"/>
+                <a:ea typeface="+mn-ea"/>
+                <a:cs typeface="+mn-cs"/>
+              </a:defRPr>
+            </a:lvl3pPr>
+            <a:lvl4pPr marL="1371600" algn="l" defTabSz="914400" rtl="0" eaLnBrk="1" latinLnBrk="0" hangingPunct="1">
+              <a:defRPr sz="1800" kern="1200">
+                <a:solidFill>
+                  <a:schemeClr val="tx1"/>
+                </a:solidFill>
+                <a:latin typeface="+mn-lt"/>
+                <a:ea typeface="+mn-ea"/>
+                <a:cs typeface="+mn-cs"/>
+              </a:defRPr>
+            </a:lvl4pPr>
+            <a:lvl5pPr marL="1828800" algn="l" defTabSz="914400" rtl="0" eaLnBrk="1" latinLnBrk="0" hangingPunct="1">
+              <a:defRPr sz="1800" kern="1200">
+                <a:solidFill>
+                  <a:schemeClr val="tx1"/>
+                </a:solidFill>
+                <a:latin typeface="+mn-lt"/>
+                <a:ea typeface="+mn-ea"/>
+                <a:cs typeface="+mn-cs"/>
+              </a:defRPr>
+            </a:lvl5pPr>
+            <a:lvl6pPr marL="2286000" algn="l" defTabSz="914400" rtl="0" eaLnBrk="1" latinLnBrk="0" hangingPunct="1">
+              <a:defRPr sz="1800" kern="1200">
+                <a:solidFill>
+                  <a:schemeClr val="tx1"/>
+                </a:solidFill>
+                <a:latin typeface="+mn-lt"/>
+                <a:ea typeface="+mn-ea"/>
+                <a:cs typeface="+mn-cs"/>
+              </a:defRPr>
+            </a:lvl6pPr>
+            <a:lvl7pPr marL="2743200" algn="l" defTabSz="914400" rtl="0" eaLnBrk="1" latinLnBrk="0" hangingPunct="1">
+              <a:defRPr sz="1800" kern="1200">
+                <a:solidFill>
+                  <a:schemeClr val="tx1"/>
+                </a:solidFill>
+                <a:latin typeface="+mn-lt"/>
+                <a:ea typeface="+mn-ea"/>
+                <a:cs typeface="+mn-cs"/>
+              </a:defRPr>
+            </a:lvl7pPr>
+            <a:lvl8pPr marL="3200400" algn="l" defTabSz="914400" rtl="0" eaLnBrk="1" latinLnBrk="0" hangingPunct="1">
+              <a:defRPr sz="1800" kern="1200">
+                <a:solidFill>
+                  <a:schemeClr val="tx1"/>
+                </a:solidFill>
+                <a:latin typeface="+mn-lt"/>
+                <a:ea typeface="+mn-ea"/>
+                <a:cs typeface="+mn-cs"/>
+              </a:defRPr>
+            </a:lvl8pPr>
+            <a:lvl9pPr marL="3657600" algn="l" defTabSz="914400" rtl="0" eaLnBrk="1" latinLnBrk="0" hangingPunct="1">
+              <a:defRPr sz="1800" kern="1200">
+                <a:solidFill>
+                  <a:schemeClr val="tx1"/>
+                </a:solidFill>
+                <a:latin typeface="+mn-lt"/>
+                <a:ea typeface="+mn-ea"/>
+                <a:cs typeface="+mn-cs"/>
+              </a:defRPr>
+            </a:lvl9pPr>
+          </a:lstStyle>
+          <a:p>
+            <a:pPr>
+              <a:defRPr/>
+            </a:pPr>
+            <a:r>
+              <a:rPr lang="en-US" altLang="zh-CN" sz="3200" dirty="0"/>
+              <a:t>04</a:t>
+            </a:r>
+            <a:endParaRPr lang="en-US" sz="3200" dirty="0"/>
+          </a:p>
+        </p:txBody>
+      </p:sp>
+      <p:sp>
+        <p:nvSpPr>
+          <p:cNvPr id="24" name="文本占位符 3">
+            <a:extLst>
+              <a:ext uri="{FF2B5EF4-FFF2-40B4-BE49-F238E27FC236}">
+                <a16:creationId xmlns:a16="http://schemas.microsoft.com/office/drawing/2014/main" id="{ED552CB0-38B6-4F03-A66B-086645A29F17}"/>
+              </a:ext>
+            </a:extLst>
+          </p:cNvPr>
+          <p:cNvSpPr txBox="1">
+            <a:spLocks/>
+          </p:cNvSpPr>
+          <p:nvPr/>
+        </p:nvSpPr>
+        <p:spPr>
+          <a:xfrm>
+            <a:off x="875308" y="3520752"/>
+            <a:ext cx="7299999" cy="887667"/>
+          </a:xfrm>
+          <a:prstGeom prst="rect">
+            <a:avLst/>
+          </a:prstGeom>
+        </p:spPr>
+        <p:txBody>
+          <a:bodyPr vert="horz" lIns="91440" tIns="45720" rIns="91440" bIns="45720" rtlCol="0" anchor="ctr">
+            <a:noAutofit/>
+          </a:bodyPr>
+          <a:lstStyle>
+            <a:defPPr>
+              <a:defRPr lang="zh-CN"/>
+            </a:defPPr>
+            <a:lvl1pPr marL="0" indent="0" algn="ctr" defTabSz="914400" rtl="0" eaLnBrk="1" latinLnBrk="0" hangingPunct="1">
+              <a:buFontTx/>
+              <a:buNone/>
+              <a:defRPr lang="zh-CN" altLang="en-US" sz="4800" b="1" kern="1200" spc="400" dirty="0" smtClean="0">
+                <a:solidFill>
+                  <a:prstClr val="white"/>
+                </a:solidFill>
+                <a:latin typeface="Arial" panose="020F0502020204030204"/>
+                <a:ea typeface="Microsoft YaHei"/>
+                <a:cs typeface="+mn-ea"/>
+              </a:defRPr>
+            </a:lvl1pPr>
+            <a:lvl2pPr marL="457200" algn="l" defTabSz="914400" rtl="0" eaLnBrk="1" latinLnBrk="0" hangingPunct="1">
+              <a:defRPr sz="1800" kern="1200">
+                <a:solidFill>
+                  <a:schemeClr val="tx1"/>
+                </a:solidFill>
+                <a:latin typeface="+mn-lt"/>
+                <a:ea typeface="+mn-ea"/>
+                <a:cs typeface="+mn-cs"/>
+              </a:defRPr>
+            </a:lvl2pPr>
+            <a:lvl3pPr marL="914400" algn="l" defTabSz="914400" rtl="0" eaLnBrk="1" latinLnBrk="0" hangingPunct="1">
+              <a:defRPr sz="1800" kern="1200">
+                <a:solidFill>
+                  <a:schemeClr val="tx1"/>
+                </a:solidFill>
+                <a:latin typeface="+mn-lt"/>
+                <a:ea typeface="+mn-ea"/>
+                <a:cs typeface="+mn-cs"/>
+              </a:defRPr>
+            </a:lvl3pPr>
+            <a:lvl4pPr marL="1371600" algn="l" defTabSz="914400" rtl="0" eaLnBrk="1" latinLnBrk="0" hangingPunct="1">
+              <a:defRPr sz="1800" kern="1200">
+                <a:solidFill>
+                  <a:schemeClr val="tx1"/>
+                </a:solidFill>
+                <a:latin typeface="+mn-lt"/>
+                <a:ea typeface="+mn-ea"/>
+                <a:cs typeface="+mn-cs"/>
+              </a:defRPr>
+            </a:lvl4pPr>
+            <a:lvl5pPr marL="1828800" algn="l" defTabSz="914400" rtl="0" eaLnBrk="1" latinLnBrk="0" hangingPunct="1">
+              <a:defRPr sz="1800" kern="1200">
+                <a:solidFill>
+                  <a:schemeClr val="tx1"/>
+                </a:solidFill>
+                <a:latin typeface="+mn-lt"/>
+                <a:ea typeface="+mn-ea"/>
+                <a:cs typeface="+mn-cs"/>
+              </a:defRPr>
+            </a:lvl5pPr>
+            <a:lvl6pPr marL="2286000" algn="l" defTabSz="914400" rtl="0" eaLnBrk="1" latinLnBrk="0" hangingPunct="1">
+              <a:defRPr sz="1800" kern="1200">
+                <a:solidFill>
+                  <a:schemeClr val="tx1"/>
+                </a:solidFill>
+                <a:latin typeface="+mn-lt"/>
+                <a:ea typeface="+mn-ea"/>
+                <a:cs typeface="+mn-cs"/>
+              </a:defRPr>
+            </a:lvl6pPr>
+            <a:lvl7pPr marL="2743200" algn="l" defTabSz="914400" rtl="0" eaLnBrk="1" latinLnBrk="0" hangingPunct="1">
+              <a:defRPr sz="1800" kern="1200">
+                <a:solidFill>
+                  <a:schemeClr val="tx1"/>
+                </a:solidFill>
+                <a:latin typeface="+mn-lt"/>
+                <a:ea typeface="+mn-ea"/>
+                <a:cs typeface="+mn-cs"/>
+              </a:defRPr>
+            </a:lvl7pPr>
+            <a:lvl8pPr marL="3200400" algn="l" defTabSz="914400" rtl="0" eaLnBrk="1" latinLnBrk="0" hangingPunct="1">
+              <a:defRPr sz="1800" kern="1200">
+                <a:solidFill>
+                  <a:schemeClr val="tx1"/>
+                </a:solidFill>
+                <a:latin typeface="+mn-lt"/>
+                <a:ea typeface="+mn-ea"/>
+                <a:cs typeface="+mn-cs"/>
+              </a:defRPr>
+            </a:lvl8pPr>
+            <a:lvl9pPr marL="3657600" algn="l" defTabSz="914400" rtl="0" eaLnBrk="1" latinLnBrk="0" hangingPunct="1">
+              <a:defRPr sz="1800" kern="1200">
+                <a:solidFill>
+                  <a:schemeClr val="tx1"/>
+                </a:solidFill>
+                <a:latin typeface="+mn-lt"/>
+                <a:ea typeface="+mn-ea"/>
+                <a:cs typeface="+mn-cs"/>
+              </a:defRPr>
+            </a:lvl9pPr>
+          </a:lstStyle>
+          <a:p>
+            <a:pPr algn="l">
+              <a:defRPr/>
+            </a:pPr>
+            <a:r>
+              <a:rPr lang="zh-CN" altLang="en-US" sz="3600" dirty="0"/>
+              <a:t>矢量中文字库自动压缩</a:t>
+            </a:r>
+          </a:p>
+        </p:txBody>
+      </p:sp>
+      <p:sp>
+        <p:nvSpPr>
+          <p:cNvPr id="25" name="文本框 24">
+            <a:extLst>
+              <a:ext uri="{FF2B5EF4-FFF2-40B4-BE49-F238E27FC236}">
+                <a16:creationId xmlns:a16="http://schemas.microsoft.com/office/drawing/2014/main" id="{3627AA90-B6B9-432C-920C-AD85E4ACC13A}"/>
+              </a:ext>
+            </a:extLst>
+          </p:cNvPr>
+          <p:cNvSpPr txBox="1"/>
+          <p:nvPr/>
+        </p:nvSpPr>
+        <p:spPr>
+          <a:xfrm>
+            <a:off x="899118" y="4247593"/>
+            <a:ext cx="6831718" cy="461665"/>
+          </a:xfrm>
+          <a:prstGeom prst="rect">
+            <a:avLst/>
+          </a:prstGeom>
+          <a:noFill/>
+        </p:spPr>
+        <p:txBody>
+          <a:bodyPr wrap="square" rtlCol="0">
+            <a:spAutoFit/>
+          </a:bodyPr>
+          <a:lstStyle/>
+          <a:p>
+            <a:r>
+              <a:rPr lang="en-US" altLang="zh-CN" sz="2400" dirty="0">
+                <a:solidFill>
+                  <a:schemeClr val="bg1">
+                    <a:alpha val="60000"/>
+                  </a:schemeClr>
+                </a:solidFill>
+                <a:latin typeface="Arial" panose="020B0604020202020204" pitchFamily="34" charset="0"/>
+                <a:cs typeface="Arial" panose="020B0604020202020204" pitchFamily="34" charset="0"/>
+              </a:rPr>
+              <a:t>Automatic Compression of Chinese Vector Fonts</a:t>
+            </a:r>
+            <a:endParaRPr lang="zh-CN" altLang="en-US" sz="2400" dirty="0">
+              <a:solidFill>
+                <a:schemeClr val="bg1">
+                  <a:alpha val="60000"/>
+                </a:schemeClr>
+              </a:solidFill>
+              <a:latin typeface="Arial" panose="020B0604020202020204" pitchFamily="34" charset="0"/>
+              <a:cs typeface="Arial" panose="020B0604020202020204" pitchFamily="34" charset="0"/>
+            </a:endParaRPr>
+          </a:p>
+        </p:txBody>
+      </p:sp>
+    </p:spTree>
+    <p:extLst>
+      <p:ext uri="{BB962C8B-B14F-4D97-AF65-F5344CB8AC3E}">
+        <p14:creationId xmlns:p14="http://schemas.microsoft.com/office/powerpoint/2010/main" val="2969371750"/>
+      </p:ext>
+    </p:extLst>
+  </p:cSld>
+  <p:clrMapOvr>
+    <a:masterClrMapping/>
+  </p:clrMapOvr>
+</p:sld>
+</file>
+
+<file path=ppt/slides/slide7.xml><?xml version="1.0" encoding="utf-8"?>
+<p:sld xmlns:a="http://schemas.openxmlformats.org/drawingml/2006/main" xmlns:r="http://schemas.openxmlformats.org/officeDocument/2006/relationships" xmlns:p="http://schemas.openxmlformats.org/presentationml/2006/main">
+  <p:cSld>
+    <p:spTree>
+      <p:nvGrpSpPr>
+        <p:cNvPr id="1" name=""/>
+        <p:cNvGrpSpPr/>
+        <p:nvPr/>
+      </p:nvGrpSpPr>
+      <p:grpSpPr>
+        <a:xfrm>
+          <a:off x="0" y="0"/>
+          <a:ext cx="0" cy="0"/>
+          <a:chOff x="0" y="0"/>
+          <a:chExt cx="0" cy="0"/>
+        </a:xfrm>
+      </p:grpSpPr>
+      <p:pic>
+        <p:nvPicPr>
+          <p:cNvPr id="168" name="图片 167">
+            <a:extLst>
+              <a:ext uri="{FF2B5EF4-FFF2-40B4-BE49-F238E27FC236}">
+                <a16:creationId xmlns:a16="http://schemas.microsoft.com/office/drawing/2014/main" id="{AC4DFD5A-B18D-4B34-AC6D-86280278FC73}"/>
+              </a:ext>
+            </a:extLst>
+          </p:cNvPr>
+          <p:cNvPicPr>
+            <a:picLocks noChangeAspect="1"/>
+          </p:cNvPicPr>
+          <p:nvPr/>
+        </p:nvPicPr>
+        <p:blipFill>
+          <a:blip r:embed="rId2"/>
+          <a:stretch>
+            <a:fillRect/>
+          </a:stretch>
+        </p:blipFill>
+        <p:spPr>
+          <a:xfrm>
+            <a:off x="537736" y="541314"/>
+            <a:ext cx="2249619" cy="658425"/>
+          </a:xfrm>
+          <a:prstGeom prst="rect">
+            <a:avLst/>
+          </a:prstGeom>
+        </p:spPr>
+      </p:pic>
+      <p:sp>
+        <p:nvSpPr>
+          <p:cNvPr id="169" name="矩形 168">
+            <a:extLst>
+              <a:ext uri="{FF2B5EF4-FFF2-40B4-BE49-F238E27FC236}">
+                <a16:creationId xmlns:a16="http://schemas.microsoft.com/office/drawing/2014/main" id="{3274587D-36EC-4195-8AD2-DD23F49152B2}"/>
+              </a:ext>
+            </a:extLst>
+          </p:cNvPr>
+          <p:cNvSpPr/>
+          <p:nvPr/>
+        </p:nvSpPr>
+        <p:spPr>
+          <a:xfrm>
+            <a:off x="0" y="1764872"/>
+            <a:ext cx="9144000" cy="3328257"/>
+          </a:xfrm>
+          <a:prstGeom prst="rect">
+            <a:avLst/>
+          </a:prstGeom>
+          <a:solidFill>
+            <a:srgbClr val="9A0001"/>
+          </a:solidFill>
+          <a:ln w="0">
+            <a:noFill/>
+          </a:ln>
+        </p:spPr>
+        <p:style>
+          <a:lnRef idx="2">
+            <a:schemeClr val="accent1">
+              <a:shade val="50000"/>
+            </a:schemeClr>
+          </a:lnRef>
+          <a:fillRef idx="1">
+            <a:schemeClr val="accent1"/>
+          </a:fillRef>
+          <a:effectRef idx="0">
+            <a:schemeClr val="accent1"/>
+          </a:effectRef>
+          <a:fontRef idx="minor">
+            <a:schemeClr val="lt1"/>
+          </a:fontRef>
+        </p:style>
+        <p:txBody>
+          <a:bodyPr rot="0" spcFirstLastPara="0" vertOverflow="overflow" horzOverflow="overflow" vert="horz" wrap="square" lIns="91440" tIns="45720" rIns="91440" bIns="45720" numCol="1" spcCol="0" rtlCol="0" fromWordArt="0" anchor="ctr" anchorCtr="0" forceAA="0" compatLnSpc="1">
+            <a:prstTxWarp prst="textNoShape">
+              <a:avLst/>
+            </a:prstTxWarp>
+            <a:noAutofit/>
+          </a:bodyPr>
+          <a:lstStyle/>
+          <a:p>
+            <a:pPr marL="0" marR="0" lvl="0" indent="0" algn="ctr" defTabSz="914400" rtl="0" eaLnBrk="1" fontAlgn="auto" latinLnBrk="0" hangingPunct="1">
+              <a:lnSpc>
+                <a:spcPct val="100000"/>
+              </a:lnSpc>
+              <a:spcBef>
+                <a:spcPts val="0"/>
+              </a:spcBef>
+              <a:spcAft>
+                <a:spcPts val="0"/>
+              </a:spcAft>
+              <a:buClrTx/>
+              <a:buSzTx/>
+              <a:buFontTx/>
+              <a:buNone/>
+              <a:tabLst/>
+              <a:defRPr/>
+            </a:pPr>
+            <a:endParaRPr kumimoji="0" lang="zh-CN" altLang="en-US" sz="1800" b="0" i="0" u="none" strike="noStrike" kern="1200" cap="none" spc="0" normalizeH="0" baseline="0" noProof="0">
+              <a:ln>
+                <a:noFill/>
+              </a:ln>
+              <a:solidFill>
+                <a:prstClr val="white"/>
+              </a:solidFill>
+              <a:effectLst/>
+              <a:uLnTx/>
+              <a:uFillTx/>
+              <a:latin typeface="Arial" panose="020F0502020204030204"/>
+              <a:ea typeface="Microsoft YaHei"/>
+              <a:cs typeface="+mn-ea"/>
+              <a:sym typeface="+mn-lt"/>
+            </a:endParaRPr>
+          </a:p>
+        </p:txBody>
+      </p:sp>
+      <p:pic>
+        <p:nvPicPr>
+          <p:cNvPr id="170" name="图形 169">
+            <a:extLst>
+              <a:ext uri="{FF2B5EF4-FFF2-40B4-BE49-F238E27FC236}">
+                <a16:creationId xmlns:a16="http://schemas.microsoft.com/office/drawing/2014/main" id="{5A5B8011-6E7D-44AB-B1AE-3364C27C6CF1}"/>
+              </a:ext>
+            </a:extLst>
+          </p:cNvPr>
+          <p:cNvPicPr>
+            <a:picLocks noChangeAspect="1"/>
+          </p:cNvPicPr>
+          <p:nvPr/>
+        </p:nvPicPr>
+        <p:blipFill>
+          <a:blip r:embed="rId3">
+            <a:extLst>
+              <a:ext uri="{96DAC541-7B7A-43D3-8B79-37D633B846F1}">
+                <asvg:svgBlip xmlns:asvg="http://schemas.microsoft.com/office/drawing/2016/SVG/main" r:embed="rId4"/>
+              </a:ext>
+            </a:extLst>
+          </a:blip>
+          <a:stretch>
+            <a:fillRect/>
+          </a:stretch>
+        </p:blipFill>
+        <p:spPr>
+          <a:xfrm>
+            <a:off x="5070763" y="1572822"/>
+            <a:ext cx="5135421" cy="3712356"/>
+          </a:xfrm>
+          <a:prstGeom prst="rect">
+            <a:avLst/>
+          </a:prstGeom>
+        </p:spPr>
+      </p:pic>
+      <p:cxnSp>
+        <p:nvCxnSpPr>
+          <p:cNvPr id="171" name="直接连接符 170">
+            <a:extLst>
+              <a:ext uri="{FF2B5EF4-FFF2-40B4-BE49-F238E27FC236}">
+                <a16:creationId xmlns:a16="http://schemas.microsoft.com/office/drawing/2014/main" id="{2F663AE3-BB17-4A00-B330-EAE1828DAAA1}"/>
+              </a:ext>
+            </a:extLst>
+          </p:cNvPr>
+          <p:cNvCxnSpPr>
+            <a:cxnSpLocks/>
+          </p:cNvCxnSpPr>
+          <p:nvPr/>
+        </p:nvCxnSpPr>
+        <p:spPr>
+          <a:xfrm>
+            <a:off x="959459" y="3428999"/>
+            <a:ext cx="361341" cy="0"/>
+          </a:xfrm>
+          <a:prstGeom prst="line">
+            <a:avLst/>
+          </a:prstGeom>
+          <a:ln>
+            <a:solidFill>
+              <a:schemeClr val="bg1"/>
+            </a:solidFill>
+          </a:ln>
+        </p:spPr>
+        <p:style>
+          <a:lnRef idx="1">
+            <a:schemeClr val="accent1"/>
+          </a:lnRef>
+          <a:fillRef idx="0">
+            <a:schemeClr val="accent1"/>
+          </a:fillRef>
+          <a:effectRef idx="0">
+            <a:schemeClr val="accent1"/>
+          </a:effectRef>
+          <a:fontRef idx="minor">
+            <a:schemeClr val="tx1"/>
+          </a:fontRef>
+        </p:style>
+      </p:cxnSp>
+      <p:sp>
+        <p:nvSpPr>
+          <p:cNvPr id="13" name="灯片编号占位符 12">
+            <a:extLst>
+              <a:ext uri="{FF2B5EF4-FFF2-40B4-BE49-F238E27FC236}">
+                <a16:creationId xmlns:a16="http://schemas.microsoft.com/office/drawing/2014/main" id="{EA7627FE-C415-4353-A8AF-8D1BC3BC9C11}"/>
+              </a:ext>
+            </a:extLst>
+          </p:cNvPr>
+          <p:cNvSpPr>
+            <a:spLocks noGrp="1"/>
+          </p:cNvSpPr>
+          <p:nvPr>
+            <p:ph type="sldNum" sz="quarter" idx="12"/>
+          </p:nvPr>
+        </p:nvSpPr>
+        <p:spPr/>
+        <p:txBody>
+          <a:bodyPr/>
+          <a:lstStyle/>
+          <a:p>
+            <a:fld id="{1003C2F6-E224-4DE8-ABB8-1B4A7B626BCD}" type="slidenum">
+              <a:rPr lang="zh-CN" altLang="en-US" smtClean="0"/>
+              <a:pPr/>
+              <a:t>7</a:t>
+            </a:fld>
+            <a:r>
+              <a:rPr lang="en-US" altLang="zh-CN"/>
+              <a:t>/50</a:t>
+            </a:r>
+            <a:endParaRPr lang="zh-CN" altLang="en-US" dirty="0"/>
+          </a:p>
+        </p:txBody>
+      </p:sp>
+      <p:sp>
+        <p:nvSpPr>
+          <p:cNvPr id="22" name="矩形 21">
+            <a:extLst>
+              <a:ext uri="{FF2B5EF4-FFF2-40B4-BE49-F238E27FC236}">
+                <a16:creationId xmlns:a16="http://schemas.microsoft.com/office/drawing/2014/main" id="{626FD293-559D-4779-86D4-4386E436A3EC}"/>
+              </a:ext>
+            </a:extLst>
+          </p:cNvPr>
+          <p:cNvSpPr/>
+          <p:nvPr/>
+        </p:nvSpPr>
+        <p:spPr>
+          <a:xfrm>
+            <a:off x="875308" y="2713913"/>
+            <a:ext cx="1503040" cy="584775"/>
+          </a:xfrm>
+          <a:prstGeom prst="rect">
+            <a:avLst/>
+          </a:prstGeom>
+        </p:spPr>
+        <p:txBody>
+          <a:bodyPr wrap="square">
+            <a:spAutoFit/>
+          </a:bodyPr>
+          <a:lstStyle/>
+          <a:p>
+            <a:r>
+              <a:rPr kumimoji="0" lang="en-US" altLang="zh-CN" sz="3200" b="0" i="0" u="none" strike="noStrike" kern="1200" cap="none" spc="0" normalizeH="0" baseline="0" dirty="0">
+                <a:ln>
+                  <a:noFill/>
+                </a:ln>
+                <a:solidFill>
+                  <a:prstClr val="white"/>
+                </a:solidFill>
+                <a:effectLst/>
+                <a:uLnTx/>
+                <a:uFillTx/>
+                <a:latin typeface="Arial" panose="020F0502020204030204"/>
+                <a:ea typeface="Microsoft YaHei"/>
+                <a:cs typeface="+mn-ea"/>
+              </a:rPr>
+              <a:t>PART</a:t>
+            </a:r>
+            <a:endParaRPr kumimoji="0" lang="zh-CN" altLang="en-US" sz="3200" b="0" i="0" u="none" strike="noStrike" kern="1200" cap="none" spc="0" normalizeH="0" baseline="0" dirty="0">
+              <a:ln>
+                <a:noFill/>
+              </a:ln>
+              <a:solidFill>
+                <a:prstClr val="white"/>
+              </a:solidFill>
+              <a:effectLst/>
+              <a:uLnTx/>
+              <a:uFillTx/>
+              <a:latin typeface="Arial" panose="020F0502020204030204"/>
+              <a:ea typeface="Microsoft YaHei"/>
+              <a:cs typeface="+mn-ea"/>
+            </a:endParaRPr>
+          </a:p>
+        </p:txBody>
+      </p:sp>
+      <p:sp>
+        <p:nvSpPr>
+          <p:cNvPr id="23" name="文本占位符 3">
+            <a:extLst>
+              <a:ext uri="{FF2B5EF4-FFF2-40B4-BE49-F238E27FC236}">
+                <a16:creationId xmlns:a16="http://schemas.microsoft.com/office/drawing/2014/main" id="{5EDC6ED5-BC70-4CBE-A521-A8D919AE2464}"/>
+              </a:ext>
+            </a:extLst>
+          </p:cNvPr>
+          <p:cNvSpPr txBox="1">
+            <a:spLocks/>
+          </p:cNvSpPr>
+          <p:nvPr/>
+        </p:nvSpPr>
+        <p:spPr>
+          <a:xfrm>
+            <a:off x="2144990" y="2652357"/>
+            <a:ext cx="2106499" cy="707886"/>
+          </a:xfrm>
+          <a:prstGeom prst="rect">
+            <a:avLst/>
+          </a:prstGeom>
+        </p:spPr>
+        <p:txBody>
+          <a:bodyPr vert="horz" lIns="91440" tIns="45720" rIns="91440" bIns="45720" rtlCol="0" anchor="ctr" anchorCtr="0">
+            <a:normAutofit/>
+          </a:bodyPr>
+          <a:lstStyle>
+            <a:defPPr>
+              <a:defRPr lang="zh-CN"/>
+            </a:defPPr>
+            <a:lvl1pPr marL="0" indent="0" algn="l" defTabSz="914400" rtl="0" eaLnBrk="1" latinLnBrk="0" hangingPunct="1">
+              <a:buFontTx/>
+              <a:buNone/>
+              <a:defRPr kumimoji="0" lang="zh-CN" altLang="en-US" sz="4000" b="1" i="0" u="none" strike="noStrike" kern="1200" cap="none" spc="0" normalizeH="0" baseline="0" dirty="0" smtClean="0">
+                <a:ln>
+                  <a:noFill/>
+                </a:ln>
+                <a:solidFill>
+                  <a:prstClr val="white"/>
+                </a:solidFill>
+                <a:effectLst/>
+                <a:uLnTx/>
+                <a:uFillTx/>
+                <a:latin typeface="Arial" panose="020F0502020204030204"/>
+                <a:ea typeface="Microsoft YaHei"/>
+                <a:cs typeface="+mn-ea"/>
+              </a:defRPr>
+            </a:lvl1pPr>
+            <a:lvl2pPr marL="457200" algn="l" defTabSz="914400" rtl="0" eaLnBrk="1" latinLnBrk="0" hangingPunct="1">
+              <a:defRPr sz="1800" kern="1200">
+                <a:solidFill>
+                  <a:schemeClr val="tx1"/>
+                </a:solidFill>
+                <a:latin typeface="+mn-lt"/>
+                <a:ea typeface="+mn-ea"/>
+                <a:cs typeface="+mn-cs"/>
+              </a:defRPr>
+            </a:lvl2pPr>
+            <a:lvl3pPr marL="914400" algn="l" defTabSz="914400" rtl="0" eaLnBrk="1" latinLnBrk="0" hangingPunct="1">
+              <a:defRPr sz="1800" kern="1200">
+                <a:solidFill>
+                  <a:schemeClr val="tx1"/>
+                </a:solidFill>
+                <a:latin typeface="+mn-lt"/>
+                <a:ea typeface="+mn-ea"/>
+                <a:cs typeface="+mn-cs"/>
+              </a:defRPr>
+            </a:lvl3pPr>
+            <a:lvl4pPr marL="1371600" algn="l" defTabSz="914400" rtl="0" eaLnBrk="1" latinLnBrk="0" hangingPunct="1">
+              <a:defRPr sz="1800" kern="1200">
+                <a:solidFill>
+                  <a:schemeClr val="tx1"/>
+                </a:solidFill>
+                <a:latin typeface="+mn-lt"/>
+                <a:ea typeface="+mn-ea"/>
+                <a:cs typeface="+mn-cs"/>
+              </a:defRPr>
+            </a:lvl4pPr>
+            <a:lvl5pPr marL="1828800" algn="l" defTabSz="914400" rtl="0" eaLnBrk="1" latinLnBrk="0" hangingPunct="1">
+              <a:defRPr sz="1800" kern="1200">
+                <a:solidFill>
+                  <a:schemeClr val="tx1"/>
+                </a:solidFill>
+                <a:latin typeface="+mn-lt"/>
+                <a:ea typeface="+mn-ea"/>
+                <a:cs typeface="+mn-cs"/>
+              </a:defRPr>
+            </a:lvl5pPr>
+            <a:lvl6pPr marL="2286000" algn="l" defTabSz="914400" rtl="0" eaLnBrk="1" latinLnBrk="0" hangingPunct="1">
+              <a:defRPr sz="1800" kern="1200">
+                <a:solidFill>
+                  <a:schemeClr val="tx1"/>
+                </a:solidFill>
+                <a:latin typeface="+mn-lt"/>
+                <a:ea typeface="+mn-ea"/>
+                <a:cs typeface="+mn-cs"/>
+              </a:defRPr>
+            </a:lvl6pPr>
+            <a:lvl7pPr marL="2743200" algn="l" defTabSz="914400" rtl="0" eaLnBrk="1" latinLnBrk="0" hangingPunct="1">
+              <a:defRPr sz="1800" kern="1200">
+                <a:solidFill>
+                  <a:schemeClr val="tx1"/>
+                </a:solidFill>
+                <a:latin typeface="+mn-lt"/>
+                <a:ea typeface="+mn-ea"/>
+                <a:cs typeface="+mn-cs"/>
+              </a:defRPr>
+            </a:lvl7pPr>
+            <a:lvl8pPr marL="3200400" algn="l" defTabSz="914400" rtl="0" eaLnBrk="1" latinLnBrk="0" hangingPunct="1">
+              <a:defRPr sz="1800" kern="1200">
+                <a:solidFill>
+                  <a:schemeClr val="tx1"/>
+                </a:solidFill>
+                <a:latin typeface="+mn-lt"/>
+                <a:ea typeface="+mn-ea"/>
+                <a:cs typeface="+mn-cs"/>
+              </a:defRPr>
+            </a:lvl8pPr>
+            <a:lvl9pPr marL="3657600" algn="l" defTabSz="914400" rtl="0" eaLnBrk="1" latinLnBrk="0" hangingPunct="1">
+              <a:defRPr sz="1800" kern="1200">
+                <a:solidFill>
+                  <a:schemeClr val="tx1"/>
+                </a:solidFill>
+                <a:latin typeface="+mn-lt"/>
+                <a:ea typeface="+mn-ea"/>
+                <a:cs typeface="+mn-cs"/>
+              </a:defRPr>
+            </a:lvl9pPr>
+          </a:lstStyle>
+          <a:p>
+            <a:pPr>
+              <a:defRPr/>
+            </a:pPr>
+            <a:r>
+              <a:rPr lang="en-US" altLang="zh-CN" sz="3200" dirty="0"/>
+              <a:t>05</a:t>
+            </a:r>
+            <a:endParaRPr lang="en-US" sz="3200" dirty="0"/>
+          </a:p>
+        </p:txBody>
+      </p:sp>
+      <p:sp>
+        <p:nvSpPr>
+          <p:cNvPr id="24" name="文本占位符 3">
+            <a:extLst>
+              <a:ext uri="{FF2B5EF4-FFF2-40B4-BE49-F238E27FC236}">
+                <a16:creationId xmlns:a16="http://schemas.microsoft.com/office/drawing/2014/main" id="{6BE4F377-47E3-4089-8F44-D265FB273E8B}"/>
+              </a:ext>
+            </a:extLst>
+          </p:cNvPr>
+          <p:cNvSpPr txBox="1">
+            <a:spLocks/>
+          </p:cNvSpPr>
+          <p:nvPr/>
+        </p:nvSpPr>
+        <p:spPr>
+          <a:xfrm>
+            <a:off x="875308" y="3520752"/>
+            <a:ext cx="7299999" cy="887667"/>
+          </a:xfrm>
+          <a:prstGeom prst="rect">
+            <a:avLst/>
+          </a:prstGeom>
+        </p:spPr>
+        <p:txBody>
+          <a:bodyPr vert="horz" lIns="91440" tIns="45720" rIns="91440" bIns="45720" rtlCol="0" anchor="ctr">
+            <a:noAutofit/>
+          </a:bodyPr>
+          <a:lstStyle>
+            <a:defPPr>
+              <a:defRPr lang="zh-CN"/>
+            </a:defPPr>
+            <a:lvl1pPr marL="0" indent="0" algn="ctr" defTabSz="914400" rtl="0" eaLnBrk="1" latinLnBrk="0" hangingPunct="1">
+              <a:buFontTx/>
+              <a:buNone/>
+              <a:defRPr lang="zh-CN" altLang="en-US" sz="4800" b="1" kern="1200" spc="400" dirty="0" smtClean="0">
+                <a:solidFill>
+                  <a:prstClr val="white"/>
+                </a:solidFill>
+                <a:latin typeface="Arial" panose="020F0502020204030204"/>
+                <a:ea typeface="Microsoft YaHei"/>
+                <a:cs typeface="+mn-ea"/>
+              </a:defRPr>
+            </a:lvl1pPr>
+            <a:lvl2pPr marL="457200" algn="l" defTabSz="914400" rtl="0" eaLnBrk="1" latinLnBrk="0" hangingPunct="1">
+              <a:defRPr sz="1800" kern="1200">
+                <a:solidFill>
+                  <a:schemeClr val="tx1"/>
+                </a:solidFill>
+                <a:latin typeface="+mn-lt"/>
+                <a:ea typeface="+mn-ea"/>
+                <a:cs typeface="+mn-cs"/>
+              </a:defRPr>
+            </a:lvl2pPr>
+            <a:lvl3pPr marL="914400" algn="l" defTabSz="914400" rtl="0" eaLnBrk="1" latinLnBrk="0" hangingPunct="1">
+              <a:defRPr sz="1800" kern="1200">
+                <a:solidFill>
+                  <a:schemeClr val="tx1"/>
+                </a:solidFill>
+                <a:latin typeface="+mn-lt"/>
+                <a:ea typeface="+mn-ea"/>
+                <a:cs typeface="+mn-cs"/>
+              </a:defRPr>
+            </a:lvl3pPr>
+            <a:lvl4pPr marL="1371600" algn="l" defTabSz="914400" rtl="0" eaLnBrk="1" latinLnBrk="0" hangingPunct="1">
+              <a:defRPr sz="1800" kern="1200">
+                <a:solidFill>
+                  <a:schemeClr val="tx1"/>
+                </a:solidFill>
+                <a:latin typeface="+mn-lt"/>
+                <a:ea typeface="+mn-ea"/>
+                <a:cs typeface="+mn-cs"/>
+              </a:defRPr>
+            </a:lvl4pPr>
+            <a:lvl5pPr marL="1828800" algn="l" defTabSz="914400" rtl="0" eaLnBrk="1" latinLnBrk="0" hangingPunct="1">
+              <a:defRPr sz="1800" kern="1200">
+                <a:solidFill>
+                  <a:schemeClr val="tx1"/>
+                </a:solidFill>
+                <a:latin typeface="+mn-lt"/>
+                <a:ea typeface="+mn-ea"/>
+                <a:cs typeface="+mn-cs"/>
+              </a:defRPr>
+            </a:lvl5pPr>
+            <a:lvl6pPr marL="2286000" algn="l" defTabSz="914400" rtl="0" eaLnBrk="1" latinLnBrk="0" hangingPunct="1">
+              <a:defRPr sz="1800" kern="1200">
+                <a:solidFill>
+                  <a:schemeClr val="tx1"/>
+                </a:solidFill>
+                <a:latin typeface="+mn-lt"/>
+                <a:ea typeface="+mn-ea"/>
+                <a:cs typeface="+mn-cs"/>
+              </a:defRPr>
+            </a:lvl6pPr>
+            <a:lvl7pPr marL="2743200" algn="l" defTabSz="914400" rtl="0" eaLnBrk="1" latinLnBrk="0" hangingPunct="1">
+              <a:defRPr sz="1800" kern="1200">
+                <a:solidFill>
+                  <a:schemeClr val="tx1"/>
+                </a:solidFill>
+                <a:latin typeface="+mn-lt"/>
+                <a:ea typeface="+mn-ea"/>
+                <a:cs typeface="+mn-cs"/>
+              </a:defRPr>
+            </a:lvl7pPr>
+            <a:lvl8pPr marL="3200400" algn="l" defTabSz="914400" rtl="0" eaLnBrk="1" latinLnBrk="0" hangingPunct="1">
+              <a:defRPr sz="1800" kern="1200">
+                <a:solidFill>
+                  <a:schemeClr val="tx1"/>
+                </a:solidFill>
+                <a:latin typeface="+mn-lt"/>
+                <a:ea typeface="+mn-ea"/>
+                <a:cs typeface="+mn-cs"/>
+              </a:defRPr>
+            </a:lvl8pPr>
+            <a:lvl9pPr marL="3657600" algn="l" defTabSz="914400" rtl="0" eaLnBrk="1" latinLnBrk="0" hangingPunct="1">
+              <a:defRPr sz="1800" kern="1200">
+                <a:solidFill>
+                  <a:schemeClr val="tx1"/>
+                </a:solidFill>
+                <a:latin typeface="+mn-lt"/>
+                <a:ea typeface="+mn-ea"/>
+                <a:cs typeface="+mn-cs"/>
+              </a:defRPr>
+            </a:lvl9pPr>
+          </a:lstStyle>
+          <a:p>
+            <a:pPr algn="l">
+              <a:defRPr/>
+            </a:pPr>
+            <a:r>
+              <a:rPr lang="zh-CN" altLang="en-US" sz="3600" dirty="0"/>
+              <a:t>总结与展望</a:t>
+            </a:r>
+          </a:p>
+        </p:txBody>
+      </p:sp>
+      <p:sp>
+        <p:nvSpPr>
+          <p:cNvPr id="25" name="文本框 24">
+            <a:extLst>
+              <a:ext uri="{FF2B5EF4-FFF2-40B4-BE49-F238E27FC236}">
+                <a16:creationId xmlns:a16="http://schemas.microsoft.com/office/drawing/2014/main" id="{D1E33B32-85C3-47A1-AF53-E28CBABC6748}"/>
+              </a:ext>
+            </a:extLst>
+          </p:cNvPr>
+          <p:cNvSpPr txBox="1"/>
+          <p:nvPr/>
+        </p:nvSpPr>
+        <p:spPr>
+          <a:xfrm>
+            <a:off x="899118" y="4247593"/>
+            <a:ext cx="6573100" cy="461665"/>
+          </a:xfrm>
+          <a:prstGeom prst="rect">
+            <a:avLst/>
+          </a:prstGeom>
+          <a:noFill/>
+        </p:spPr>
+        <p:txBody>
+          <a:bodyPr wrap="square" rtlCol="0">
+            <a:spAutoFit/>
+          </a:bodyPr>
+          <a:lstStyle/>
+          <a:p>
+            <a:r>
+              <a:rPr lang="en-US" altLang="zh-CN" sz="2400" dirty="0">
+                <a:solidFill>
+                  <a:schemeClr val="bg1">
+                    <a:alpha val="60000"/>
+                  </a:schemeClr>
+                </a:solidFill>
+                <a:latin typeface="Arial" panose="020B0604020202020204" pitchFamily="34" charset="0"/>
+                <a:cs typeface="Arial" panose="020B0604020202020204" pitchFamily="34" charset="0"/>
+              </a:rPr>
+              <a:t>Conclusions and Future Research</a:t>
+            </a:r>
+            <a:endParaRPr lang="zh-CN" altLang="en-US" sz="2400" dirty="0">
+              <a:solidFill>
+                <a:schemeClr val="bg1">
+                  <a:alpha val="60000"/>
+                </a:schemeClr>
+              </a:solidFill>
+              <a:latin typeface="Arial" panose="020B0604020202020204" pitchFamily="34" charset="0"/>
+              <a:cs typeface="Arial" panose="020B0604020202020204" pitchFamily="34" charset="0"/>
+            </a:endParaRPr>
+          </a:p>
+        </p:txBody>
+      </p:sp>
+    </p:spTree>
+    <p:extLst>
+      <p:ext uri="{BB962C8B-B14F-4D97-AF65-F5344CB8AC3E}">
+        <p14:creationId xmlns:p14="http://schemas.microsoft.com/office/powerpoint/2010/main" val="2222943561"/>
+      </p:ext>
+    </p:extLst>
+  </p:cSld>
+  <p:clrMapOvr>
+    <a:masterClrMapping/>
+  </p:clrMapOvr>
+</p:sld>
+</file>
+
 <file path=ppt/theme/theme1.xml><?xml version="1.0" encoding="utf-8"?>
-<a:theme xmlns:a="http://schemas.openxmlformats.org/drawingml/2006/main" name="Office 主题​​">
+<a:theme xmlns:a="http://schemas.openxmlformats.org/drawingml/2006/main" name="自定义设计方案">
   <a:themeElements>
-    <a:clrScheme name="Office 主题​​">
+    <a:clrScheme name="Office">
       <a:dk1>
         <a:sysClr val="windowText" lastClr="000000"/>
       </a:dk1>
@@ -3888,9 +9529,9 @@
         <a:srgbClr val="954F72"/>
       </a:folHlink>
     </a:clrScheme>
-    <a:fontScheme name="Office 主题​​">
+    <a:fontScheme name="Office">
       <a:majorFont>
-        <a:latin typeface="Calibri Light" panose="020F0302020204030204"/>
+        <a:latin typeface="等线 Light" panose="020F0302020204030204"/>
         <a:ea typeface=""/>
         <a:cs typeface=""/>
         <a:font script="Jpan" typeface="游ゴシック Light"/>
@@ -3923,9 +9564,26 @@
         <a:font script="Viet" typeface="Times New Roman"/>
         <a:font script="Uigh" typeface="Microsoft Uighur"/>
         <a:font script="Geor" typeface="Sylfaen"/>
+        <a:font script="Armn" typeface="Arial"/>
+        <a:font script="Bugi" typeface="Leelawadee UI"/>
+        <a:font script="Bopo" typeface="Microsoft JhengHei"/>
+        <a:font script="Java" typeface="Javanese Text"/>
+        <a:font script="Lisu" typeface="Segoe UI"/>
+        <a:font script="Mymr" typeface="Myanmar Text"/>
+        <a:font script="Nkoo" typeface="Ebrima"/>
+        <a:font script="Olck" typeface="Nirmala UI"/>
+        <a:font script="Osma" typeface="Ebrima"/>
+        <a:font script="Phag" typeface="Phagspa"/>
+        <a:font script="Syrn" typeface="Estrangelo Edessa"/>
+        <a:font script="Syrj" typeface="Estrangelo Edessa"/>
+        <a:font script="Syre" typeface="Estrangelo Edessa"/>
+        <a:font script="Sora" typeface="Nirmala UI"/>
+        <a:font script="Tale" typeface="Microsoft Tai Le"/>
+        <a:font script="Talu" typeface="Microsoft New Tai Lue"/>
+        <a:font script="Tfng" typeface="Ebrima"/>
       </a:majorFont>
       <a:minorFont>
-        <a:latin typeface="Calibri" panose="020F0502020204030204"/>
+        <a:latin typeface="等线" panose="020F0502020204030204"/>
         <a:ea typeface=""/>
         <a:cs typeface=""/>
         <a:font script="Jpan" typeface="游ゴシック"/>
@@ -3958,9 +9616,26 @@
         <a:font script="Viet" typeface="Arial"/>
         <a:font script="Uigh" typeface="Microsoft Uighur"/>
         <a:font script="Geor" typeface="Sylfaen"/>
+        <a:font script="Armn" typeface="Arial"/>
+        <a:font script="Bugi" typeface="Leelawadee UI"/>
+        <a:font script="Bopo" typeface="Microsoft JhengHei"/>
+        <a:font script="Java" typeface="Javanese Text"/>
+        <a:font script="Lisu" typeface="Segoe UI"/>
+        <a:font script="Mymr" typeface="Myanmar Text"/>
+        <a:font script="Nkoo" typeface="Ebrima"/>
+        <a:font script="Olck" typeface="Nirmala UI"/>
+        <a:font script="Osma" typeface="Ebrima"/>
+        <a:font script="Phag" typeface="Phagspa"/>
+        <a:font script="Syrn" typeface="Estrangelo Edessa"/>
+        <a:font script="Syrj" typeface="Estrangelo Edessa"/>
+        <a:font script="Syre" typeface="Estrangelo Edessa"/>
+        <a:font script="Sora" typeface="Nirmala UI"/>
+        <a:font script="Tale" typeface="Microsoft Tai Le"/>
+        <a:font script="Talu" typeface="Microsoft New Tai Lue"/>
+        <a:font script="Tfng" typeface="Ebrima"/>
       </a:minorFont>
     </a:fontScheme>
-    <a:fmtScheme name="Office 主题​​">
+    <a:fmtScheme name="Office">
       <a:fillStyleLst>
         <a:solidFill>
           <a:schemeClr val="phClr"/>
@@ -4401,4 +10076,299 @@
     </a:ext>
   </a:extLst>
 </a:theme>
+</file>
+
+<file path=ppt/theme/theme3.xml><?xml version="1.0" encoding="utf-8"?>
+<a:theme xmlns:a="http://schemas.openxmlformats.org/drawingml/2006/main" name="Office 主题​​">
+  <a:themeElements>
+    <a:clrScheme name="Office">
+      <a:dk1>
+        <a:sysClr val="windowText" lastClr="000000"/>
+      </a:dk1>
+      <a:lt1>
+        <a:sysClr val="window" lastClr="FFFFFF"/>
+      </a:lt1>
+      <a:dk2>
+        <a:srgbClr val="44546A"/>
+      </a:dk2>
+      <a:lt2>
+        <a:srgbClr val="E7E6E6"/>
+      </a:lt2>
+      <a:accent1>
+        <a:srgbClr val="4472C4"/>
+      </a:accent1>
+      <a:accent2>
+        <a:srgbClr val="ED7D31"/>
+      </a:accent2>
+      <a:accent3>
+        <a:srgbClr val="A5A5A5"/>
+      </a:accent3>
+      <a:accent4>
+        <a:srgbClr val="FFC000"/>
+      </a:accent4>
+      <a:accent5>
+        <a:srgbClr val="5B9BD5"/>
+      </a:accent5>
+      <a:accent6>
+        <a:srgbClr val="70AD47"/>
+      </a:accent6>
+      <a:hlink>
+        <a:srgbClr val="0563C1"/>
+      </a:hlink>
+      <a:folHlink>
+        <a:srgbClr val="954F72"/>
+      </a:folHlink>
+    </a:clrScheme>
+    <a:fontScheme name="Office">
+      <a:majorFont>
+        <a:latin typeface="等线 Light" panose="020F0302020204030204"/>
+        <a:ea typeface=""/>
+        <a:cs typeface=""/>
+        <a:font script="Jpan" typeface="游ゴシック Light"/>
+        <a:font script="Hang" typeface="맑은 고딕"/>
+        <a:font script="Hans" typeface="等线 Light"/>
+        <a:font script="Hant" typeface="新細明體"/>
+        <a:font script="Arab" typeface="Times New Roman"/>
+        <a:font script="Hebr" typeface="Times New Roman"/>
+        <a:font script="Thai" typeface="Angsana New"/>
+        <a:font script="Ethi" typeface="Nyala"/>
+        <a:font script="Beng" typeface="Vrinda"/>
+        <a:font script="Gujr" typeface="Shruti"/>
+        <a:font script="Khmr" typeface="MoolBoran"/>
+        <a:font script="Knda" typeface="Tunga"/>
+        <a:font script="Guru" typeface="Raavi"/>
+        <a:font script="Cans" typeface="Euphemia"/>
+        <a:font script="Cher" typeface="Plantagenet Cherokee"/>
+        <a:font script="Yiii" typeface="Microsoft Yi Baiti"/>
+        <a:font script="Tibt" typeface="Microsoft Himalaya"/>
+        <a:font script="Thaa" typeface="MV Boli"/>
+        <a:font script="Deva" typeface="Mangal"/>
+        <a:font script="Telu" typeface="Gautami"/>
+        <a:font script="Taml" typeface="Latha"/>
+        <a:font script="Syrc" typeface="Estrangelo Edessa"/>
+        <a:font script="Orya" typeface="Kalinga"/>
+        <a:font script="Mlym" typeface="Kartika"/>
+        <a:font script="Laoo" typeface="DokChampa"/>
+        <a:font script="Sinh" typeface="Iskoola Pota"/>
+        <a:font script="Mong" typeface="Mongolian Baiti"/>
+        <a:font script="Viet" typeface="Times New Roman"/>
+        <a:font script="Uigh" typeface="Microsoft Uighur"/>
+        <a:font script="Geor" typeface="Sylfaen"/>
+        <a:font script="Armn" typeface="Arial"/>
+        <a:font script="Bugi" typeface="Leelawadee UI"/>
+        <a:font script="Bopo" typeface="Microsoft JhengHei"/>
+        <a:font script="Java" typeface="Javanese Text"/>
+        <a:font script="Lisu" typeface="Segoe UI"/>
+        <a:font script="Mymr" typeface="Myanmar Text"/>
+        <a:font script="Nkoo" typeface="Ebrima"/>
+        <a:font script="Olck" typeface="Nirmala UI"/>
+        <a:font script="Osma" typeface="Ebrima"/>
+        <a:font script="Phag" typeface="Phagspa"/>
+        <a:font script="Syrn" typeface="Estrangelo Edessa"/>
+        <a:font script="Syrj" typeface="Estrangelo Edessa"/>
+        <a:font script="Syre" typeface="Estrangelo Edessa"/>
+        <a:font script="Sora" typeface="Nirmala UI"/>
+        <a:font script="Tale" typeface="Microsoft Tai Le"/>
+        <a:font script="Talu" typeface="Microsoft New Tai Lue"/>
+        <a:font script="Tfng" typeface="Ebrima"/>
+      </a:majorFont>
+      <a:minorFont>
+        <a:latin typeface="等线" panose="020F0502020204030204"/>
+        <a:ea typeface=""/>
+        <a:cs typeface=""/>
+        <a:font script="Jpan" typeface="游ゴシック"/>
+        <a:font script="Hang" typeface="맑은 고딕"/>
+        <a:font script="Hans" typeface="等线"/>
+        <a:font script="Hant" typeface="新細明體"/>
+        <a:font script="Arab" typeface="Arial"/>
+        <a:font script="Hebr" typeface="Arial"/>
+        <a:font script="Thai" typeface="Cordia New"/>
+        <a:font script="Ethi" typeface="Nyala"/>
+        <a:font script="Beng" typeface="Vrinda"/>
+        <a:font script="Gujr" typeface="Shruti"/>
+        <a:font script="Khmr" typeface="DaunPenh"/>
+        <a:font script="Knda" typeface="Tunga"/>
+        <a:font script="Guru" typeface="Raavi"/>
+        <a:font script="Cans" typeface="Euphemia"/>
+        <a:font script="Cher" typeface="Plantagenet Cherokee"/>
+        <a:font script="Yiii" typeface="Microsoft Yi Baiti"/>
+        <a:font script="Tibt" typeface="Microsoft Himalaya"/>
+        <a:font script="Thaa" typeface="MV Boli"/>
+        <a:font script="Deva" typeface="Mangal"/>
+        <a:font script="Telu" typeface="Gautami"/>
+        <a:font script="Taml" typeface="Latha"/>
+        <a:font script="Syrc" typeface="Estrangelo Edessa"/>
+        <a:font script="Orya" typeface="Kalinga"/>
+        <a:font script="Mlym" typeface="Kartika"/>
+        <a:font script="Laoo" typeface="DokChampa"/>
+        <a:font script="Sinh" typeface="Iskoola Pota"/>
+        <a:font script="Mong" typeface="Mongolian Baiti"/>
+        <a:font script="Viet" typeface="Arial"/>
+        <a:font script="Uigh" typeface="Microsoft Uighur"/>
+        <a:font script="Geor" typeface="Sylfaen"/>
+        <a:font script="Armn" typeface="Arial"/>
+        <a:font script="Bugi" typeface="Leelawadee UI"/>
+        <a:font script="Bopo" typeface="Microsoft JhengHei"/>
+        <a:font script="Java" typeface="Javanese Text"/>
+        <a:font script="Lisu" typeface="Segoe UI"/>
+        <a:font script="Mymr" typeface="Myanmar Text"/>
+        <a:font script="Nkoo" typeface="Ebrima"/>
+        <a:font script="Olck" typeface="Nirmala UI"/>
+        <a:font script="Osma" typeface="Ebrima"/>
+        <a:font script="Phag" typeface="Phagspa"/>
+        <a:font script="Syrn" typeface="Estrangelo Edessa"/>
+        <a:font script="Syrj" typeface="Estrangelo Edessa"/>
+        <a:font script="Syre" typeface="Estrangelo Edessa"/>
+        <a:font script="Sora" typeface="Nirmala UI"/>
+        <a:font script="Tale" typeface="Microsoft Tai Le"/>
+        <a:font script="Talu" typeface="Microsoft New Tai Lue"/>
+        <a:font script="Tfng" typeface="Ebrima"/>
+      </a:minorFont>
+    </a:fontScheme>
+    <a:fmtScheme name="Office">
+      <a:fillStyleLst>
+        <a:solidFill>
+          <a:schemeClr val="phClr"/>
+        </a:solidFill>
+        <a:gradFill rotWithShape="1">
+          <a:gsLst>
+            <a:gs pos="0">
+              <a:schemeClr val="phClr">
+                <a:lumMod val="110000"/>
+                <a:satMod val="105000"/>
+                <a:tint val="67000"/>
+              </a:schemeClr>
+            </a:gs>
+            <a:gs pos="50000">
+              <a:schemeClr val="phClr">
+                <a:lumMod val="105000"/>
+                <a:satMod val="103000"/>
+                <a:tint val="73000"/>
+              </a:schemeClr>
+            </a:gs>
+            <a:gs pos="100000">
+              <a:schemeClr val="phClr">
+                <a:lumMod val="105000"/>
+                <a:satMod val="109000"/>
+                <a:tint val="81000"/>
+              </a:schemeClr>
+            </a:gs>
+          </a:gsLst>
+          <a:lin ang="5400000" scaled="0"/>
+        </a:gradFill>
+        <a:gradFill rotWithShape="1">
+          <a:gsLst>
+            <a:gs pos="0">
+              <a:schemeClr val="phClr">
+                <a:satMod val="103000"/>
+                <a:lumMod val="102000"/>
+                <a:tint val="94000"/>
+              </a:schemeClr>
+            </a:gs>
+            <a:gs pos="50000">
+              <a:schemeClr val="phClr">
+                <a:satMod val="110000"/>
+                <a:lumMod val="100000"/>
+                <a:shade val="100000"/>
+              </a:schemeClr>
+            </a:gs>
+            <a:gs pos="100000">
+              <a:schemeClr val="phClr">
+                <a:lumMod val="99000"/>
+                <a:satMod val="120000"/>
+                <a:shade val="78000"/>
+              </a:schemeClr>
+            </a:gs>
+          </a:gsLst>
+          <a:lin ang="5400000" scaled="0"/>
+        </a:gradFill>
+      </a:fillStyleLst>
+      <a:lnStyleLst>
+        <a:ln w="6350" cap="flat" cmpd="sng" algn="ctr">
+          <a:solidFill>
+            <a:schemeClr val="phClr"/>
+          </a:solidFill>
+          <a:prstDash val="solid"/>
+          <a:miter lim="800000"/>
+        </a:ln>
+        <a:ln w="12700" cap="flat" cmpd="sng" algn="ctr">
+          <a:solidFill>
+            <a:schemeClr val="phClr"/>
+          </a:solidFill>
+          <a:prstDash val="solid"/>
+          <a:miter lim="800000"/>
+        </a:ln>
+        <a:ln w="19050" cap="flat" cmpd="sng" algn="ctr">
+          <a:solidFill>
+            <a:schemeClr val="phClr"/>
+          </a:solidFill>
+          <a:prstDash val="solid"/>
+          <a:miter lim="800000"/>
+        </a:ln>
+      </a:lnStyleLst>
+      <a:effectStyleLst>
+        <a:effectStyle>
+          <a:effectLst/>
+        </a:effectStyle>
+        <a:effectStyle>
+          <a:effectLst/>
+        </a:effectStyle>
+        <a:effectStyle>
+          <a:effectLst>
+            <a:outerShdw blurRad="57150" dist="19050" dir="5400000" algn="ctr" rotWithShape="0">
+              <a:srgbClr val="000000">
+                <a:alpha val="63000"/>
+              </a:srgbClr>
+            </a:outerShdw>
+          </a:effectLst>
+        </a:effectStyle>
+      </a:effectStyleLst>
+      <a:bgFillStyleLst>
+        <a:solidFill>
+          <a:schemeClr val="phClr"/>
+        </a:solidFill>
+        <a:solidFill>
+          <a:schemeClr val="phClr">
+            <a:tint val="95000"/>
+            <a:satMod val="170000"/>
+          </a:schemeClr>
+        </a:solidFill>
+        <a:gradFill rotWithShape="1">
+          <a:gsLst>
+            <a:gs pos="0">
+              <a:schemeClr val="phClr">
+                <a:tint val="93000"/>
+                <a:satMod val="150000"/>
+                <a:shade val="98000"/>
+                <a:lumMod val="102000"/>
+              </a:schemeClr>
+            </a:gs>
+            <a:gs pos="50000">
+              <a:schemeClr val="phClr">
+                <a:tint val="98000"/>
+                <a:satMod val="130000"/>
+                <a:shade val="90000"/>
+                <a:lumMod val="103000"/>
+              </a:schemeClr>
+            </a:gs>
+            <a:gs pos="100000">
+              <a:schemeClr val="phClr">
+                <a:shade val="63000"/>
+                <a:satMod val="120000"/>
+              </a:schemeClr>
+            </a:gs>
+          </a:gsLst>
+          <a:lin ang="5400000" scaled="0"/>
+        </a:gradFill>
+      </a:bgFillStyleLst>
+    </a:fmtScheme>
+  </a:themeElements>
+  <a:objectDefaults/>
+  <a:extraClrSchemeLst/>
+  <a:extLst>
+    <a:ext uri="{05A4C25C-085E-4340-85A3-A5531E510DB2}">
+      <thm15:themeFamily xmlns:thm15="http://schemas.microsoft.com/office/thememl/2012/main" name="Office Theme" id="{62F939B6-93AF-4DB8-9C6B-D6C7DFDC589F}" vid="{4A3C46E8-61CC-4603-A589-7422A47A8E4A}"/>
+    </a:ext>
+  </a:extLst>
+</a:theme>
 </file>